--- a/Assets/Documents_etc/アイコン作成.pptx
+++ b/Assets/Documents_etc/アイコン作成.pptx
@@ -26,7 +26,8 @@
     <p:sldId id="270" r:id="rId20"/>
     <p:sldId id="278" r:id="rId21"/>
     <p:sldId id="279" r:id="rId22"/>
-    <p:sldId id="280" r:id="rId23"/>
+    <p:sldId id="281" r:id="rId23"/>
+    <p:sldId id="280" r:id="rId24"/>
   </p:sldIdLst>
   <p:sldSz cx="12192000" cy="6858000"/>
   <p:notesSz cx="6858000" cy="9144000"/>
@@ -280,7 +281,7 @@
           <a:p>
             <a:fld id="{C86328C3-D5F4-4C2C-ACFC-4B0C4F5663EC}" type="datetimeFigureOut">
               <a:rPr kumimoji="1" lang="ja-JP" altLang="en-US" smtClean="0"/>
-              <a:t>2025/7/27</a:t>
+              <a:t>2025/7/28</a:t>
             </a:fld>
             <a:endParaRPr kumimoji="1" lang="ja-JP" altLang="en-US"/>
           </a:p>
@@ -510,7 +511,7 @@
           <a:p>
             <a:fld id="{C86328C3-D5F4-4C2C-ACFC-4B0C4F5663EC}" type="datetimeFigureOut">
               <a:rPr kumimoji="1" lang="ja-JP" altLang="en-US" smtClean="0"/>
-              <a:t>2025/7/27</a:t>
+              <a:t>2025/7/28</a:t>
             </a:fld>
             <a:endParaRPr kumimoji="1" lang="ja-JP" altLang="en-US"/>
           </a:p>
@@ -750,7 +751,7 @@
           <a:p>
             <a:fld id="{C86328C3-D5F4-4C2C-ACFC-4B0C4F5663EC}" type="datetimeFigureOut">
               <a:rPr kumimoji="1" lang="ja-JP" altLang="en-US" smtClean="0"/>
-              <a:t>2025/7/27</a:t>
+              <a:t>2025/7/28</a:t>
             </a:fld>
             <a:endParaRPr kumimoji="1" lang="ja-JP" altLang="en-US"/>
           </a:p>
@@ -980,7 +981,7 @@
           <a:p>
             <a:fld id="{C86328C3-D5F4-4C2C-ACFC-4B0C4F5663EC}" type="datetimeFigureOut">
               <a:rPr kumimoji="1" lang="ja-JP" altLang="en-US" smtClean="0"/>
-              <a:t>2025/7/27</a:t>
+              <a:t>2025/7/28</a:t>
             </a:fld>
             <a:endParaRPr kumimoji="1" lang="ja-JP" altLang="en-US"/>
           </a:p>
@@ -1255,7 +1256,7 @@
           <a:p>
             <a:fld id="{C86328C3-D5F4-4C2C-ACFC-4B0C4F5663EC}" type="datetimeFigureOut">
               <a:rPr kumimoji="1" lang="ja-JP" altLang="en-US" smtClean="0"/>
-              <a:t>2025/7/27</a:t>
+              <a:t>2025/7/28</a:t>
             </a:fld>
             <a:endParaRPr kumimoji="1" lang="ja-JP" altLang="en-US"/>
           </a:p>
@@ -1584,7 +1585,7 @@
           <a:p>
             <a:fld id="{C86328C3-D5F4-4C2C-ACFC-4B0C4F5663EC}" type="datetimeFigureOut">
               <a:rPr kumimoji="1" lang="ja-JP" altLang="en-US" smtClean="0"/>
-              <a:t>2025/7/27</a:t>
+              <a:t>2025/7/28</a:t>
             </a:fld>
             <a:endParaRPr kumimoji="1" lang="ja-JP" altLang="en-US"/>
           </a:p>
@@ -2060,7 +2061,7 @@
           <a:p>
             <a:fld id="{C86328C3-D5F4-4C2C-ACFC-4B0C4F5663EC}" type="datetimeFigureOut">
               <a:rPr kumimoji="1" lang="ja-JP" altLang="en-US" smtClean="0"/>
-              <a:t>2025/7/27</a:t>
+              <a:t>2025/7/28</a:t>
             </a:fld>
             <a:endParaRPr kumimoji="1" lang="ja-JP" altLang="en-US"/>
           </a:p>
@@ -2201,7 +2202,7 @@
           <a:p>
             <a:fld id="{C86328C3-D5F4-4C2C-ACFC-4B0C4F5663EC}" type="datetimeFigureOut">
               <a:rPr kumimoji="1" lang="ja-JP" altLang="en-US" smtClean="0"/>
-              <a:t>2025/7/27</a:t>
+              <a:t>2025/7/28</a:t>
             </a:fld>
             <a:endParaRPr kumimoji="1" lang="ja-JP" altLang="en-US"/>
           </a:p>
@@ -2314,7 +2315,7 @@
           <a:p>
             <a:fld id="{C86328C3-D5F4-4C2C-ACFC-4B0C4F5663EC}" type="datetimeFigureOut">
               <a:rPr kumimoji="1" lang="ja-JP" altLang="en-US" smtClean="0"/>
-              <a:t>2025/7/27</a:t>
+              <a:t>2025/7/28</a:t>
             </a:fld>
             <a:endParaRPr kumimoji="1" lang="ja-JP" altLang="en-US"/>
           </a:p>
@@ -2657,7 +2658,7 @@
           <a:p>
             <a:fld id="{C86328C3-D5F4-4C2C-ACFC-4B0C4F5663EC}" type="datetimeFigureOut">
               <a:rPr kumimoji="1" lang="ja-JP" altLang="en-US" smtClean="0"/>
-              <a:t>2025/7/27</a:t>
+              <a:t>2025/7/28</a:t>
             </a:fld>
             <a:endParaRPr kumimoji="1" lang="ja-JP" altLang="en-US"/>
           </a:p>
@@ -2945,7 +2946,7 @@
           <a:p>
             <a:fld id="{C86328C3-D5F4-4C2C-ACFC-4B0C4F5663EC}" type="datetimeFigureOut">
               <a:rPr kumimoji="1" lang="ja-JP" altLang="en-US" smtClean="0"/>
-              <a:t>2025/7/27</a:t>
+              <a:t>2025/7/28</a:t>
             </a:fld>
             <a:endParaRPr kumimoji="1" lang="ja-JP" altLang="en-US"/>
           </a:p>
@@ -3218,7 +3219,7 @@
           <a:p>
             <a:fld id="{C86328C3-D5F4-4C2C-ACFC-4B0C4F5663EC}" type="datetimeFigureOut">
               <a:rPr kumimoji="1" lang="ja-JP" altLang="en-US" smtClean="0"/>
-              <a:t>2025/7/27</a:t>
+              <a:t>2025/7/28</a:t>
             </a:fld>
             <a:endParaRPr kumimoji="1" lang="ja-JP" altLang="en-US"/>
           </a:p>
@@ -12023,6 +12024,67 @@
           </a:p>
         </p:txBody>
       </p:sp>
+      <p:sp>
+        <p:nvSpPr>
+          <p:cNvPr id="4" name="四角形: 角を丸くする 3">
+            <a:extLst>
+              <a:ext uri="{FF2B5EF4-FFF2-40B4-BE49-F238E27FC236}">
+                <a16:creationId xmlns:a16="http://schemas.microsoft.com/office/drawing/2014/main" id="{AAA27B4D-0445-DCC0-5D16-8A9D0D1DE1F0}"/>
+              </a:ext>
+            </a:extLst>
+          </p:cNvPr>
+          <p:cNvSpPr/>
+          <p:nvPr/>
+        </p:nvSpPr>
+        <p:spPr>
+          <a:xfrm>
+            <a:off x="1163782" y="2355214"/>
+            <a:ext cx="8640000" cy="1440000"/>
+          </a:xfrm>
+          <a:prstGeom prst="roundRect">
+            <a:avLst>
+              <a:gd name="adj" fmla="val 5851"/>
+            </a:avLst>
+          </a:prstGeom>
+          <a:solidFill>
+            <a:schemeClr val="bg1">
+              <a:lumMod val="85000"/>
+            </a:schemeClr>
+          </a:solidFill>
+          <a:ln w="28575">
+            <a:solidFill>
+              <a:schemeClr val="tx1">
+                <a:lumMod val="75000"/>
+                <a:lumOff val="25000"/>
+              </a:schemeClr>
+            </a:solidFill>
+          </a:ln>
+        </p:spPr>
+        <p:style>
+          <a:lnRef idx="2">
+            <a:schemeClr val="accent1">
+              <a:shade val="15000"/>
+            </a:schemeClr>
+          </a:lnRef>
+          <a:fillRef idx="1">
+            <a:schemeClr val="accent1"/>
+          </a:fillRef>
+          <a:effectRef idx="0">
+            <a:schemeClr val="accent1"/>
+          </a:effectRef>
+          <a:fontRef idx="minor">
+            <a:schemeClr val="lt1"/>
+          </a:fontRef>
+        </p:style>
+        <p:txBody>
+          <a:bodyPr rtlCol="0" anchor="ctr"/>
+          <a:lstStyle/>
+          <a:p>
+            <a:pPr algn="ctr"/>
+            <a:endParaRPr kumimoji="1" lang="ja-JP" altLang="en-US"/>
+          </a:p>
+        </p:txBody>
+      </p:sp>
     </p:spTree>
     <p:extLst>
       <p:ext uri="{BB962C8B-B14F-4D97-AF65-F5344CB8AC3E}">
@@ -12037,6 +12099,281 @@
 </file>
 
 <file path=ppt/slides/slide22.xml><?xml version="1.0" encoding="utf-8"?>
+<p:sld xmlns:a="http://schemas.openxmlformats.org/drawingml/2006/main" xmlns:r="http://schemas.openxmlformats.org/officeDocument/2006/relationships" xmlns:p="http://schemas.openxmlformats.org/presentationml/2006/main">
+  <p:cSld>
+    <p:spTree>
+      <p:nvGrpSpPr>
+        <p:cNvPr id="1" name="">
+          <a:extLst>
+            <a:ext uri="{FF2B5EF4-FFF2-40B4-BE49-F238E27FC236}">
+              <a16:creationId xmlns:a16="http://schemas.microsoft.com/office/drawing/2014/main" id="{656848D1-3FF4-A393-7C7B-A141D9F554CA}"/>
+            </a:ext>
+          </a:extLst>
+        </p:cNvPr>
+        <p:cNvGrpSpPr/>
+        <p:nvPr/>
+      </p:nvGrpSpPr>
+      <p:grpSpPr>
+        <a:xfrm>
+          <a:off x="0" y="0"/>
+          <a:ext cx="0" cy="0"/>
+          <a:chOff x="0" y="0"/>
+          <a:chExt cx="0" cy="0"/>
+        </a:xfrm>
+      </p:grpSpPr>
+      <p:sp>
+        <p:nvSpPr>
+          <p:cNvPr id="6" name="四角形: 角を丸くする 5">
+            <a:extLst>
+              <a:ext uri="{FF2B5EF4-FFF2-40B4-BE49-F238E27FC236}">
+                <a16:creationId xmlns:a16="http://schemas.microsoft.com/office/drawing/2014/main" id="{3171B046-C599-CE6B-BA99-94A4EFB94C4B}"/>
+              </a:ext>
+            </a:extLst>
+          </p:cNvPr>
+          <p:cNvSpPr/>
+          <p:nvPr/>
+        </p:nvSpPr>
+        <p:spPr>
+          <a:xfrm>
+            <a:off x="737418" y="350920"/>
+            <a:ext cx="1080000" cy="720000"/>
+          </a:xfrm>
+          <a:prstGeom prst="roundRect">
+            <a:avLst>
+              <a:gd name="adj" fmla="val 50000"/>
+            </a:avLst>
+          </a:prstGeom>
+          <a:solidFill>
+            <a:srgbClr val="DBE0FF"/>
+          </a:solidFill>
+          <a:ln>
+            <a:noFill/>
+          </a:ln>
+        </p:spPr>
+        <p:style>
+          <a:lnRef idx="2">
+            <a:schemeClr val="accent1">
+              <a:shade val="15000"/>
+            </a:schemeClr>
+          </a:lnRef>
+          <a:fillRef idx="1">
+            <a:schemeClr val="accent1"/>
+          </a:fillRef>
+          <a:effectRef idx="0">
+            <a:schemeClr val="accent1"/>
+          </a:effectRef>
+          <a:fontRef idx="minor">
+            <a:schemeClr val="lt1"/>
+          </a:fontRef>
+        </p:style>
+        <p:txBody>
+          <a:bodyPr rtlCol="0" anchor="ctr"/>
+          <a:lstStyle/>
+          <a:p>
+            <a:pPr algn="ctr"/>
+            <a:r>
+              <a:rPr lang="ja-JP" altLang="en-US" b="1" dirty="0">
+                <a:solidFill>
+                  <a:srgbClr val="656D96"/>
+                </a:solidFill>
+              </a:rPr>
+              <a:t>保存</a:t>
+            </a:r>
+            <a:endParaRPr kumimoji="1" lang="en-US" altLang="ja-JP" b="1" dirty="0">
+              <a:solidFill>
+                <a:srgbClr val="656D96"/>
+              </a:solidFill>
+            </a:endParaRPr>
+          </a:p>
+        </p:txBody>
+      </p:sp>
+      <p:sp>
+        <p:nvSpPr>
+          <p:cNvPr id="7" name="フローチャート: 端子 6">
+            <a:extLst>
+              <a:ext uri="{FF2B5EF4-FFF2-40B4-BE49-F238E27FC236}">
+                <a16:creationId xmlns:a16="http://schemas.microsoft.com/office/drawing/2014/main" id="{40068511-F934-E4CC-91BF-F9266664360E}"/>
+              </a:ext>
+            </a:extLst>
+          </p:cNvPr>
+          <p:cNvSpPr/>
+          <p:nvPr/>
+        </p:nvSpPr>
+        <p:spPr>
+          <a:xfrm>
+            <a:off x="614828" y="1353067"/>
+            <a:ext cx="5760000" cy="864000"/>
+          </a:xfrm>
+          <a:prstGeom prst="roundRect">
+            <a:avLst>
+              <a:gd name="adj" fmla="val 50000"/>
+            </a:avLst>
+          </a:prstGeom>
+          <a:solidFill>
+            <a:srgbClr val="DBE0FF"/>
+          </a:solidFill>
+          <a:ln>
+            <a:noFill/>
+          </a:ln>
+        </p:spPr>
+        <p:style>
+          <a:lnRef idx="2">
+            <a:schemeClr val="accent1">
+              <a:shade val="15000"/>
+            </a:schemeClr>
+          </a:lnRef>
+          <a:fillRef idx="1">
+            <a:schemeClr val="accent1"/>
+          </a:fillRef>
+          <a:effectRef idx="0">
+            <a:schemeClr val="accent1"/>
+          </a:effectRef>
+          <a:fontRef idx="minor">
+            <a:schemeClr val="lt1"/>
+          </a:fontRef>
+        </p:style>
+        <p:txBody>
+          <a:bodyPr rtlCol="0" anchor="ctr"/>
+          <a:lstStyle/>
+          <a:p>
+            <a:pPr algn="ctr"/>
+            <a:r>
+              <a:rPr lang="ja-JP" altLang="en-US" sz="2000" b="1" dirty="0">
+                <a:solidFill>
+                  <a:srgbClr val="656D96"/>
+                </a:solidFill>
+              </a:rPr>
+              <a:t>デッキカードを選択</a:t>
+            </a:r>
+            <a:endParaRPr kumimoji="1" lang="en-US" altLang="ja-JP" sz="2000" b="1" dirty="0">
+              <a:solidFill>
+                <a:srgbClr val="656D96"/>
+              </a:solidFill>
+            </a:endParaRPr>
+          </a:p>
+        </p:txBody>
+      </p:sp>
+      <p:sp>
+        <p:nvSpPr>
+          <p:cNvPr id="2" name="フローチャート: 端子 1">
+            <a:extLst>
+              <a:ext uri="{FF2B5EF4-FFF2-40B4-BE49-F238E27FC236}">
+                <a16:creationId xmlns:a16="http://schemas.microsoft.com/office/drawing/2014/main" id="{CF685701-B0A1-FDD7-21EA-B3AA80DDF743}"/>
+              </a:ext>
+            </a:extLst>
+          </p:cNvPr>
+          <p:cNvSpPr/>
+          <p:nvPr/>
+        </p:nvSpPr>
+        <p:spPr>
+          <a:xfrm>
+            <a:off x="6862618" y="784594"/>
+            <a:ext cx="5209309" cy="1288473"/>
+          </a:xfrm>
+          <a:prstGeom prst="flowChartTerminator">
+            <a:avLst/>
+          </a:prstGeom>
+        </p:spPr>
+        <p:style>
+          <a:lnRef idx="2">
+            <a:schemeClr val="accent1">
+              <a:shade val="15000"/>
+            </a:schemeClr>
+          </a:lnRef>
+          <a:fillRef idx="1">
+            <a:schemeClr val="accent1"/>
+          </a:fillRef>
+          <a:effectRef idx="0">
+            <a:schemeClr val="accent1"/>
+          </a:effectRef>
+          <a:fontRef idx="minor">
+            <a:schemeClr val="lt1"/>
+          </a:fontRef>
+        </p:style>
+        <p:txBody>
+          <a:bodyPr rtlCol="0" anchor="ctr"/>
+          <a:lstStyle/>
+          <a:p>
+            <a:pPr algn="ctr"/>
+            <a:endParaRPr kumimoji="1" lang="ja-JP" altLang="en-US"/>
+          </a:p>
+        </p:txBody>
+      </p:sp>
+      <p:sp>
+        <p:nvSpPr>
+          <p:cNvPr id="4" name="四角形: 角を丸くする 3">
+            <a:extLst>
+              <a:ext uri="{FF2B5EF4-FFF2-40B4-BE49-F238E27FC236}">
+                <a16:creationId xmlns:a16="http://schemas.microsoft.com/office/drawing/2014/main" id="{2259A629-6704-0709-5D0D-8C4A17F66EFB}"/>
+              </a:ext>
+            </a:extLst>
+          </p:cNvPr>
+          <p:cNvSpPr/>
+          <p:nvPr/>
+        </p:nvSpPr>
+        <p:spPr>
+          <a:xfrm>
+            <a:off x="3288145" y="4959869"/>
+            <a:ext cx="8640000" cy="1440000"/>
+          </a:xfrm>
+          <a:prstGeom prst="roundRect">
+            <a:avLst>
+              <a:gd name="adj" fmla="val 50000"/>
+            </a:avLst>
+          </a:prstGeom>
+          <a:solidFill>
+            <a:schemeClr val="bg1">
+              <a:lumMod val="85000"/>
+            </a:schemeClr>
+          </a:solidFill>
+          <a:ln w="28575">
+            <a:solidFill>
+              <a:schemeClr val="tx1">
+                <a:lumMod val="75000"/>
+                <a:lumOff val="25000"/>
+              </a:schemeClr>
+            </a:solidFill>
+          </a:ln>
+        </p:spPr>
+        <p:style>
+          <a:lnRef idx="2">
+            <a:schemeClr val="accent1">
+              <a:shade val="15000"/>
+            </a:schemeClr>
+          </a:lnRef>
+          <a:fillRef idx="1">
+            <a:schemeClr val="accent1"/>
+          </a:fillRef>
+          <a:effectRef idx="0">
+            <a:schemeClr val="accent1"/>
+          </a:effectRef>
+          <a:fontRef idx="minor">
+            <a:schemeClr val="lt1"/>
+          </a:fontRef>
+        </p:style>
+        <p:txBody>
+          <a:bodyPr rtlCol="0" anchor="ctr"/>
+          <a:lstStyle/>
+          <a:p>
+            <a:pPr algn="ctr"/>
+            <a:endParaRPr kumimoji="1" lang="ja-JP" altLang="en-US"/>
+          </a:p>
+        </p:txBody>
+      </p:sp>
+    </p:spTree>
+    <p:extLst>
+      <p:ext uri="{BB962C8B-B14F-4D97-AF65-F5344CB8AC3E}">
+        <p14:creationId xmlns:p14="http://schemas.microsoft.com/office/powerpoint/2010/main" val="2907480542"/>
+      </p:ext>
+    </p:extLst>
+  </p:cSld>
+  <p:clrMapOvr>
+    <a:masterClrMapping/>
+  </p:clrMapOvr>
+</p:sld>
+</file>
+
+<file path=ppt/slides/slide23.xml><?xml version="1.0" encoding="utf-8"?>
 <p:sld xmlns:a="http://schemas.openxmlformats.org/drawingml/2006/main" xmlns:r="http://schemas.openxmlformats.org/officeDocument/2006/relationships" xmlns:p="http://schemas.openxmlformats.org/presentationml/2006/main">
   <p:cSld>
     <p:spTree>
@@ -12067,7 +12404,7 @@
         </p:nvSpPr>
         <p:spPr>
           <a:xfrm rot="10800000">
-            <a:off x="3759200" y="2216725"/>
+            <a:off x="10464800" y="4747488"/>
             <a:ext cx="757382" cy="1034474"/>
           </a:xfrm>
           <a:prstGeom prst="flowChartDelay">
@@ -12099,6 +12436,823 @@
           </a:p>
         </p:txBody>
       </p:sp>
+      <p:grpSp>
+        <p:nvGrpSpPr>
+          <p:cNvPr id="4" name="グループ化 3">
+            <a:extLst>
+              <a:ext uri="{FF2B5EF4-FFF2-40B4-BE49-F238E27FC236}">
+                <a16:creationId xmlns:a16="http://schemas.microsoft.com/office/drawing/2014/main" id="{E15788E0-8D8C-3874-25AF-AB27E034338A}"/>
+              </a:ext>
+            </a:extLst>
+          </p:cNvPr>
+          <p:cNvGrpSpPr/>
+          <p:nvPr/>
+        </p:nvGrpSpPr>
+        <p:grpSpPr>
+          <a:xfrm>
+            <a:off x="1376219" y="683488"/>
+            <a:ext cx="1080000" cy="384467"/>
+            <a:chOff x="1376219" y="655779"/>
+            <a:chExt cx="1080000" cy="384467"/>
+          </a:xfrm>
+        </p:grpSpPr>
+        <p:cxnSp>
+          <p:nvCxnSpPr>
+            <p:cNvPr id="3" name="直線コネクタ 2">
+              <a:extLst>
+                <a:ext uri="{FF2B5EF4-FFF2-40B4-BE49-F238E27FC236}">
+                  <a16:creationId xmlns:a16="http://schemas.microsoft.com/office/drawing/2014/main" id="{A826D530-2BB3-CEC6-3F86-46437C5257B9}"/>
+                </a:ext>
+              </a:extLst>
+            </p:cNvPr>
+            <p:cNvCxnSpPr/>
+            <p:nvPr/>
+          </p:nvCxnSpPr>
+          <p:spPr>
+            <a:xfrm>
+              <a:off x="1376219" y="1040246"/>
+              <a:ext cx="360000" cy="0"/>
+            </a:xfrm>
+            <a:prstGeom prst="line">
+              <a:avLst/>
+            </a:prstGeom>
+            <a:ln w="57150">
+              <a:solidFill>
+                <a:schemeClr val="tx1">
+                  <a:lumMod val="75000"/>
+                  <a:lumOff val="25000"/>
+                </a:schemeClr>
+              </a:solidFill>
+            </a:ln>
+          </p:spPr>
+          <p:style>
+            <a:lnRef idx="1">
+              <a:schemeClr val="accent1"/>
+            </a:lnRef>
+            <a:fillRef idx="0">
+              <a:schemeClr val="accent1"/>
+            </a:fillRef>
+            <a:effectRef idx="0">
+              <a:schemeClr val="accent1"/>
+            </a:effectRef>
+            <a:fontRef idx="minor">
+              <a:schemeClr val="tx1"/>
+            </a:fontRef>
+          </p:style>
+        </p:cxnSp>
+        <p:cxnSp>
+          <p:nvCxnSpPr>
+            <p:cNvPr id="9" name="直線コネクタ 8">
+              <a:extLst>
+                <a:ext uri="{FF2B5EF4-FFF2-40B4-BE49-F238E27FC236}">
+                  <a16:creationId xmlns:a16="http://schemas.microsoft.com/office/drawing/2014/main" id="{A507759A-6A58-9E9D-2E88-62FD5BB00DDA}"/>
+                </a:ext>
+              </a:extLst>
+            </p:cNvPr>
+            <p:cNvCxnSpPr/>
+            <p:nvPr/>
+          </p:nvCxnSpPr>
+          <p:spPr>
+            <a:xfrm>
+              <a:off x="1376219" y="655779"/>
+              <a:ext cx="1080000" cy="0"/>
+            </a:xfrm>
+            <a:prstGeom prst="line">
+              <a:avLst/>
+            </a:prstGeom>
+            <a:ln w="57150">
+              <a:solidFill>
+                <a:schemeClr val="tx1">
+                  <a:lumMod val="75000"/>
+                  <a:lumOff val="25000"/>
+                </a:schemeClr>
+              </a:solidFill>
+            </a:ln>
+          </p:spPr>
+          <p:style>
+            <a:lnRef idx="1">
+              <a:schemeClr val="accent1"/>
+            </a:lnRef>
+            <a:fillRef idx="0">
+              <a:schemeClr val="accent1"/>
+            </a:fillRef>
+            <a:effectRef idx="0">
+              <a:schemeClr val="accent1"/>
+            </a:effectRef>
+            <a:fontRef idx="minor">
+              <a:schemeClr val="tx1"/>
+            </a:fontRef>
+          </p:style>
+        </p:cxnSp>
+        <p:cxnSp>
+          <p:nvCxnSpPr>
+            <p:cNvPr id="10" name="直線コネクタ 9">
+              <a:extLst>
+                <a:ext uri="{FF2B5EF4-FFF2-40B4-BE49-F238E27FC236}">
+                  <a16:creationId xmlns:a16="http://schemas.microsoft.com/office/drawing/2014/main" id="{A9537A4E-73A7-AEE4-1C6E-8D2FE53B7E2B}"/>
+                </a:ext>
+              </a:extLst>
+            </p:cNvPr>
+            <p:cNvCxnSpPr/>
+            <p:nvPr/>
+          </p:nvCxnSpPr>
+          <p:spPr>
+            <a:xfrm>
+              <a:off x="1376219" y="838201"/>
+              <a:ext cx="720000" cy="0"/>
+            </a:xfrm>
+            <a:prstGeom prst="line">
+              <a:avLst/>
+            </a:prstGeom>
+            <a:ln w="57150">
+              <a:solidFill>
+                <a:schemeClr val="tx1">
+                  <a:lumMod val="75000"/>
+                  <a:lumOff val="25000"/>
+                </a:schemeClr>
+              </a:solidFill>
+            </a:ln>
+          </p:spPr>
+          <p:style>
+            <a:lnRef idx="1">
+              <a:schemeClr val="accent1"/>
+            </a:lnRef>
+            <a:fillRef idx="0">
+              <a:schemeClr val="accent1"/>
+            </a:fillRef>
+            <a:effectRef idx="0">
+              <a:schemeClr val="accent1"/>
+            </a:effectRef>
+            <a:fontRef idx="minor">
+              <a:schemeClr val="tx1"/>
+            </a:fontRef>
+          </p:style>
+        </p:cxnSp>
+      </p:grpSp>
+      <p:grpSp>
+        <p:nvGrpSpPr>
+          <p:cNvPr id="12" name="グループ化 11">
+            <a:extLst>
+              <a:ext uri="{FF2B5EF4-FFF2-40B4-BE49-F238E27FC236}">
+                <a16:creationId xmlns:a16="http://schemas.microsoft.com/office/drawing/2014/main" id="{FD4EDC39-0F33-5B1C-07F9-D808BAFB4F9D}"/>
+              </a:ext>
+            </a:extLst>
+          </p:cNvPr>
+          <p:cNvGrpSpPr/>
+          <p:nvPr/>
+        </p:nvGrpSpPr>
+        <p:grpSpPr>
+          <a:xfrm>
+            <a:off x="3546764" y="3103418"/>
+            <a:ext cx="822036" cy="822036"/>
+            <a:chOff x="3546764" y="3103418"/>
+            <a:chExt cx="822036" cy="822036"/>
+          </a:xfrm>
+        </p:grpSpPr>
+        <p:sp>
+          <p:nvSpPr>
+            <p:cNvPr id="5" name="楕円 4">
+              <a:extLst>
+                <a:ext uri="{FF2B5EF4-FFF2-40B4-BE49-F238E27FC236}">
+                  <a16:creationId xmlns:a16="http://schemas.microsoft.com/office/drawing/2014/main" id="{47BD88EA-EFE3-BB52-EB83-DC03D158CF7A}"/>
+                </a:ext>
+              </a:extLst>
+            </p:cNvPr>
+            <p:cNvSpPr/>
+            <p:nvPr/>
+          </p:nvSpPr>
+          <p:spPr>
+            <a:xfrm>
+              <a:off x="3546764" y="3103418"/>
+              <a:ext cx="822036" cy="822036"/>
+            </a:xfrm>
+            <a:prstGeom prst="ellipse">
+              <a:avLst/>
+            </a:prstGeom>
+            <a:solidFill>
+              <a:srgbClr val="46464E"/>
+            </a:solidFill>
+            <a:ln>
+              <a:noFill/>
+            </a:ln>
+          </p:spPr>
+          <p:style>
+            <a:lnRef idx="2">
+              <a:schemeClr val="accent1">
+                <a:shade val="15000"/>
+              </a:schemeClr>
+            </a:lnRef>
+            <a:fillRef idx="1">
+              <a:schemeClr val="accent1"/>
+            </a:fillRef>
+            <a:effectRef idx="0">
+              <a:schemeClr val="accent1"/>
+            </a:effectRef>
+            <a:fontRef idx="minor">
+              <a:schemeClr val="lt1"/>
+            </a:fontRef>
+          </p:style>
+          <p:txBody>
+            <a:bodyPr rtlCol="0" anchor="ctr"/>
+            <a:lstStyle/>
+            <a:p>
+              <a:pPr algn="ctr"/>
+              <a:endParaRPr kumimoji="1" lang="ja-JP" altLang="en-US"/>
+            </a:p>
+          </p:txBody>
+        </p:sp>
+        <p:sp>
+          <p:nvSpPr>
+            <p:cNvPr id="6" name="加算記号 5">
+              <a:extLst>
+                <a:ext uri="{FF2B5EF4-FFF2-40B4-BE49-F238E27FC236}">
+                  <a16:creationId xmlns:a16="http://schemas.microsoft.com/office/drawing/2014/main" id="{D45EEF65-4309-2C58-08B9-F71E01E5F238}"/>
+                </a:ext>
+              </a:extLst>
+            </p:cNvPr>
+            <p:cNvSpPr/>
+            <p:nvPr/>
+          </p:nvSpPr>
+          <p:spPr>
+            <a:xfrm>
+              <a:off x="3687782" y="3244436"/>
+              <a:ext cx="540000" cy="540000"/>
+            </a:xfrm>
+            <a:prstGeom prst="mathPlus">
+              <a:avLst>
+                <a:gd name="adj1" fmla="val 9836"/>
+              </a:avLst>
+            </a:prstGeom>
+            <a:solidFill>
+              <a:schemeClr val="bg1"/>
+            </a:solidFill>
+            <a:ln>
+              <a:noFill/>
+            </a:ln>
+          </p:spPr>
+          <p:style>
+            <a:lnRef idx="2">
+              <a:schemeClr val="accent1">
+                <a:shade val="15000"/>
+              </a:schemeClr>
+            </a:lnRef>
+            <a:fillRef idx="1">
+              <a:schemeClr val="accent1"/>
+            </a:fillRef>
+            <a:effectRef idx="0">
+              <a:schemeClr val="accent1"/>
+            </a:effectRef>
+            <a:fontRef idx="minor">
+              <a:schemeClr val="lt1"/>
+            </a:fontRef>
+          </p:style>
+          <p:txBody>
+            <a:bodyPr rtlCol="0" anchor="ctr"/>
+            <a:lstStyle/>
+            <a:p>
+              <a:pPr algn="ctr"/>
+              <a:endParaRPr kumimoji="1" lang="ja-JP" altLang="en-US"/>
+            </a:p>
+          </p:txBody>
+        </p:sp>
+      </p:grpSp>
+      <p:grpSp>
+        <p:nvGrpSpPr>
+          <p:cNvPr id="13" name="グループ化 12">
+            <a:extLst>
+              <a:ext uri="{FF2B5EF4-FFF2-40B4-BE49-F238E27FC236}">
+                <a16:creationId xmlns:a16="http://schemas.microsoft.com/office/drawing/2014/main" id="{DD4B727A-A65B-AA93-915C-0B0FC475E348}"/>
+              </a:ext>
+            </a:extLst>
+          </p:cNvPr>
+          <p:cNvGrpSpPr/>
+          <p:nvPr/>
+        </p:nvGrpSpPr>
+        <p:grpSpPr>
+          <a:xfrm>
+            <a:off x="4754254" y="3103418"/>
+            <a:ext cx="822036" cy="822036"/>
+            <a:chOff x="4754254" y="3103418"/>
+            <a:chExt cx="822036" cy="822036"/>
+          </a:xfrm>
+        </p:grpSpPr>
+        <p:sp>
+          <p:nvSpPr>
+            <p:cNvPr id="7" name="楕円 6">
+              <a:extLst>
+                <a:ext uri="{FF2B5EF4-FFF2-40B4-BE49-F238E27FC236}">
+                  <a16:creationId xmlns:a16="http://schemas.microsoft.com/office/drawing/2014/main" id="{A7F1E218-5488-A7B8-E1D6-A06C2C1C3B2B}"/>
+                </a:ext>
+              </a:extLst>
+            </p:cNvPr>
+            <p:cNvSpPr/>
+            <p:nvPr/>
+          </p:nvSpPr>
+          <p:spPr>
+            <a:xfrm>
+              <a:off x="4754254" y="3103418"/>
+              <a:ext cx="822036" cy="822036"/>
+            </a:xfrm>
+            <a:prstGeom prst="ellipse">
+              <a:avLst/>
+            </a:prstGeom>
+            <a:solidFill>
+              <a:srgbClr val="46464E"/>
+            </a:solidFill>
+            <a:ln>
+              <a:noFill/>
+            </a:ln>
+          </p:spPr>
+          <p:style>
+            <a:lnRef idx="2">
+              <a:schemeClr val="accent1">
+                <a:shade val="15000"/>
+              </a:schemeClr>
+            </a:lnRef>
+            <a:fillRef idx="1">
+              <a:schemeClr val="accent1"/>
+            </a:fillRef>
+            <a:effectRef idx="0">
+              <a:schemeClr val="accent1"/>
+            </a:effectRef>
+            <a:fontRef idx="minor">
+              <a:schemeClr val="lt1"/>
+            </a:fontRef>
+          </p:style>
+          <p:txBody>
+            <a:bodyPr rtlCol="0" anchor="ctr"/>
+            <a:lstStyle/>
+            <a:p>
+              <a:pPr algn="ctr"/>
+              <a:endParaRPr kumimoji="1" lang="ja-JP" altLang="en-US"/>
+            </a:p>
+          </p:txBody>
+        </p:sp>
+        <p:sp>
+          <p:nvSpPr>
+            <p:cNvPr id="11" name="減算記号 10">
+              <a:extLst>
+                <a:ext uri="{FF2B5EF4-FFF2-40B4-BE49-F238E27FC236}">
+                  <a16:creationId xmlns:a16="http://schemas.microsoft.com/office/drawing/2014/main" id="{1902C9CB-F91B-B900-88EF-BCC7FAE05F53}"/>
+                </a:ext>
+              </a:extLst>
+            </p:cNvPr>
+            <p:cNvSpPr/>
+            <p:nvPr/>
+          </p:nvSpPr>
+          <p:spPr>
+            <a:xfrm>
+              <a:off x="4895272" y="3357418"/>
+              <a:ext cx="540000" cy="314036"/>
+            </a:xfrm>
+            <a:prstGeom prst="mathMinus">
+              <a:avLst/>
+            </a:prstGeom>
+            <a:solidFill>
+              <a:schemeClr val="bg1"/>
+            </a:solidFill>
+            <a:ln>
+              <a:noFill/>
+            </a:ln>
+          </p:spPr>
+          <p:style>
+            <a:lnRef idx="2">
+              <a:schemeClr val="accent1">
+                <a:shade val="15000"/>
+              </a:schemeClr>
+            </a:lnRef>
+            <a:fillRef idx="1">
+              <a:schemeClr val="accent1"/>
+            </a:fillRef>
+            <a:effectRef idx="0">
+              <a:schemeClr val="accent1"/>
+            </a:effectRef>
+            <a:fontRef idx="minor">
+              <a:schemeClr val="lt1"/>
+            </a:fontRef>
+          </p:style>
+          <p:txBody>
+            <a:bodyPr rtlCol="0" anchor="ctr"/>
+            <a:lstStyle/>
+            <a:p>
+              <a:pPr algn="ctr"/>
+              <a:endParaRPr kumimoji="1" lang="ja-JP" altLang="en-US"/>
+            </a:p>
+          </p:txBody>
+        </p:sp>
+      </p:grpSp>
+      <p:sp>
+        <p:nvSpPr>
+          <p:cNvPr id="14" name="フローチャート: 端子 6">
+            <a:extLst>
+              <a:ext uri="{FF2B5EF4-FFF2-40B4-BE49-F238E27FC236}">
+                <a16:creationId xmlns:a16="http://schemas.microsoft.com/office/drawing/2014/main" id="{F48A8C4A-8653-4453-AE7D-A4C0D1C92238}"/>
+              </a:ext>
+            </a:extLst>
+          </p:cNvPr>
+          <p:cNvSpPr/>
+          <p:nvPr/>
+        </p:nvSpPr>
+        <p:spPr>
+          <a:xfrm>
+            <a:off x="1136000" y="1682909"/>
+            <a:ext cx="4500000" cy="900000"/>
+          </a:xfrm>
+          <a:prstGeom prst="roundRect">
+            <a:avLst>
+              <a:gd name="adj" fmla="val 50000"/>
+            </a:avLst>
+          </a:prstGeom>
+          <a:solidFill>
+            <a:srgbClr val="DBE0FF"/>
+          </a:solidFill>
+          <a:ln>
+            <a:noFill/>
+          </a:ln>
+        </p:spPr>
+        <p:style>
+          <a:lnRef idx="2">
+            <a:schemeClr val="accent1">
+              <a:shade val="15000"/>
+            </a:schemeClr>
+          </a:lnRef>
+          <a:fillRef idx="1">
+            <a:schemeClr val="accent1"/>
+          </a:fillRef>
+          <a:effectRef idx="0">
+            <a:schemeClr val="accent1"/>
+          </a:effectRef>
+          <a:fontRef idx="minor">
+            <a:schemeClr val="lt1"/>
+          </a:fontRef>
+        </p:style>
+        <p:txBody>
+          <a:bodyPr rtlCol="0" anchor="ctr"/>
+          <a:lstStyle/>
+          <a:p>
+            <a:pPr algn="ctr"/>
+            <a:r>
+              <a:rPr lang="ja-JP" altLang="en-US" sz="2000" b="1" dirty="0">
+                <a:solidFill>
+                  <a:srgbClr val="656D96"/>
+                </a:solidFill>
+              </a:rPr>
+              <a:t>デッキリーダーに設定</a:t>
+            </a:r>
+            <a:endParaRPr kumimoji="1" lang="en-US" altLang="ja-JP" sz="2000" b="1" dirty="0">
+              <a:solidFill>
+                <a:srgbClr val="656D96"/>
+              </a:solidFill>
+            </a:endParaRPr>
+          </a:p>
+        </p:txBody>
+      </p:sp>
+      <p:pic>
+        <p:nvPicPr>
+          <p:cNvPr id="15" name="Picture 4" descr="ゴミ箱 | IFN 無料アイコン。SVG/EPS/PNGのフリー素材">
+            <a:extLst>
+              <a:ext uri="{FF2B5EF4-FFF2-40B4-BE49-F238E27FC236}">
+                <a16:creationId xmlns:a16="http://schemas.microsoft.com/office/drawing/2014/main" id="{7B5C4943-E36A-5829-0A50-93A989C06CF0}"/>
+              </a:ext>
+            </a:extLst>
+          </p:cNvPr>
+          <p:cNvPicPr>
+            <a:picLocks noChangeAspect="1" noChangeArrowheads="1"/>
+          </p:cNvPicPr>
+          <p:nvPr/>
+        </p:nvPicPr>
+        <p:blipFill rotWithShape="1">
+          <a:blip r:embed="rId2">
+            <a:duotone>
+              <a:schemeClr val="accent2">
+                <a:shade val="45000"/>
+                <a:satMod val="135000"/>
+              </a:schemeClr>
+              <a:prstClr val="white"/>
+            </a:duotone>
+            <a:extLst>
+              <a:ext uri="{28A0092B-C50C-407E-A947-70E740481C1C}">
+                <a14:useLocalDpi xmlns:a14="http://schemas.microsoft.com/office/drawing/2010/main" val="0"/>
+              </a:ext>
+            </a:extLst>
+          </a:blip>
+          <a:srcRect l="26485" t="19144" r="25515" b="15302"/>
+          <a:stretch>
+            <a:fillRect/>
+          </a:stretch>
+        </p:blipFill>
+        <p:spPr bwMode="auto">
+          <a:xfrm>
+            <a:off x="7546110" y="1390868"/>
+            <a:ext cx="914400" cy="999041"/>
+          </a:xfrm>
+          <a:prstGeom prst="rect">
+            <a:avLst/>
+          </a:prstGeom>
+          <a:noFill/>
+          <a:extLst>
+            <a:ext uri="{909E8E84-426E-40DD-AFC4-6F175D3DCCD1}">
+              <a14:hiddenFill xmlns:a14="http://schemas.microsoft.com/office/drawing/2010/main">
+                <a:solidFill>
+                  <a:srgbClr val="FFFFFF"/>
+                </a:solidFill>
+              </a14:hiddenFill>
+            </a:ext>
+          </a:extLst>
+        </p:spPr>
+      </p:pic>
+      <p:sp>
+        <p:nvSpPr>
+          <p:cNvPr id="16" name="フローチャート: 端子 6">
+            <a:extLst>
+              <a:ext uri="{FF2B5EF4-FFF2-40B4-BE49-F238E27FC236}">
+                <a16:creationId xmlns:a16="http://schemas.microsoft.com/office/drawing/2014/main" id="{74761EEA-E362-3D1D-A323-BD67E6B97E37}"/>
+              </a:ext>
+            </a:extLst>
+          </p:cNvPr>
+          <p:cNvSpPr/>
+          <p:nvPr/>
+        </p:nvSpPr>
+        <p:spPr>
+          <a:xfrm>
+            <a:off x="5847228" y="3334436"/>
+            <a:ext cx="4500000" cy="900000"/>
+          </a:xfrm>
+          <a:prstGeom prst="roundRect">
+            <a:avLst>
+              <a:gd name="adj" fmla="val 9976"/>
+            </a:avLst>
+          </a:prstGeom>
+          <a:solidFill>
+            <a:schemeClr val="bg1">
+              <a:lumMod val="95000"/>
+            </a:schemeClr>
+          </a:solidFill>
+          <a:ln>
+            <a:solidFill>
+              <a:schemeClr val="tx1">
+                <a:lumMod val="50000"/>
+                <a:lumOff val="50000"/>
+              </a:schemeClr>
+            </a:solidFill>
+          </a:ln>
+        </p:spPr>
+        <p:style>
+          <a:lnRef idx="2">
+            <a:schemeClr val="accent1">
+              <a:shade val="15000"/>
+            </a:schemeClr>
+          </a:lnRef>
+          <a:fillRef idx="1">
+            <a:schemeClr val="accent1"/>
+          </a:fillRef>
+          <a:effectRef idx="0">
+            <a:schemeClr val="accent1"/>
+          </a:effectRef>
+          <a:fontRef idx="minor">
+            <a:schemeClr val="lt1"/>
+          </a:fontRef>
+        </p:style>
+        <p:txBody>
+          <a:bodyPr rtlCol="0" anchor="ctr"/>
+          <a:lstStyle/>
+          <a:p>
+            <a:pPr algn="ctr"/>
+            <a:endParaRPr kumimoji="1" lang="en-US" altLang="ja-JP" sz="2000" b="1" dirty="0">
+              <a:solidFill>
+                <a:srgbClr val="656D96"/>
+              </a:solidFill>
+            </a:endParaRPr>
+          </a:p>
+        </p:txBody>
+      </p:sp>
+      <p:pic>
+        <p:nvPicPr>
+          <p:cNvPr id="18" name="図 17">
+            <a:extLst>
+              <a:ext uri="{FF2B5EF4-FFF2-40B4-BE49-F238E27FC236}">
+                <a16:creationId xmlns:a16="http://schemas.microsoft.com/office/drawing/2014/main" id="{EE3C346A-0608-A4DC-B384-23BA5DA7157E}"/>
+              </a:ext>
+            </a:extLst>
+          </p:cNvPr>
+          <p:cNvPicPr>
+            <a:picLocks noChangeAspect="1"/>
+          </p:cNvPicPr>
+          <p:nvPr/>
+        </p:nvPicPr>
+        <p:blipFill>
+          <a:blip r:embed="rId3">
+            <a:extLst>
+              <a:ext uri="{28A0092B-C50C-407E-A947-70E740481C1C}">
+                <a14:useLocalDpi xmlns:a14="http://schemas.microsoft.com/office/drawing/2010/main" val="0"/>
+              </a:ext>
+            </a:extLst>
+          </a:blip>
+          <a:stretch>
+            <a:fillRect/>
+          </a:stretch>
+        </p:blipFill>
+        <p:spPr>
+          <a:xfrm>
+            <a:off x="726417" y="4445963"/>
+            <a:ext cx="4513855" cy="914409"/>
+          </a:xfrm>
+          <a:prstGeom prst="rect">
+            <a:avLst/>
+          </a:prstGeom>
+          <a:ln>
+            <a:noFill/>
+          </a:ln>
+          <a:effectLst>
+            <a:outerShdw blurRad="190500" algn="tl" rotWithShape="0">
+              <a:srgbClr val="000000">
+                <a:alpha val="70000"/>
+              </a:srgbClr>
+            </a:outerShdw>
+          </a:effectLst>
+        </p:spPr>
+      </p:pic>
+      <p:grpSp>
+        <p:nvGrpSpPr>
+          <p:cNvPr id="22" name="グループ化 21">
+            <a:extLst>
+              <a:ext uri="{FF2B5EF4-FFF2-40B4-BE49-F238E27FC236}">
+                <a16:creationId xmlns:a16="http://schemas.microsoft.com/office/drawing/2014/main" id="{B2E22BBF-3FC1-9BB0-8B08-3735738BBE98}"/>
+              </a:ext>
+            </a:extLst>
+          </p:cNvPr>
+          <p:cNvGrpSpPr/>
+          <p:nvPr/>
+        </p:nvGrpSpPr>
+        <p:grpSpPr>
+          <a:xfrm>
+            <a:off x="6393191" y="5011123"/>
+            <a:ext cx="1440000" cy="1440000"/>
+            <a:chOff x="6393191" y="5011123"/>
+            <a:chExt cx="1440000" cy="1440000"/>
+          </a:xfrm>
+        </p:grpSpPr>
+        <p:sp>
+          <p:nvSpPr>
+            <p:cNvPr id="20" name="四角形: 角を丸くする 19">
+              <a:extLst>
+                <a:ext uri="{FF2B5EF4-FFF2-40B4-BE49-F238E27FC236}">
+                  <a16:creationId xmlns:a16="http://schemas.microsoft.com/office/drawing/2014/main" id="{B354FB6F-607B-EC92-8935-05D78CDEA5B9}"/>
+                </a:ext>
+              </a:extLst>
+            </p:cNvPr>
+            <p:cNvSpPr/>
+            <p:nvPr/>
+          </p:nvSpPr>
+          <p:spPr>
+            <a:xfrm>
+              <a:off x="6393191" y="5011123"/>
+              <a:ext cx="1440000" cy="1440000"/>
+            </a:xfrm>
+            <a:prstGeom prst="roundRect">
+              <a:avLst>
+                <a:gd name="adj" fmla="val 21161"/>
+              </a:avLst>
+            </a:prstGeom>
+            <a:solidFill>
+              <a:srgbClr val="DBE0FF"/>
+            </a:solidFill>
+            <a:ln>
+              <a:noFill/>
+            </a:ln>
+          </p:spPr>
+          <p:style>
+            <a:lnRef idx="2">
+              <a:schemeClr val="accent1">
+                <a:shade val="15000"/>
+              </a:schemeClr>
+            </a:lnRef>
+            <a:fillRef idx="1">
+              <a:schemeClr val="accent1"/>
+            </a:fillRef>
+            <a:effectRef idx="0">
+              <a:schemeClr val="accent1"/>
+            </a:effectRef>
+            <a:fontRef idx="minor">
+              <a:schemeClr val="lt1"/>
+            </a:fontRef>
+          </p:style>
+          <p:txBody>
+            <a:bodyPr rtlCol="0" anchor="ctr"/>
+            <a:lstStyle/>
+            <a:p>
+              <a:pPr algn="ctr"/>
+              <a:endParaRPr kumimoji="1" lang="ja-JP" altLang="en-US"/>
+            </a:p>
+          </p:txBody>
+        </p:sp>
+        <p:sp>
+          <p:nvSpPr>
+            <p:cNvPr id="21" name="加算記号 20">
+              <a:extLst>
+                <a:ext uri="{FF2B5EF4-FFF2-40B4-BE49-F238E27FC236}">
+                  <a16:creationId xmlns:a16="http://schemas.microsoft.com/office/drawing/2014/main" id="{E7D16140-B2A9-EA3A-E729-EAC7F78EDF2A}"/>
+                </a:ext>
+              </a:extLst>
+            </p:cNvPr>
+            <p:cNvSpPr/>
+            <p:nvPr/>
+          </p:nvSpPr>
+          <p:spPr>
+            <a:xfrm>
+              <a:off x="6843191" y="5461123"/>
+              <a:ext cx="540000" cy="540000"/>
+            </a:xfrm>
+            <a:prstGeom prst="mathPlus">
+              <a:avLst>
+                <a:gd name="adj1" fmla="val 6415"/>
+              </a:avLst>
+            </a:prstGeom>
+            <a:solidFill>
+              <a:schemeClr val="tx2">
+                <a:lumMod val="50000"/>
+              </a:schemeClr>
+            </a:solidFill>
+            <a:ln>
+              <a:solidFill>
+                <a:schemeClr val="tx2">
+                  <a:lumMod val="50000"/>
+                </a:schemeClr>
+              </a:solidFill>
+            </a:ln>
+          </p:spPr>
+          <p:style>
+            <a:lnRef idx="2">
+              <a:schemeClr val="accent1">
+                <a:shade val="15000"/>
+              </a:schemeClr>
+            </a:lnRef>
+            <a:fillRef idx="1">
+              <a:schemeClr val="accent1"/>
+            </a:fillRef>
+            <a:effectRef idx="0">
+              <a:schemeClr val="accent1"/>
+            </a:effectRef>
+            <a:fontRef idx="minor">
+              <a:schemeClr val="lt1"/>
+            </a:fontRef>
+          </p:style>
+          <p:txBody>
+            <a:bodyPr rtlCol="0" anchor="ctr"/>
+            <a:lstStyle/>
+            <a:p>
+              <a:pPr algn="ctr"/>
+              <a:endParaRPr kumimoji="1" lang="ja-JP" altLang="en-US"/>
+            </a:p>
+          </p:txBody>
+        </p:sp>
+      </p:grpSp>
+      <p:pic>
+        <p:nvPicPr>
+          <p:cNvPr id="24" name="図 23">
+            <a:extLst>
+              <a:ext uri="{FF2B5EF4-FFF2-40B4-BE49-F238E27FC236}">
+                <a16:creationId xmlns:a16="http://schemas.microsoft.com/office/drawing/2014/main" id="{B82D7BA3-754F-050A-5E34-0622862ADB3D}"/>
+              </a:ext>
+            </a:extLst>
+          </p:cNvPr>
+          <p:cNvPicPr>
+            <a:picLocks noChangeAspect="1"/>
+          </p:cNvPicPr>
+          <p:nvPr/>
+        </p:nvPicPr>
+        <p:blipFill>
+          <a:blip r:embed="rId4">
+            <a:extLst>
+              <a:ext uri="{28A0092B-C50C-407E-A947-70E740481C1C}">
+                <a14:useLocalDpi xmlns:a14="http://schemas.microsoft.com/office/drawing/2010/main" val="0"/>
+              </a:ext>
+            </a:extLst>
+          </a:blip>
+          <a:stretch>
+            <a:fillRect/>
+          </a:stretch>
+        </p:blipFill>
+        <p:spPr>
+          <a:xfrm>
+            <a:off x="9550392" y="593429"/>
+            <a:ext cx="1440887" cy="1440887"/>
+          </a:xfrm>
+          <a:prstGeom prst="rect">
+            <a:avLst/>
+          </a:prstGeom>
+          <a:ln>
+            <a:noFill/>
+          </a:ln>
+          <a:effectLst>
+            <a:outerShdw blurRad="292100" dist="139700" dir="2700000" algn="tl" rotWithShape="0">
+              <a:srgbClr val="333333">
+                <a:alpha val="65000"/>
+              </a:srgbClr>
+            </a:outerShdw>
+          </a:effectLst>
+        </p:spPr>
+      </p:pic>
     </p:spTree>
     <p:extLst>
       <p:ext uri="{BB962C8B-B14F-4D97-AF65-F5344CB8AC3E}">

--- a/Assets/Documents_etc/アイコン作成.pptx
+++ b/Assets/Documents_etc/アイコン作成.pptx
@@ -28,6 +28,7 @@
     <p:sldId id="279" r:id="rId22"/>
     <p:sldId id="281" r:id="rId23"/>
     <p:sldId id="280" r:id="rId24"/>
+    <p:sldId id="282" r:id="rId25"/>
   </p:sldIdLst>
   <p:sldSz cx="12192000" cy="6858000"/>
   <p:notesSz cx="6858000" cy="9144000"/>
@@ -281,7 +282,7 @@
           <a:p>
             <a:fld id="{C86328C3-D5F4-4C2C-ACFC-4B0C4F5663EC}" type="datetimeFigureOut">
               <a:rPr kumimoji="1" lang="ja-JP" altLang="en-US" smtClean="0"/>
-              <a:t>2025/7/28</a:t>
+              <a:t>2025/7/30</a:t>
             </a:fld>
             <a:endParaRPr kumimoji="1" lang="ja-JP" altLang="en-US"/>
           </a:p>
@@ -511,7 +512,7 @@
           <a:p>
             <a:fld id="{C86328C3-D5F4-4C2C-ACFC-4B0C4F5663EC}" type="datetimeFigureOut">
               <a:rPr kumimoji="1" lang="ja-JP" altLang="en-US" smtClean="0"/>
-              <a:t>2025/7/28</a:t>
+              <a:t>2025/7/30</a:t>
             </a:fld>
             <a:endParaRPr kumimoji="1" lang="ja-JP" altLang="en-US"/>
           </a:p>
@@ -751,7 +752,7 @@
           <a:p>
             <a:fld id="{C86328C3-D5F4-4C2C-ACFC-4B0C4F5663EC}" type="datetimeFigureOut">
               <a:rPr kumimoji="1" lang="ja-JP" altLang="en-US" smtClean="0"/>
-              <a:t>2025/7/28</a:t>
+              <a:t>2025/7/30</a:t>
             </a:fld>
             <a:endParaRPr kumimoji="1" lang="ja-JP" altLang="en-US"/>
           </a:p>
@@ -981,7 +982,7 @@
           <a:p>
             <a:fld id="{C86328C3-D5F4-4C2C-ACFC-4B0C4F5663EC}" type="datetimeFigureOut">
               <a:rPr kumimoji="1" lang="ja-JP" altLang="en-US" smtClean="0"/>
-              <a:t>2025/7/28</a:t>
+              <a:t>2025/7/30</a:t>
             </a:fld>
             <a:endParaRPr kumimoji="1" lang="ja-JP" altLang="en-US"/>
           </a:p>
@@ -1256,7 +1257,7 @@
           <a:p>
             <a:fld id="{C86328C3-D5F4-4C2C-ACFC-4B0C4F5663EC}" type="datetimeFigureOut">
               <a:rPr kumimoji="1" lang="ja-JP" altLang="en-US" smtClean="0"/>
-              <a:t>2025/7/28</a:t>
+              <a:t>2025/7/30</a:t>
             </a:fld>
             <a:endParaRPr kumimoji="1" lang="ja-JP" altLang="en-US"/>
           </a:p>
@@ -1585,7 +1586,7 @@
           <a:p>
             <a:fld id="{C86328C3-D5F4-4C2C-ACFC-4B0C4F5663EC}" type="datetimeFigureOut">
               <a:rPr kumimoji="1" lang="ja-JP" altLang="en-US" smtClean="0"/>
-              <a:t>2025/7/28</a:t>
+              <a:t>2025/7/30</a:t>
             </a:fld>
             <a:endParaRPr kumimoji="1" lang="ja-JP" altLang="en-US"/>
           </a:p>
@@ -2061,7 +2062,7 @@
           <a:p>
             <a:fld id="{C86328C3-D5F4-4C2C-ACFC-4B0C4F5663EC}" type="datetimeFigureOut">
               <a:rPr kumimoji="1" lang="ja-JP" altLang="en-US" smtClean="0"/>
-              <a:t>2025/7/28</a:t>
+              <a:t>2025/7/30</a:t>
             </a:fld>
             <a:endParaRPr kumimoji="1" lang="ja-JP" altLang="en-US"/>
           </a:p>
@@ -2202,7 +2203,7 @@
           <a:p>
             <a:fld id="{C86328C3-D5F4-4C2C-ACFC-4B0C4F5663EC}" type="datetimeFigureOut">
               <a:rPr kumimoji="1" lang="ja-JP" altLang="en-US" smtClean="0"/>
-              <a:t>2025/7/28</a:t>
+              <a:t>2025/7/30</a:t>
             </a:fld>
             <a:endParaRPr kumimoji="1" lang="ja-JP" altLang="en-US"/>
           </a:p>
@@ -2315,7 +2316,7 @@
           <a:p>
             <a:fld id="{C86328C3-D5F4-4C2C-ACFC-4B0C4F5663EC}" type="datetimeFigureOut">
               <a:rPr kumimoji="1" lang="ja-JP" altLang="en-US" smtClean="0"/>
-              <a:t>2025/7/28</a:t>
+              <a:t>2025/7/30</a:t>
             </a:fld>
             <a:endParaRPr kumimoji="1" lang="ja-JP" altLang="en-US"/>
           </a:p>
@@ -2658,7 +2659,7 @@
           <a:p>
             <a:fld id="{C86328C3-D5F4-4C2C-ACFC-4B0C4F5663EC}" type="datetimeFigureOut">
               <a:rPr kumimoji="1" lang="ja-JP" altLang="en-US" smtClean="0"/>
-              <a:t>2025/7/28</a:t>
+              <a:t>2025/7/30</a:t>
             </a:fld>
             <a:endParaRPr kumimoji="1" lang="ja-JP" altLang="en-US"/>
           </a:p>
@@ -2946,7 +2947,7 @@
           <a:p>
             <a:fld id="{C86328C3-D5F4-4C2C-ACFC-4B0C4F5663EC}" type="datetimeFigureOut">
               <a:rPr kumimoji="1" lang="ja-JP" altLang="en-US" smtClean="0"/>
-              <a:t>2025/7/28</a:t>
+              <a:t>2025/7/30</a:t>
             </a:fld>
             <a:endParaRPr kumimoji="1" lang="ja-JP" altLang="en-US"/>
           </a:p>
@@ -3219,7 +3220,7 @@
           <a:p>
             <a:fld id="{C86328C3-D5F4-4C2C-ACFC-4B0C4F5663EC}" type="datetimeFigureOut">
               <a:rPr kumimoji="1" lang="ja-JP" altLang="en-US" smtClean="0"/>
-              <a:t>2025/7/28</a:t>
+              <a:t>2025/7/30</a:t>
             </a:fld>
             <a:endParaRPr kumimoji="1" lang="ja-JP" altLang="en-US"/>
           </a:p>
@@ -13266,6 +13267,566 @@
 </p:sld>
 </file>
 
+<file path=ppt/slides/slide24.xml><?xml version="1.0" encoding="utf-8"?>
+<p:sld xmlns:a="http://schemas.openxmlformats.org/drawingml/2006/main" xmlns:r="http://schemas.openxmlformats.org/officeDocument/2006/relationships" xmlns:p="http://schemas.openxmlformats.org/presentationml/2006/main">
+  <p:cSld>
+    <p:spTree>
+      <p:nvGrpSpPr>
+        <p:cNvPr id="1" name=""/>
+        <p:cNvGrpSpPr/>
+        <p:nvPr/>
+      </p:nvGrpSpPr>
+      <p:grpSpPr>
+        <a:xfrm>
+          <a:off x="0" y="0"/>
+          <a:ext cx="0" cy="0"/>
+          <a:chOff x="0" y="0"/>
+          <a:chExt cx="0" cy="0"/>
+        </a:xfrm>
+      </p:grpSpPr>
+      <p:sp>
+        <p:nvSpPr>
+          <p:cNvPr id="2" name="フローチャート: 端子 1">
+            <a:extLst>
+              <a:ext uri="{FF2B5EF4-FFF2-40B4-BE49-F238E27FC236}">
+                <a16:creationId xmlns:a16="http://schemas.microsoft.com/office/drawing/2014/main" id="{303D21B0-ECD8-3A21-B8F7-25477C258CD3}"/>
+              </a:ext>
+            </a:extLst>
+          </p:cNvPr>
+          <p:cNvSpPr/>
+          <p:nvPr/>
+        </p:nvSpPr>
+        <p:spPr>
+          <a:xfrm>
+            <a:off x="1005273" y="542562"/>
+            <a:ext cx="1800000" cy="720000"/>
+          </a:xfrm>
+          <a:prstGeom prst="flowChartTerminator">
+            <a:avLst/>
+          </a:prstGeom>
+          <a:solidFill>
+            <a:srgbClr val="0066FF"/>
+          </a:solidFill>
+          <a:ln>
+            <a:noFill/>
+          </a:ln>
+        </p:spPr>
+        <p:style>
+          <a:lnRef idx="2">
+            <a:schemeClr val="accent1">
+              <a:shade val="15000"/>
+            </a:schemeClr>
+          </a:lnRef>
+          <a:fillRef idx="1">
+            <a:schemeClr val="accent1"/>
+          </a:fillRef>
+          <a:effectRef idx="0">
+            <a:schemeClr val="accent1"/>
+          </a:effectRef>
+          <a:fontRef idx="minor">
+            <a:schemeClr val="lt1"/>
+          </a:fontRef>
+        </p:style>
+        <p:txBody>
+          <a:bodyPr rtlCol="0" anchor="ctr"/>
+          <a:lstStyle/>
+          <a:p>
+            <a:pPr algn="ctr"/>
+            <a:r>
+              <a:rPr kumimoji="1" lang="ja-JP" altLang="en-US" b="1" dirty="0"/>
+              <a:t>キャラクター</a:t>
+            </a:r>
+            <a:endParaRPr kumimoji="1" lang="en-US" altLang="ja-JP" b="1" dirty="0"/>
+          </a:p>
+        </p:txBody>
+      </p:sp>
+      <p:sp>
+        <p:nvSpPr>
+          <p:cNvPr id="3" name="四角形: 角を丸くする 2">
+            <a:extLst>
+              <a:ext uri="{FF2B5EF4-FFF2-40B4-BE49-F238E27FC236}">
+                <a16:creationId xmlns:a16="http://schemas.microsoft.com/office/drawing/2014/main" id="{96687044-BC14-65F1-90FD-49D796038231}"/>
+              </a:ext>
+            </a:extLst>
+          </p:cNvPr>
+          <p:cNvSpPr/>
+          <p:nvPr/>
+        </p:nvSpPr>
+        <p:spPr>
+          <a:xfrm>
+            <a:off x="831273" y="2249055"/>
+            <a:ext cx="2160000" cy="900000"/>
+          </a:xfrm>
+          <a:prstGeom prst="roundRect">
+            <a:avLst>
+              <a:gd name="adj" fmla="val 50000"/>
+            </a:avLst>
+          </a:prstGeom>
+          <a:ln>
+            <a:noFill/>
+          </a:ln>
+        </p:spPr>
+        <p:style>
+          <a:lnRef idx="2">
+            <a:schemeClr val="accent1">
+              <a:shade val="15000"/>
+            </a:schemeClr>
+          </a:lnRef>
+          <a:fillRef idx="1">
+            <a:schemeClr val="accent1"/>
+          </a:fillRef>
+          <a:effectRef idx="0">
+            <a:schemeClr val="accent1"/>
+          </a:effectRef>
+          <a:fontRef idx="minor">
+            <a:schemeClr val="lt1"/>
+          </a:fontRef>
+        </p:style>
+        <p:txBody>
+          <a:bodyPr rtlCol="0" anchor="ctr"/>
+          <a:lstStyle/>
+          <a:p>
+            <a:pPr algn="ctr"/>
+            <a:r>
+              <a:rPr kumimoji="1" lang="en-US" altLang="ja-JP" sz="2400" b="1" dirty="0"/>
+              <a:t>Player1</a:t>
+            </a:r>
+            <a:endParaRPr kumimoji="1" lang="ja-JP" altLang="en-US" sz="2400" b="1" dirty="0"/>
+          </a:p>
+        </p:txBody>
+      </p:sp>
+      <p:sp>
+        <p:nvSpPr>
+          <p:cNvPr id="4" name="四角形: 角を丸くする 3">
+            <a:extLst>
+              <a:ext uri="{FF2B5EF4-FFF2-40B4-BE49-F238E27FC236}">
+                <a16:creationId xmlns:a16="http://schemas.microsoft.com/office/drawing/2014/main" id="{A40FA67A-C197-B5A2-043E-E83743794716}"/>
+              </a:ext>
+            </a:extLst>
+          </p:cNvPr>
+          <p:cNvSpPr/>
+          <p:nvPr/>
+        </p:nvSpPr>
+        <p:spPr>
+          <a:xfrm>
+            <a:off x="3459018" y="2249055"/>
+            <a:ext cx="2160000" cy="900000"/>
+          </a:xfrm>
+          <a:prstGeom prst="roundRect">
+            <a:avLst>
+              <a:gd name="adj" fmla="val 50000"/>
+            </a:avLst>
+          </a:prstGeom>
+          <a:ln>
+            <a:noFill/>
+          </a:ln>
+        </p:spPr>
+        <p:style>
+          <a:lnRef idx="2">
+            <a:schemeClr val="accent2">
+              <a:shade val="15000"/>
+            </a:schemeClr>
+          </a:lnRef>
+          <a:fillRef idx="1">
+            <a:schemeClr val="accent2"/>
+          </a:fillRef>
+          <a:effectRef idx="0">
+            <a:schemeClr val="accent2"/>
+          </a:effectRef>
+          <a:fontRef idx="minor">
+            <a:schemeClr val="lt1"/>
+          </a:fontRef>
+        </p:style>
+        <p:txBody>
+          <a:bodyPr rtlCol="0" anchor="ctr"/>
+          <a:lstStyle/>
+          <a:p>
+            <a:pPr algn="ctr"/>
+            <a:r>
+              <a:rPr lang="en-US" altLang="ja-JP" sz="2400" b="1" dirty="0"/>
+              <a:t>Player2</a:t>
+            </a:r>
+            <a:endParaRPr lang="ja-JP" altLang="en-US" sz="2400" b="1" dirty="0"/>
+          </a:p>
+        </p:txBody>
+      </p:sp>
+      <p:pic>
+        <p:nvPicPr>
+          <p:cNvPr id="6" name="図 5">
+            <a:extLst>
+              <a:ext uri="{FF2B5EF4-FFF2-40B4-BE49-F238E27FC236}">
+                <a16:creationId xmlns:a16="http://schemas.microsoft.com/office/drawing/2014/main" id="{4AAD234D-630E-26FE-F007-DCEEA22B3779}"/>
+              </a:ext>
+            </a:extLst>
+          </p:cNvPr>
+          <p:cNvPicPr>
+            <a:picLocks noChangeAspect="1"/>
+          </p:cNvPicPr>
+          <p:nvPr/>
+        </p:nvPicPr>
+        <p:blipFill>
+          <a:blip r:embed="rId2">
+            <a:extLst>
+              <a:ext uri="{28A0092B-C50C-407E-A947-70E740481C1C}">
+                <a14:useLocalDpi xmlns:a14="http://schemas.microsoft.com/office/drawing/2010/main" val="0"/>
+              </a:ext>
+            </a:extLst>
+          </a:blip>
+          <a:stretch>
+            <a:fillRect/>
+          </a:stretch>
+        </p:blipFill>
+        <p:spPr>
+          <a:xfrm>
+            <a:off x="4950680" y="3848326"/>
+            <a:ext cx="2161330" cy="897783"/>
+          </a:xfrm>
+          <a:prstGeom prst="rect">
+            <a:avLst/>
+          </a:prstGeom>
+          <a:ln>
+            <a:noFill/>
+          </a:ln>
+          <a:effectLst>
+            <a:outerShdw blurRad="190500" algn="tl" rotWithShape="0">
+              <a:srgbClr val="000000">
+                <a:alpha val="70000"/>
+              </a:srgbClr>
+            </a:outerShdw>
+          </a:effectLst>
+        </p:spPr>
+      </p:pic>
+      <p:pic>
+        <p:nvPicPr>
+          <p:cNvPr id="8" name="図 7">
+            <a:extLst>
+              <a:ext uri="{FF2B5EF4-FFF2-40B4-BE49-F238E27FC236}">
+                <a16:creationId xmlns:a16="http://schemas.microsoft.com/office/drawing/2014/main" id="{2489645E-B209-FB4F-1210-6BC2C1C12F0C}"/>
+              </a:ext>
+            </a:extLst>
+          </p:cNvPr>
+          <p:cNvPicPr>
+            <a:picLocks noChangeAspect="1"/>
+          </p:cNvPicPr>
+          <p:nvPr/>
+        </p:nvPicPr>
+        <p:blipFill>
+          <a:blip r:embed="rId3">
+            <a:extLst>
+              <a:ext uri="{28A0092B-C50C-407E-A947-70E740481C1C}">
+                <a14:useLocalDpi xmlns:a14="http://schemas.microsoft.com/office/drawing/2010/main" val="0"/>
+              </a:ext>
+            </a:extLst>
+          </a:blip>
+          <a:stretch>
+            <a:fillRect/>
+          </a:stretch>
+        </p:blipFill>
+        <p:spPr>
+          <a:xfrm>
+            <a:off x="2141440" y="4135548"/>
+            <a:ext cx="2164101" cy="897783"/>
+          </a:xfrm>
+          <a:prstGeom prst="rect">
+            <a:avLst/>
+          </a:prstGeom>
+          <a:ln>
+            <a:noFill/>
+          </a:ln>
+          <a:effectLst>
+            <a:outerShdw blurRad="190500" algn="tl" rotWithShape="0">
+              <a:srgbClr val="000000">
+                <a:alpha val="70000"/>
+              </a:srgbClr>
+            </a:outerShdw>
+          </a:effectLst>
+        </p:spPr>
+      </p:pic>
+      <p:sp>
+        <p:nvSpPr>
+          <p:cNvPr id="9" name="四角形: 角を丸くする 8">
+            <a:extLst>
+              <a:ext uri="{FF2B5EF4-FFF2-40B4-BE49-F238E27FC236}">
+                <a16:creationId xmlns:a16="http://schemas.microsoft.com/office/drawing/2014/main" id="{FA2921DF-7BD7-3D1C-8301-9EBC43C41522}"/>
+              </a:ext>
+            </a:extLst>
+          </p:cNvPr>
+          <p:cNvSpPr/>
+          <p:nvPr/>
+        </p:nvSpPr>
+        <p:spPr>
+          <a:xfrm>
+            <a:off x="6257637" y="692728"/>
+            <a:ext cx="2160000" cy="900000"/>
+          </a:xfrm>
+          <a:prstGeom prst="roundRect">
+            <a:avLst>
+              <a:gd name="adj" fmla="val 50000"/>
+            </a:avLst>
+          </a:prstGeom>
+          <a:solidFill>
+            <a:schemeClr val="accent1">
+              <a:lumMod val="75000"/>
+            </a:schemeClr>
+          </a:solidFill>
+          <a:ln>
+            <a:noFill/>
+          </a:ln>
+        </p:spPr>
+        <p:style>
+          <a:lnRef idx="2">
+            <a:schemeClr val="accent1">
+              <a:shade val="15000"/>
+            </a:schemeClr>
+          </a:lnRef>
+          <a:fillRef idx="1">
+            <a:schemeClr val="accent1"/>
+          </a:fillRef>
+          <a:effectRef idx="0">
+            <a:schemeClr val="accent1"/>
+          </a:effectRef>
+          <a:fontRef idx="minor">
+            <a:schemeClr val="lt1"/>
+          </a:fontRef>
+        </p:style>
+        <p:txBody>
+          <a:bodyPr rtlCol="0" anchor="ctr"/>
+          <a:lstStyle/>
+          <a:p>
+            <a:pPr algn="ctr"/>
+            <a:r>
+              <a:rPr kumimoji="1" lang="en-US" altLang="ja-JP" sz="2400" b="1" dirty="0"/>
+              <a:t>Player1</a:t>
+            </a:r>
+            <a:endParaRPr kumimoji="1" lang="ja-JP" altLang="en-US" sz="2400" b="1" dirty="0"/>
+          </a:p>
+        </p:txBody>
+      </p:sp>
+      <p:sp>
+        <p:nvSpPr>
+          <p:cNvPr id="10" name="四角形: 角を丸くする 9">
+            <a:extLst>
+              <a:ext uri="{FF2B5EF4-FFF2-40B4-BE49-F238E27FC236}">
+                <a16:creationId xmlns:a16="http://schemas.microsoft.com/office/drawing/2014/main" id="{F55B498F-20E0-3760-2ED1-A473BA8A2E29}"/>
+              </a:ext>
+            </a:extLst>
+          </p:cNvPr>
+          <p:cNvSpPr/>
+          <p:nvPr/>
+        </p:nvSpPr>
+        <p:spPr>
+          <a:xfrm>
+            <a:off x="8885382" y="692728"/>
+            <a:ext cx="2160000" cy="900000"/>
+          </a:xfrm>
+          <a:prstGeom prst="roundRect">
+            <a:avLst>
+              <a:gd name="adj" fmla="val 50000"/>
+            </a:avLst>
+          </a:prstGeom>
+          <a:solidFill>
+            <a:schemeClr val="accent2">
+              <a:lumMod val="75000"/>
+            </a:schemeClr>
+          </a:solidFill>
+          <a:ln>
+            <a:noFill/>
+          </a:ln>
+        </p:spPr>
+        <p:style>
+          <a:lnRef idx="2">
+            <a:schemeClr val="accent2">
+              <a:shade val="15000"/>
+            </a:schemeClr>
+          </a:lnRef>
+          <a:fillRef idx="1">
+            <a:schemeClr val="accent2"/>
+          </a:fillRef>
+          <a:effectRef idx="0">
+            <a:schemeClr val="accent2"/>
+          </a:effectRef>
+          <a:fontRef idx="minor">
+            <a:schemeClr val="lt1"/>
+          </a:fontRef>
+        </p:style>
+        <p:txBody>
+          <a:bodyPr rtlCol="0" anchor="ctr"/>
+          <a:lstStyle/>
+          <a:p>
+            <a:pPr algn="ctr"/>
+            <a:r>
+              <a:rPr lang="en-US" altLang="ja-JP" sz="2400" b="1" dirty="0"/>
+              <a:t>Player2</a:t>
+            </a:r>
+            <a:endParaRPr lang="ja-JP" altLang="en-US" sz="2400" b="1" dirty="0"/>
+          </a:p>
+        </p:txBody>
+      </p:sp>
+      <p:sp>
+        <p:nvSpPr>
+          <p:cNvPr id="11" name="四角形: 角を丸くする 10">
+            <a:extLst>
+              <a:ext uri="{FF2B5EF4-FFF2-40B4-BE49-F238E27FC236}">
+                <a16:creationId xmlns:a16="http://schemas.microsoft.com/office/drawing/2014/main" id="{B09EEEF8-FA33-9D4D-8414-B35F68181633}"/>
+              </a:ext>
+            </a:extLst>
+          </p:cNvPr>
+          <p:cNvSpPr/>
+          <p:nvPr/>
+        </p:nvSpPr>
+        <p:spPr>
+          <a:xfrm>
+            <a:off x="7195128" y="2598691"/>
+            <a:ext cx="3600000" cy="900000"/>
+          </a:xfrm>
+          <a:prstGeom prst="roundRect">
+            <a:avLst>
+              <a:gd name="adj" fmla="val 50000"/>
+            </a:avLst>
+          </a:prstGeom>
+          <a:solidFill>
+            <a:schemeClr val="accent6">
+              <a:lumMod val="75000"/>
+            </a:schemeClr>
+          </a:solidFill>
+          <a:ln>
+            <a:noFill/>
+          </a:ln>
+        </p:spPr>
+        <p:style>
+          <a:lnRef idx="2">
+            <a:schemeClr val="accent1">
+              <a:shade val="15000"/>
+            </a:schemeClr>
+          </a:lnRef>
+          <a:fillRef idx="1">
+            <a:schemeClr val="accent1"/>
+          </a:fillRef>
+          <a:effectRef idx="0">
+            <a:schemeClr val="accent1"/>
+          </a:effectRef>
+          <a:fontRef idx="minor">
+            <a:schemeClr val="lt1"/>
+          </a:fontRef>
+        </p:style>
+        <p:txBody>
+          <a:bodyPr rtlCol="0" anchor="ctr"/>
+          <a:lstStyle/>
+          <a:p>
+            <a:pPr algn="ctr"/>
+            <a:r>
+              <a:rPr kumimoji="1" lang="en-US" altLang="ja-JP" sz="2400" b="1" dirty="0"/>
+              <a:t>START</a:t>
+            </a:r>
+            <a:endParaRPr kumimoji="1" lang="ja-JP" altLang="en-US" sz="2400" b="1" dirty="0"/>
+          </a:p>
+        </p:txBody>
+      </p:sp>
+      <p:pic>
+        <p:nvPicPr>
+          <p:cNvPr id="13" name="図 12">
+            <a:extLst>
+              <a:ext uri="{FF2B5EF4-FFF2-40B4-BE49-F238E27FC236}">
+                <a16:creationId xmlns:a16="http://schemas.microsoft.com/office/drawing/2014/main" id="{321734CB-861C-7934-0D08-ED21D4E8E8BA}"/>
+              </a:ext>
+            </a:extLst>
+          </p:cNvPr>
+          <p:cNvPicPr>
+            <a:picLocks noChangeAspect="1"/>
+          </p:cNvPicPr>
+          <p:nvPr/>
+        </p:nvPicPr>
+        <p:blipFill>
+          <a:blip r:embed="rId4">
+            <a:extLst>
+              <a:ext uri="{28A0092B-C50C-407E-A947-70E740481C1C}">
+                <a14:useLocalDpi xmlns:a14="http://schemas.microsoft.com/office/drawing/2010/main" val="0"/>
+              </a:ext>
+            </a:extLst>
+          </a:blip>
+          <a:stretch>
+            <a:fillRect/>
+          </a:stretch>
+        </p:blipFill>
+        <p:spPr>
+          <a:xfrm>
+            <a:off x="7757149" y="4746109"/>
+            <a:ext cx="2698892" cy="900554"/>
+          </a:xfrm>
+          <a:prstGeom prst="rect">
+            <a:avLst/>
+          </a:prstGeom>
+          <a:ln>
+            <a:noFill/>
+          </a:ln>
+          <a:effectLst>
+            <a:outerShdw blurRad="190500" algn="tl" rotWithShape="0">
+              <a:srgbClr val="000000">
+                <a:alpha val="70000"/>
+              </a:srgbClr>
+            </a:outerShdw>
+          </a:effectLst>
+        </p:spPr>
+      </p:pic>
+      <p:pic>
+        <p:nvPicPr>
+          <p:cNvPr id="15" name="図 14">
+            <a:extLst>
+              <a:ext uri="{FF2B5EF4-FFF2-40B4-BE49-F238E27FC236}">
+                <a16:creationId xmlns:a16="http://schemas.microsoft.com/office/drawing/2014/main" id="{179C33DF-AB94-F545-7742-642239D2886A}"/>
+              </a:ext>
+            </a:extLst>
+          </p:cNvPr>
+          <p:cNvPicPr>
+            <a:picLocks noChangeAspect="1"/>
+          </p:cNvPicPr>
+          <p:nvPr/>
+        </p:nvPicPr>
+        <p:blipFill>
+          <a:blip r:embed="rId5">
+            <a:extLst>
+              <a:ext uri="{28A0092B-C50C-407E-A947-70E740481C1C}">
+                <a14:useLocalDpi xmlns:a14="http://schemas.microsoft.com/office/drawing/2010/main" val="0"/>
+              </a:ext>
+            </a:extLst>
+          </a:blip>
+          <a:stretch>
+            <a:fillRect/>
+          </a:stretch>
+        </p:blipFill>
+        <p:spPr>
+          <a:xfrm>
+            <a:off x="3149571" y="5568161"/>
+            <a:ext cx="3602217" cy="903325"/>
+          </a:xfrm>
+          <a:prstGeom prst="rect">
+            <a:avLst/>
+          </a:prstGeom>
+          <a:ln>
+            <a:noFill/>
+          </a:ln>
+          <a:effectLst>
+            <a:outerShdw blurRad="190500" algn="tl" rotWithShape="0">
+              <a:srgbClr val="000000">
+                <a:alpha val="70000"/>
+              </a:srgbClr>
+            </a:outerShdw>
+          </a:effectLst>
+        </p:spPr>
+      </p:pic>
+    </p:spTree>
+    <p:extLst>
+      <p:ext uri="{BB962C8B-B14F-4D97-AF65-F5344CB8AC3E}">
+        <p14:creationId xmlns:p14="http://schemas.microsoft.com/office/powerpoint/2010/main" val="2618357264"/>
+      </p:ext>
+    </p:extLst>
+  </p:cSld>
+  <p:clrMapOvr>
+    <a:masterClrMapping/>
+  </p:clrMapOvr>
+</p:sld>
+</file>
+
 <file path=ppt/slides/slide3.xml><?xml version="1.0" encoding="utf-8"?>
 <p:sld xmlns:a="http://schemas.openxmlformats.org/drawingml/2006/main" xmlns:r="http://schemas.openxmlformats.org/officeDocument/2006/relationships" xmlns:p="http://schemas.openxmlformats.org/presentationml/2006/main">
   <p:cSld>

--- a/Assets/Documents_etc/アイコン作成.pptx
+++ b/Assets/Documents_etc/アイコン作成.pptx
@@ -29,6 +29,8 @@
     <p:sldId id="281" r:id="rId23"/>
     <p:sldId id="280" r:id="rId24"/>
     <p:sldId id="282" r:id="rId25"/>
+    <p:sldId id="283" r:id="rId26"/>
+    <p:sldId id="284" r:id="rId27"/>
   </p:sldIdLst>
   <p:sldSz cx="12192000" cy="6858000"/>
   <p:notesSz cx="6858000" cy="9144000"/>
@@ -13827,6 +13829,877 @@
 </p:sld>
 </file>
 
+<file path=ppt/slides/slide25.xml><?xml version="1.0" encoding="utf-8"?>
+<p:sld xmlns:a="http://schemas.openxmlformats.org/drawingml/2006/main" xmlns:r="http://schemas.openxmlformats.org/officeDocument/2006/relationships" xmlns:p="http://schemas.openxmlformats.org/presentationml/2006/main">
+  <p:cSld>
+    <p:spTree>
+      <p:nvGrpSpPr>
+        <p:cNvPr id="1" name=""/>
+        <p:cNvGrpSpPr/>
+        <p:nvPr/>
+      </p:nvGrpSpPr>
+      <p:grpSpPr>
+        <a:xfrm>
+          <a:off x="0" y="0"/>
+          <a:ext cx="0" cy="0"/>
+          <a:chOff x="0" y="0"/>
+          <a:chExt cx="0" cy="0"/>
+        </a:xfrm>
+      </p:grpSpPr>
+      <p:sp>
+        <p:nvSpPr>
+          <p:cNvPr id="2" name="四角形: 角を丸くする 1">
+            <a:extLst>
+              <a:ext uri="{FF2B5EF4-FFF2-40B4-BE49-F238E27FC236}">
+                <a16:creationId xmlns:a16="http://schemas.microsoft.com/office/drawing/2014/main" id="{8BC62427-F69F-BE6D-FE5B-52AEFF5A3D1F}"/>
+              </a:ext>
+            </a:extLst>
+          </p:cNvPr>
+          <p:cNvSpPr/>
+          <p:nvPr/>
+        </p:nvSpPr>
+        <p:spPr>
+          <a:xfrm>
+            <a:off x="0" y="0"/>
+            <a:ext cx="3600000" cy="2880000"/>
+          </a:xfrm>
+          <a:prstGeom prst="roundRect">
+            <a:avLst>
+              <a:gd name="adj" fmla="val 5122"/>
+            </a:avLst>
+          </a:prstGeom>
+          <a:solidFill>
+            <a:schemeClr val="bg1"/>
+          </a:solidFill>
+          <a:ln>
+            <a:solidFill>
+              <a:schemeClr val="tx1">
+                <a:lumMod val="50000"/>
+                <a:lumOff val="50000"/>
+              </a:schemeClr>
+            </a:solidFill>
+          </a:ln>
+        </p:spPr>
+        <p:style>
+          <a:lnRef idx="2">
+            <a:schemeClr val="accent1">
+              <a:shade val="15000"/>
+            </a:schemeClr>
+          </a:lnRef>
+          <a:fillRef idx="1">
+            <a:schemeClr val="accent1"/>
+          </a:fillRef>
+          <a:effectRef idx="0">
+            <a:schemeClr val="accent1"/>
+          </a:effectRef>
+          <a:fontRef idx="minor">
+            <a:schemeClr val="lt1"/>
+          </a:fontRef>
+        </p:style>
+        <p:txBody>
+          <a:bodyPr rtlCol="0" anchor="ctr"/>
+          <a:lstStyle/>
+          <a:p>
+            <a:pPr algn="ctr"/>
+            <a:endParaRPr kumimoji="1" lang="ja-JP" altLang="en-US"/>
+          </a:p>
+        </p:txBody>
+      </p:sp>
+      <p:sp>
+        <p:nvSpPr>
+          <p:cNvPr id="3" name="四角形: 角を丸くする 2">
+            <a:extLst>
+              <a:ext uri="{FF2B5EF4-FFF2-40B4-BE49-F238E27FC236}">
+                <a16:creationId xmlns:a16="http://schemas.microsoft.com/office/drawing/2014/main" id="{A94F21B3-D9CC-AE83-91C4-C614E80A5EB4}"/>
+              </a:ext>
+            </a:extLst>
+          </p:cNvPr>
+          <p:cNvSpPr/>
+          <p:nvPr/>
+        </p:nvSpPr>
+        <p:spPr>
+          <a:xfrm>
+            <a:off x="3763818" y="0"/>
+            <a:ext cx="3600000" cy="2880000"/>
+          </a:xfrm>
+          <a:prstGeom prst="roundRect">
+            <a:avLst>
+              <a:gd name="adj" fmla="val 5122"/>
+            </a:avLst>
+          </a:prstGeom>
+          <a:solidFill>
+            <a:schemeClr val="bg2">
+              <a:lumMod val="90000"/>
+            </a:schemeClr>
+          </a:solidFill>
+          <a:ln/>
+        </p:spPr>
+        <p:style>
+          <a:lnRef idx="2">
+            <a:schemeClr val="dk1">
+              <a:shade val="15000"/>
+            </a:schemeClr>
+          </a:lnRef>
+          <a:fillRef idx="1">
+            <a:schemeClr val="dk1"/>
+          </a:fillRef>
+          <a:effectRef idx="0">
+            <a:schemeClr val="dk1"/>
+          </a:effectRef>
+          <a:fontRef idx="minor">
+            <a:schemeClr val="lt1"/>
+          </a:fontRef>
+        </p:style>
+        <p:txBody>
+          <a:bodyPr rtlCol="0" anchor="ctr"/>
+          <a:lstStyle/>
+          <a:p>
+            <a:pPr algn="ctr"/>
+            <a:endParaRPr kumimoji="1" lang="ja-JP" altLang="en-US"/>
+          </a:p>
+        </p:txBody>
+      </p:sp>
+      <p:pic>
+        <p:nvPicPr>
+          <p:cNvPr id="5" name="グラフィックス 4" descr="矢印: 左回転 単色塗りつぶし">
+            <a:extLst>
+              <a:ext uri="{FF2B5EF4-FFF2-40B4-BE49-F238E27FC236}">
+                <a16:creationId xmlns:a16="http://schemas.microsoft.com/office/drawing/2014/main" id="{2B3F8BE1-A728-6374-6B83-57B765AF8945}"/>
+              </a:ext>
+            </a:extLst>
+          </p:cNvPr>
+          <p:cNvPicPr>
+            <a:picLocks noChangeAspect="1"/>
+          </p:cNvPicPr>
+          <p:nvPr/>
+        </p:nvPicPr>
+        <p:blipFill>
+          <a:blip r:embed="rId2">
+            <a:extLst>
+              <a:ext uri="{96DAC541-7B7A-43D3-8B79-37D633B846F1}">
+                <asvg:svgBlip xmlns:asvg="http://schemas.microsoft.com/office/drawing/2016/SVG/main" r:embed="rId3"/>
+              </a:ext>
+            </a:extLst>
+          </a:blip>
+          <a:stretch>
+            <a:fillRect/>
+          </a:stretch>
+        </p:blipFill>
+        <p:spPr>
+          <a:xfrm>
+            <a:off x="1342800" y="4098637"/>
+            <a:ext cx="914400" cy="914400"/>
+          </a:xfrm>
+          <a:prstGeom prst="rect">
+            <a:avLst/>
+          </a:prstGeom>
+        </p:spPr>
+      </p:pic>
+      <p:grpSp>
+        <p:nvGrpSpPr>
+          <p:cNvPr id="9" name="グループ化 8">
+            <a:extLst>
+              <a:ext uri="{FF2B5EF4-FFF2-40B4-BE49-F238E27FC236}">
+                <a16:creationId xmlns:a16="http://schemas.microsoft.com/office/drawing/2014/main" id="{98A5A816-221E-380A-D00E-981A3EF8FF04}"/>
+              </a:ext>
+            </a:extLst>
+          </p:cNvPr>
+          <p:cNvGrpSpPr/>
+          <p:nvPr/>
+        </p:nvGrpSpPr>
+        <p:grpSpPr>
+          <a:xfrm>
+            <a:off x="8593127" y="4521201"/>
+            <a:ext cx="1440000" cy="1440000"/>
+            <a:chOff x="8593127" y="4521201"/>
+            <a:chExt cx="1440000" cy="1440000"/>
+          </a:xfrm>
+        </p:grpSpPr>
+        <p:sp>
+          <p:nvSpPr>
+            <p:cNvPr id="8" name="四角形: 角を丸くする 7">
+              <a:extLst>
+                <a:ext uri="{FF2B5EF4-FFF2-40B4-BE49-F238E27FC236}">
+                  <a16:creationId xmlns:a16="http://schemas.microsoft.com/office/drawing/2014/main" id="{957C87FB-E609-0126-73AA-E3E924A05785}"/>
+                </a:ext>
+              </a:extLst>
+            </p:cNvPr>
+            <p:cNvSpPr/>
+            <p:nvPr/>
+          </p:nvSpPr>
+          <p:spPr>
+            <a:xfrm>
+              <a:off x="8593127" y="4521201"/>
+              <a:ext cx="1440000" cy="1440000"/>
+            </a:xfrm>
+            <a:prstGeom prst="roundRect">
+              <a:avLst>
+                <a:gd name="adj" fmla="val 5122"/>
+              </a:avLst>
+            </a:prstGeom>
+            <a:solidFill>
+              <a:schemeClr val="accent6">
+                <a:lumMod val="40000"/>
+                <a:lumOff val="60000"/>
+              </a:schemeClr>
+            </a:solidFill>
+            <a:ln w="28575">
+              <a:solidFill>
+                <a:schemeClr val="accent6">
+                  <a:lumMod val="75000"/>
+                </a:schemeClr>
+              </a:solidFill>
+            </a:ln>
+          </p:spPr>
+          <p:style>
+            <a:lnRef idx="2">
+              <a:schemeClr val="dk1">
+                <a:shade val="15000"/>
+              </a:schemeClr>
+            </a:lnRef>
+            <a:fillRef idx="1">
+              <a:schemeClr val="dk1"/>
+            </a:fillRef>
+            <a:effectRef idx="0">
+              <a:schemeClr val="dk1"/>
+            </a:effectRef>
+            <a:fontRef idx="minor">
+              <a:schemeClr val="lt1"/>
+            </a:fontRef>
+          </p:style>
+          <p:txBody>
+            <a:bodyPr rtlCol="0" anchor="ctr"/>
+            <a:lstStyle/>
+            <a:p>
+              <a:pPr algn="ctr"/>
+              <a:endParaRPr kumimoji="1" lang="ja-JP" altLang="en-US"/>
+            </a:p>
+          </p:txBody>
+        </p:sp>
+        <p:pic>
+          <p:nvPicPr>
+            <p:cNvPr id="7" name="グラフィックス 6" descr="線矢印: 右回転 単色塗りつぶし">
+              <a:extLst>
+                <a:ext uri="{FF2B5EF4-FFF2-40B4-BE49-F238E27FC236}">
+                  <a16:creationId xmlns:a16="http://schemas.microsoft.com/office/drawing/2014/main" id="{15F67B69-BDC6-CED1-1441-36DBD2911308}"/>
+                </a:ext>
+              </a:extLst>
+            </p:cNvPr>
+            <p:cNvPicPr>
+              <a:picLocks noChangeAspect="1"/>
+            </p:cNvPicPr>
+            <p:nvPr/>
+          </p:nvPicPr>
+          <p:blipFill>
+            <a:blip r:embed="rId4">
+              <a:extLst>
+                <a:ext uri="{96DAC541-7B7A-43D3-8B79-37D633B846F1}">
+                  <asvg:svgBlip xmlns:asvg="http://schemas.microsoft.com/office/drawing/2016/SVG/main" r:embed="rId5"/>
+                </a:ext>
+              </a:extLst>
+            </a:blip>
+            <a:stretch>
+              <a:fillRect/>
+            </a:stretch>
+          </p:blipFill>
+          <p:spPr>
+            <a:xfrm>
+              <a:off x="8855927" y="4784001"/>
+              <a:ext cx="914400" cy="914400"/>
+            </a:xfrm>
+            <a:prstGeom prst="rect">
+              <a:avLst/>
+            </a:prstGeom>
+          </p:spPr>
+        </p:pic>
+      </p:grpSp>
+      <p:sp>
+        <p:nvSpPr>
+          <p:cNvPr id="10" name="四角形: 角を丸くする 9">
+            <a:extLst>
+              <a:ext uri="{FF2B5EF4-FFF2-40B4-BE49-F238E27FC236}">
+                <a16:creationId xmlns:a16="http://schemas.microsoft.com/office/drawing/2014/main" id="{B70E0C0C-3483-688D-7440-1811DE5C2479}"/>
+              </a:ext>
+            </a:extLst>
+          </p:cNvPr>
+          <p:cNvSpPr/>
+          <p:nvPr/>
+        </p:nvSpPr>
+        <p:spPr>
+          <a:xfrm>
+            <a:off x="3877781" y="3618001"/>
+            <a:ext cx="1080000" cy="720000"/>
+          </a:xfrm>
+          <a:prstGeom prst="roundRect">
+            <a:avLst>
+              <a:gd name="adj" fmla="val 50000"/>
+            </a:avLst>
+          </a:prstGeom>
+          <a:solidFill>
+            <a:schemeClr val="bg2">
+              <a:lumMod val="90000"/>
+            </a:schemeClr>
+          </a:solidFill>
+          <a:ln>
+            <a:noFill/>
+          </a:ln>
+        </p:spPr>
+        <p:style>
+          <a:lnRef idx="2">
+            <a:schemeClr val="accent1">
+              <a:shade val="15000"/>
+            </a:schemeClr>
+          </a:lnRef>
+          <a:fillRef idx="1">
+            <a:schemeClr val="accent1"/>
+          </a:fillRef>
+          <a:effectRef idx="0">
+            <a:schemeClr val="accent1"/>
+          </a:effectRef>
+          <a:fontRef idx="minor">
+            <a:schemeClr val="lt1"/>
+          </a:fontRef>
+        </p:style>
+        <p:txBody>
+          <a:bodyPr rtlCol="0" anchor="ctr"/>
+          <a:lstStyle/>
+          <a:p>
+            <a:pPr algn="ctr"/>
+            <a:r>
+              <a:rPr lang="ja-JP" altLang="en-US" b="1" dirty="0">
+                <a:solidFill>
+                  <a:schemeClr val="tx1">
+                    <a:lumMod val="65000"/>
+                    <a:lumOff val="35000"/>
+                  </a:schemeClr>
+                </a:solidFill>
+              </a:rPr>
+              <a:t>戻る</a:t>
+            </a:r>
+            <a:endParaRPr kumimoji="1" lang="en-US" altLang="ja-JP" b="1" dirty="0">
+              <a:solidFill>
+                <a:schemeClr val="tx1">
+                  <a:lumMod val="65000"/>
+                  <a:lumOff val="35000"/>
+                </a:schemeClr>
+              </a:solidFill>
+            </a:endParaRPr>
+          </a:p>
+        </p:txBody>
+      </p:sp>
+      <p:sp>
+        <p:nvSpPr>
+          <p:cNvPr id="11" name="四角形: 角を丸くする 10">
+            <a:extLst>
+              <a:ext uri="{FF2B5EF4-FFF2-40B4-BE49-F238E27FC236}">
+                <a16:creationId xmlns:a16="http://schemas.microsoft.com/office/drawing/2014/main" id="{E8BC7776-01CA-D9A6-78DC-20A33EB21C8D}"/>
+              </a:ext>
+            </a:extLst>
+          </p:cNvPr>
+          <p:cNvSpPr/>
+          <p:nvPr/>
+        </p:nvSpPr>
+        <p:spPr>
+          <a:xfrm>
+            <a:off x="3598874" y="5076002"/>
+            <a:ext cx="1440000" cy="720000"/>
+          </a:xfrm>
+          <a:prstGeom prst="roundRect">
+            <a:avLst>
+              <a:gd name="adj" fmla="val 50000"/>
+            </a:avLst>
+          </a:prstGeom>
+          <a:solidFill>
+            <a:schemeClr val="bg2">
+              <a:lumMod val="90000"/>
+            </a:schemeClr>
+          </a:solidFill>
+          <a:ln>
+            <a:noFill/>
+          </a:ln>
+        </p:spPr>
+        <p:style>
+          <a:lnRef idx="2">
+            <a:schemeClr val="accent1">
+              <a:shade val="15000"/>
+            </a:schemeClr>
+          </a:lnRef>
+          <a:fillRef idx="1">
+            <a:schemeClr val="accent1"/>
+          </a:fillRef>
+          <a:effectRef idx="0">
+            <a:schemeClr val="accent1"/>
+          </a:effectRef>
+          <a:fontRef idx="minor">
+            <a:schemeClr val="lt1"/>
+          </a:fontRef>
+        </p:style>
+        <p:txBody>
+          <a:bodyPr rtlCol="0" anchor="ctr"/>
+          <a:lstStyle/>
+          <a:p>
+            <a:pPr algn="ctr"/>
+            <a:r>
+              <a:rPr lang="ja-JP" altLang="en-US" sz="1600" b="1" dirty="0">
+                <a:solidFill>
+                  <a:schemeClr val="tx1">
+                    <a:lumMod val="65000"/>
+                    <a:lumOff val="35000"/>
+                  </a:schemeClr>
+                </a:solidFill>
+              </a:rPr>
+              <a:t>戻る</a:t>
+            </a:r>
+            <a:endParaRPr kumimoji="1" lang="en-US" altLang="ja-JP" sz="1600" b="1" dirty="0">
+              <a:solidFill>
+                <a:schemeClr val="tx1">
+                  <a:lumMod val="65000"/>
+                  <a:lumOff val="35000"/>
+                </a:schemeClr>
+              </a:solidFill>
+            </a:endParaRPr>
+          </a:p>
+        </p:txBody>
+      </p:sp>
+      <p:pic>
+        <p:nvPicPr>
+          <p:cNvPr id="1026" name="Picture 2" descr="スヌーピー」が約35年ぶりにアニメ映画化！ 2015年公開へ : 映画ニュース - 映画.com">
+            <a:extLst>
+              <a:ext uri="{FF2B5EF4-FFF2-40B4-BE49-F238E27FC236}">
+                <a16:creationId xmlns:a16="http://schemas.microsoft.com/office/drawing/2014/main" id="{8BEAC4E8-7895-B825-7100-30E247BD1269}"/>
+              </a:ext>
+            </a:extLst>
+          </p:cNvPr>
+          <p:cNvPicPr>
+            <a:picLocks noChangeAspect="1" noChangeArrowheads="1"/>
+          </p:cNvPicPr>
+          <p:nvPr/>
+        </p:nvPicPr>
+        <p:blipFill>
+          <a:blip r:embed="rId6">
+            <a:extLst>
+              <a:ext uri="{28A0092B-C50C-407E-A947-70E740481C1C}">
+                <a14:useLocalDpi xmlns:a14="http://schemas.microsoft.com/office/drawing/2010/main" val="0"/>
+              </a:ext>
+            </a:extLst>
+          </a:blip>
+          <a:srcRect/>
+          <a:stretch>
+            <a:fillRect/>
+          </a:stretch>
+        </p:blipFill>
+        <p:spPr bwMode="auto">
+          <a:xfrm>
+            <a:off x="4054764" y="679449"/>
+            <a:ext cx="6096000" cy="3314700"/>
+          </a:xfrm>
+          <a:prstGeom prst="rect">
+            <a:avLst/>
+          </a:prstGeom>
+          <a:noFill/>
+          <a:extLst>
+            <a:ext uri="{909E8E84-426E-40DD-AFC4-6F175D3DCCD1}">
+              <a14:hiddenFill xmlns:a14="http://schemas.microsoft.com/office/drawing/2010/main">
+                <a:solidFill>
+                  <a:srgbClr val="FFFFFF"/>
+                </a:solidFill>
+              </a14:hiddenFill>
+            </a:ext>
+          </a:extLst>
+        </p:spPr>
+      </p:pic>
+      <p:pic>
+        <p:nvPicPr>
+          <p:cNvPr id="13" name="図 12">
+            <a:extLst>
+              <a:ext uri="{FF2B5EF4-FFF2-40B4-BE49-F238E27FC236}">
+                <a16:creationId xmlns:a16="http://schemas.microsoft.com/office/drawing/2014/main" id="{8A703A7C-B6A3-292E-F5D3-BB09F7274D19}"/>
+              </a:ext>
+            </a:extLst>
+          </p:cNvPr>
+          <p:cNvPicPr>
+            <a:picLocks noChangeAspect="1"/>
+          </p:cNvPicPr>
+          <p:nvPr/>
+        </p:nvPicPr>
+        <p:blipFill>
+          <a:blip r:embed="rId7"/>
+          <a:stretch>
+            <a:fillRect/>
+          </a:stretch>
+        </p:blipFill>
+        <p:spPr>
+          <a:xfrm>
+            <a:off x="3703112" y="2506900"/>
+            <a:ext cx="4785775" cy="1844200"/>
+          </a:xfrm>
+          <a:prstGeom prst="rect">
+            <a:avLst/>
+          </a:prstGeom>
+        </p:spPr>
+      </p:pic>
+    </p:spTree>
+    <p:extLst>
+      <p:ext uri="{BB962C8B-B14F-4D97-AF65-F5344CB8AC3E}">
+        <p14:creationId xmlns:p14="http://schemas.microsoft.com/office/powerpoint/2010/main" val="3854654439"/>
+      </p:ext>
+    </p:extLst>
+  </p:cSld>
+  <p:clrMapOvr>
+    <a:masterClrMapping/>
+  </p:clrMapOvr>
+</p:sld>
+</file>
+
+<file path=ppt/slides/slide26.xml><?xml version="1.0" encoding="utf-8"?>
+<p:sld xmlns:a="http://schemas.openxmlformats.org/drawingml/2006/main" xmlns:r="http://schemas.openxmlformats.org/officeDocument/2006/relationships" xmlns:p="http://schemas.openxmlformats.org/presentationml/2006/main">
+  <p:cSld>
+    <p:spTree>
+      <p:nvGrpSpPr>
+        <p:cNvPr id="1" name=""/>
+        <p:cNvGrpSpPr/>
+        <p:nvPr/>
+      </p:nvGrpSpPr>
+      <p:grpSpPr>
+        <a:xfrm>
+          <a:off x="0" y="0"/>
+          <a:ext cx="0" cy="0"/>
+          <a:chOff x="0" y="0"/>
+          <a:chExt cx="0" cy="0"/>
+        </a:xfrm>
+      </p:grpSpPr>
+      <p:pic>
+        <p:nvPicPr>
+          <p:cNvPr id="2050" name="Picture 2" descr="スヌーピー 絵文字 - LINE絵文字 | LINE STORE">
+            <a:extLst>
+              <a:ext uri="{FF2B5EF4-FFF2-40B4-BE49-F238E27FC236}">
+                <a16:creationId xmlns:a16="http://schemas.microsoft.com/office/drawing/2014/main" id="{692F1993-863D-8554-2319-923B42887E91}"/>
+              </a:ext>
+            </a:extLst>
+          </p:cNvPr>
+          <p:cNvPicPr>
+            <a:picLocks noChangeAspect="1" noChangeArrowheads="1"/>
+          </p:cNvPicPr>
+          <p:nvPr/>
+        </p:nvPicPr>
+        <p:blipFill>
+          <a:blip r:embed="rId2">
+            <a:extLst>
+              <a:ext uri="{28A0092B-C50C-407E-A947-70E740481C1C}">
+                <a14:useLocalDpi xmlns:a14="http://schemas.microsoft.com/office/drawing/2010/main" val="0"/>
+              </a:ext>
+            </a:extLst>
+          </a:blip>
+          <a:srcRect/>
+          <a:stretch>
+            <a:fillRect/>
+          </a:stretch>
+        </p:blipFill>
+        <p:spPr bwMode="auto">
+          <a:xfrm>
+            <a:off x="1712078" y="2035897"/>
+            <a:ext cx="2286000" cy="2286000"/>
+          </a:xfrm>
+          <a:prstGeom prst="rect">
+            <a:avLst/>
+          </a:prstGeom>
+          <a:noFill/>
+          <a:extLst>
+            <a:ext uri="{909E8E84-426E-40DD-AFC4-6F175D3DCCD1}">
+              <a14:hiddenFill xmlns:a14="http://schemas.microsoft.com/office/drawing/2010/main">
+                <a:solidFill>
+                  <a:srgbClr val="FFFFFF"/>
+                </a:solidFill>
+              </a14:hiddenFill>
+            </a:ext>
+          </a:extLst>
+        </p:spPr>
+      </p:pic>
+      <p:pic>
+        <p:nvPicPr>
+          <p:cNvPr id="2" name="Picture 2" descr="スヌーピー 絵文字 - LINE絵文字 | LINE STORE">
+            <a:extLst>
+              <a:ext uri="{FF2B5EF4-FFF2-40B4-BE49-F238E27FC236}">
+                <a16:creationId xmlns:a16="http://schemas.microsoft.com/office/drawing/2014/main" id="{1A8E855A-A3D8-40AF-FC66-80EC323E58A2}"/>
+              </a:ext>
+            </a:extLst>
+          </p:cNvPr>
+          <p:cNvPicPr>
+            <a:picLocks noChangeAspect="1" noChangeArrowheads="1"/>
+          </p:cNvPicPr>
+          <p:nvPr/>
+        </p:nvPicPr>
+        <p:blipFill rotWithShape="1">
+          <a:blip r:embed="rId2">
+            <a:extLst>
+              <a:ext uri="{28A0092B-C50C-407E-A947-70E740481C1C}">
+                <a14:useLocalDpi xmlns:a14="http://schemas.microsoft.com/office/drawing/2010/main" val="0"/>
+              </a:ext>
+            </a:extLst>
+          </a:blip>
+          <a:srcRect t="54766" r="50000"/>
+          <a:stretch>
+            <a:fillRect/>
+          </a:stretch>
+        </p:blipFill>
+        <p:spPr bwMode="auto">
+          <a:xfrm>
+            <a:off x="4444193" y="2144857"/>
+            <a:ext cx="1143000" cy="1034040"/>
+          </a:xfrm>
+          <a:prstGeom prst="rect">
+            <a:avLst/>
+          </a:prstGeom>
+          <a:noFill/>
+          <a:extLst>
+            <a:ext uri="{909E8E84-426E-40DD-AFC4-6F175D3DCCD1}">
+              <a14:hiddenFill xmlns:a14="http://schemas.microsoft.com/office/drawing/2010/main">
+                <a:solidFill>
+                  <a:srgbClr val="FFFFFF"/>
+                </a:solidFill>
+              </a14:hiddenFill>
+            </a:ext>
+          </a:extLst>
+        </p:spPr>
+      </p:pic>
+      <p:pic>
+        <p:nvPicPr>
+          <p:cNvPr id="2054" name="Picture 6" descr="サッポロ一番どんぶりキャンペーンサイト | サッポロ一番">
+            <a:extLst>
+              <a:ext uri="{FF2B5EF4-FFF2-40B4-BE49-F238E27FC236}">
+                <a16:creationId xmlns:a16="http://schemas.microsoft.com/office/drawing/2014/main" id="{7F66D178-A90C-558F-88CD-417CA0F0BE9C}"/>
+              </a:ext>
+            </a:extLst>
+          </p:cNvPr>
+          <p:cNvPicPr>
+            <a:picLocks noChangeAspect="1" noChangeArrowheads="1"/>
+          </p:cNvPicPr>
+          <p:nvPr/>
+        </p:nvPicPr>
+        <p:blipFill rotWithShape="1">
+          <a:blip r:embed="rId3">
+            <a:extLst>
+              <a:ext uri="{28A0092B-C50C-407E-A947-70E740481C1C}">
+                <a14:useLocalDpi xmlns:a14="http://schemas.microsoft.com/office/drawing/2010/main" val="0"/>
+              </a:ext>
+            </a:extLst>
+          </a:blip>
+          <a:srcRect r="48258"/>
+          <a:stretch>
+            <a:fillRect/>
+          </a:stretch>
+        </p:blipFill>
+        <p:spPr bwMode="auto">
+          <a:xfrm>
+            <a:off x="7176308" y="1813070"/>
+            <a:ext cx="3664786" cy="2731654"/>
+          </a:xfrm>
+          <a:prstGeom prst="rect">
+            <a:avLst/>
+          </a:prstGeom>
+          <a:noFill/>
+          <a:extLst>
+            <a:ext uri="{909E8E84-426E-40DD-AFC4-6F175D3DCCD1}">
+              <a14:hiddenFill xmlns:a14="http://schemas.microsoft.com/office/drawing/2010/main">
+                <a:solidFill>
+                  <a:srgbClr val="FFFFFF"/>
+                </a:solidFill>
+              </a14:hiddenFill>
+            </a:ext>
+          </a:extLst>
+        </p:spPr>
+      </p:pic>
+      <p:sp>
+        <p:nvSpPr>
+          <p:cNvPr id="3" name="正方形/長方形 2">
+            <a:extLst>
+              <a:ext uri="{FF2B5EF4-FFF2-40B4-BE49-F238E27FC236}">
+                <a16:creationId xmlns:a16="http://schemas.microsoft.com/office/drawing/2014/main" id="{9D5072AC-7ADA-857B-73B6-D13D564F5C13}"/>
+              </a:ext>
+            </a:extLst>
+          </p:cNvPr>
+          <p:cNvSpPr/>
+          <p:nvPr/>
+        </p:nvSpPr>
+        <p:spPr>
+          <a:xfrm>
+            <a:off x="5523345" y="3796145"/>
+            <a:ext cx="1089891" cy="1736437"/>
+          </a:xfrm>
+          <a:prstGeom prst="rect">
+            <a:avLst/>
+          </a:prstGeom>
+          <a:solidFill>
+            <a:schemeClr val="bg1"/>
+          </a:solidFill>
+          <a:ln>
+            <a:solidFill>
+              <a:schemeClr val="bg1"/>
+            </a:solidFill>
+          </a:ln>
+        </p:spPr>
+        <p:style>
+          <a:lnRef idx="2">
+            <a:schemeClr val="accent1">
+              <a:shade val="15000"/>
+            </a:schemeClr>
+          </a:lnRef>
+          <a:fillRef idx="1">
+            <a:schemeClr val="accent1"/>
+          </a:fillRef>
+          <a:effectRef idx="0">
+            <a:schemeClr val="accent1"/>
+          </a:effectRef>
+          <a:fontRef idx="minor">
+            <a:schemeClr val="lt1"/>
+          </a:fontRef>
+        </p:style>
+        <p:txBody>
+          <a:bodyPr rtlCol="0" anchor="ctr"/>
+          <a:lstStyle/>
+          <a:p>
+            <a:pPr algn="ctr"/>
+            <a:endParaRPr kumimoji="1" lang="ja-JP" altLang="en-US"/>
+          </a:p>
+        </p:txBody>
+      </p:sp>
+      <p:pic>
+        <p:nvPicPr>
+          <p:cNvPr id="5" name="図 4">
+            <a:extLst>
+              <a:ext uri="{FF2B5EF4-FFF2-40B4-BE49-F238E27FC236}">
+                <a16:creationId xmlns:a16="http://schemas.microsoft.com/office/drawing/2014/main" id="{AEFE821C-868E-672A-D459-4AB7BE12B695}"/>
+              </a:ext>
+            </a:extLst>
+          </p:cNvPr>
+          <p:cNvPicPr>
+            <a:picLocks noChangeAspect="1"/>
+          </p:cNvPicPr>
+          <p:nvPr/>
+        </p:nvPicPr>
+        <p:blipFill>
+          <a:blip r:embed="rId4"/>
+          <a:stretch>
+            <a:fillRect/>
+          </a:stretch>
+        </p:blipFill>
+        <p:spPr>
+          <a:xfrm>
+            <a:off x="5418102" y="332605"/>
+            <a:ext cx="2002338" cy="1074541"/>
+          </a:xfrm>
+          <a:prstGeom prst="rect">
+            <a:avLst/>
+          </a:prstGeom>
+        </p:spPr>
+      </p:pic>
+      <p:pic>
+        <p:nvPicPr>
+          <p:cNvPr id="6" name="Picture 2" descr="スヌーピー 絵文字 - LINE絵文字 | LINE STORE">
+            <a:extLst>
+              <a:ext uri="{FF2B5EF4-FFF2-40B4-BE49-F238E27FC236}">
+                <a16:creationId xmlns:a16="http://schemas.microsoft.com/office/drawing/2014/main" id="{CFF9D5F8-6D8B-8955-28A1-FFDC971FE888}"/>
+              </a:ext>
+            </a:extLst>
+          </p:cNvPr>
+          <p:cNvPicPr>
+            <a:picLocks noChangeAspect="1" noChangeArrowheads="1"/>
+          </p:cNvPicPr>
+          <p:nvPr/>
+        </p:nvPicPr>
+        <p:blipFill rotWithShape="1">
+          <a:blip r:embed="rId2">
+            <a:extLst>
+              <a:ext uri="{28A0092B-C50C-407E-A947-70E740481C1C}">
+                <a14:useLocalDpi xmlns:a14="http://schemas.microsoft.com/office/drawing/2010/main" val="0"/>
+              </a:ext>
+            </a:extLst>
+          </a:blip>
+          <a:srcRect r="48791" b="50000"/>
+          <a:stretch>
+            <a:fillRect/>
+          </a:stretch>
+        </p:blipFill>
+        <p:spPr bwMode="auto">
+          <a:xfrm>
+            <a:off x="1350906" y="264146"/>
+            <a:ext cx="1170621" cy="1143000"/>
+          </a:xfrm>
+          <a:prstGeom prst="rect">
+            <a:avLst/>
+          </a:prstGeom>
+          <a:noFill/>
+          <a:extLst>
+            <a:ext uri="{909E8E84-426E-40DD-AFC4-6F175D3DCCD1}">
+              <a14:hiddenFill xmlns:a14="http://schemas.microsoft.com/office/drawing/2010/main">
+                <a:solidFill>
+                  <a:srgbClr val="FFFFFF"/>
+                </a:solidFill>
+              </a14:hiddenFill>
+            </a:ext>
+          </a:extLst>
+        </p:spPr>
+      </p:pic>
+      <p:pic>
+        <p:nvPicPr>
+          <p:cNvPr id="2052" name="Picture 4" descr="Snoopy | FRIENDS | SNOOPY.co.jp：日本のスヌーピー公式サイト">
+            <a:extLst>
+              <a:ext uri="{FF2B5EF4-FFF2-40B4-BE49-F238E27FC236}">
+                <a16:creationId xmlns:a16="http://schemas.microsoft.com/office/drawing/2014/main" id="{DFB0696F-25CC-03CB-8945-4E8903D944A6}"/>
+              </a:ext>
+            </a:extLst>
+          </p:cNvPr>
+          <p:cNvPicPr>
+            <a:picLocks noChangeAspect="1" noChangeArrowheads="1"/>
+          </p:cNvPicPr>
+          <p:nvPr/>
+        </p:nvPicPr>
+        <p:blipFill>
+          <a:blip r:embed="rId5">
+            <a:extLst>
+              <a:ext uri="{28A0092B-C50C-407E-A947-70E740481C1C}">
+                <a14:useLocalDpi xmlns:a14="http://schemas.microsoft.com/office/drawing/2010/main" val="0"/>
+              </a:ext>
+            </a:extLst>
+          </a:blip>
+          <a:srcRect/>
+          <a:stretch>
+            <a:fillRect/>
+          </a:stretch>
+        </p:blipFill>
+        <p:spPr bwMode="auto">
+          <a:xfrm>
+            <a:off x="9060476" y="535567"/>
+            <a:ext cx="1217134" cy="1074541"/>
+          </a:xfrm>
+          <a:prstGeom prst="rect">
+            <a:avLst/>
+          </a:prstGeom>
+          <a:noFill/>
+          <a:extLst>
+            <a:ext uri="{909E8E84-426E-40DD-AFC4-6F175D3DCCD1}">
+              <a14:hiddenFill xmlns:a14="http://schemas.microsoft.com/office/drawing/2010/main">
+                <a:solidFill>
+                  <a:srgbClr val="FFFFFF"/>
+                </a:solidFill>
+              </a14:hiddenFill>
+            </a:ext>
+          </a:extLst>
+        </p:spPr>
+      </p:pic>
+    </p:spTree>
+    <p:extLst>
+      <p:ext uri="{BB962C8B-B14F-4D97-AF65-F5344CB8AC3E}">
+        <p14:creationId xmlns:p14="http://schemas.microsoft.com/office/powerpoint/2010/main" val="1202518981"/>
+      </p:ext>
+    </p:extLst>
+  </p:cSld>
+  <p:clrMapOvr>
+    <a:masterClrMapping/>
+  </p:clrMapOvr>
+</p:sld>
+</file>
+
 <file path=ppt/slides/slide3.xml><?xml version="1.0" encoding="utf-8"?>
 <p:sld xmlns:a="http://schemas.openxmlformats.org/drawingml/2006/main" xmlns:r="http://schemas.openxmlformats.org/officeDocument/2006/relationships" xmlns:p="http://schemas.openxmlformats.org/presentationml/2006/main">
   <p:cSld>

--- a/Assets/Documents_etc/アイコン作成.pptx
+++ b/Assets/Documents_etc/アイコン作成.pptx
@@ -31,6 +31,7 @@
     <p:sldId id="282" r:id="rId25"/>
     <p:sldId id="283" r:id="rId26"/>
     <p:sldId id="284" r:id="rId27"/>
+    <p:sldId id="285" r:id="rId28"/>
   </p:sldIdLst>
   <p:sldSz cx="12192000" cy="6858000"/>
   <p:notesSz cx="6858000" cy="9144000"/>
@@ -14700,6 +14701,324 @@
 </p:sld>
 </file>
 
+<file path=ppt/slides/slide27.xml><?xml version="1.0" encoding="utf-8"?>
+<p:sld xmlns:a="http://schemas.openxmlformats.org/drawingml/2006/main" xmlns:r="http://schemas.openxmlformats.org/officeDocument/2006/relationships" xmlns:p="http://schemas.openxmlformats.org/presentationml/2006/main">
+  <p:cSld>
+    <p:spTree>
+      <p:nvGrpSpPr>
+        <p:cNvPr id="1" name=""/>
+        <p:cNvGrpSpPr/>
+        <p:nvPr/>
+      </p:nvGrpSpPr>
+      <p:grpSpPr>
+        <a:xfrm>
+          <a:off x="0" y="0"/>
+          <a:ext cx="0" cy="0"/>
+          <a:chOff x="0" y="0"/>
+          <a:chExt cx="0" cy="0"/>
+        </a:xfrm>
+      </p:grpSpPr>
+      <p:pic>
+        <p:nvPicPr>
+          <p:cNvPr id="3" name="グラフィックス 2" descr="ショッピング カート 単色塗りつぶし">
+            <a:extLst>
+              <a:ext uri="{FF2B5EF4-FFF2-40B4-BE49-F238E27FC236}">
+                <a16:creationId xmlns:a16="http://schemas.microsoft.com/office/drawing/2014/main" id="{D0C8B32D-94A8-C2A2-432D-943F414DBE47}"/>
+              </a:ext>
+            </a:extLst>
+          </p:cNvPr>
+          <p:cNvPicPr>
+            <a:picLocks noChangeAspect="1"/>
+          </p:cNvPicPr>
+          <p:nvPr/>
+        </p:nvPicPr>
+        <p:blipFill>
+          <a:blip r:embed="rId2">
+            <a:extLst>
+              <a:ext uri="{96DAC541-7B7A-43D3-8B79-37D633B846F1}">
+                <asvg:svgBlip xmlns:asvg="http://schemas.microsoft.com/office/drawing/2016/SVG/main" r:embed="rId3"/>
+              </a:ext>
+            </a:extLst>
+          </a:blip>
+          <a:stretch>
+            <a:fillRect/>
+          </a:stretch>
+        </p:blipFill>
+        <p:spPr>
+          <a:xfrm>
+            <a:off x="928254" y="5110018"/>
+            <a:ext cx="914400" cy="914400"/>
+          </a:xfrm>
+          <a:prstGeom prst="rect">
+            <a:avLst/>
+          </a:prstGeom>
+        </p:spPr>
+      </p:pic>
+      <p:pic>
+        <p:nvPicPr>
+          <p:cNvPr id="5" name="グラフィックス 4" descr="鉛筆 単色塗りつぶし">
+            <a:extLst>
+              <a:ext uri="{FF2B5EF4-FFF2-40B4-BE49-F238E27FC236}">
+                <a16:creationId xmlns:a16="http://schemas.microsoft.com/office/drawing/2014/main" id="{33FF1C22-83D4-1015-3F2E-F5A5AC832057}"/>
+              </a:ext>
+            </a:extLst>
+          </p:cNvPr>
+          <p:cNvPicPr>
+            <a:picLocks noChangeAspect="1"/>
+          </p:cNvPicPr>
+          <p:nvPr/>
+        </p:nvPicPr>
+        <p:blipFill>
+          <a:blip r:embed="rId4">
+            <a:extLst>
+              <a:ext uri="{96DAC541-7B7A-43D3-8B79-37D633B846F1}">
+                <asvg:svgBlip xmlns:asvg="http://schemas.microsoft.com/office/drawing/2016/SVG/main" r:embed="rId5"/>
+              </a:ext>
+            </a:extLst>
+          </a:blip>
+          <a:stretch>
+            <a:fillRect/>
+          </a:stretch>
+        </p:blipFill>
+        <p:spPr>
+          <a:xfrm>
+            <a:off x="928254" y="674254"/>
+            <a:ext cx="914400" cy="914400"/>
+          </a:xfrm>
+          <a:prstGeom prst="rect">
+            <a:avLst/>
+          </a:prstGeom>
+        </p:spPr>
+      </p:pic>
+      <p:pic>
+        <p:nvPicPr>
+          <p:cNvPr id="7" name="グラフィックス 6" descr="アイデアが浮かんだ人 単色塗りつぶし">
+            <a:extLst>
+              <a:ext uri="{FF2B5EF4-FFF2-40B4-BE49-F238E27FC236}">
+                <a16:creationId xmlns:a16="http://schemas.microsoft.com/office/drawing/2014/main" id="{31AC55A6-7260-ABCA-62B7-4E7DE90062A0}"/>
+              </a:ext>
+            </a:extLst>
+          </p:cNvPr>
+          <p:cNvPicPr>
+            <a:picLocks noChangeAspect="1"/>
+          </p:cNvPicPr>
+          <p:nvPr/>
+        </p:nvPicPr>
+        <p:blipFill>
+          <a:blip r:embed="rId6">
+            <a:extLst>
+              <a:ext uri="{96DAC541-7B7A-43D3-8B79-37D633B846F1}">
+                <asvg:svgBlip xmlns:asvg="http://schemas.microsoft.com/office/drawing/2016/SVG/main" r:embed="rId7"/>
+              </a:ext>
+            </a:extLst>
+          </a:blip>
+          <a:stretch>
+            <a:fillRect/>
+          </a:stretch>
+        </p:blipFill>
+        <p:spPr>
+          <a:xfrm>
+            <a:off x="7181272" y="1330036"/>
+            <a:ext cx="914400" cy="914400"/>
+          </a:xfrm>
+          <a:prstGeom prst="rect">
+            <a:avLst/>
+          </a:prstGeom>
+        </p:spPr>
+      </p:pic>
+      <p:pic>
+        <p:nvPicPr>
+          <p:cNvPr id="9" name="グラフィックス 8" descr="郊外の光景 単色塗りつぶし">
+            <a:extLst>
+              <a:ext uri="{FF2B5EF4-FFF2-40B4-BE49-F238E27FC236}">
+                <a16:creationId xmlns:a16="http://schemas.microsoft.com/office/drawing/2014/main" id="{67D5CF2E-6F8F-39E6-E761-D3DB3BA25B74}"/>
+              </a:ext>
+            </a:extLst>
+          </p:cNvPr>
+          <p:cNvPicPr>
+            <a:picLocks noChangeAspect="1"/>
+          </p:cNvPicPr>
+          <p:nvPr/>
+        </p:nvPicPr>
+        <p:blipFill>
+          <a:blip r:embed="rId8">
+            <a:extLst>
+              <a:ext uri="{96DAC541-7B7A-43D3-8B79-37D633B846F1}">
+                <asvg:svgBlip xmlns:asvg="http://schemas.microsoft.com/office/drawing/2016/SVG/main" r:embed="rId9"/>
+              </a:ext>
+            </a:extLst>
+          </a:blip>
+          <a:stretch>
+            <a:fillRect/>
+          </a:stretch>
+        </p:blipFill>
+        <p:spPr>
+          <a:xfrm>
+            <a:off x="928254" y="1734127"/>
+            <a:ext cx="914400" cy="914400"/>
+          </a:xfrm>
+          <a:prstGeom prst="rect">
+            <a:avLst/>
+          </a:prstGeom>
+        </p:spPr>
+      </p:pic>
+      <p:pic>
+        <p:nvPicPr>
+          <p:cNvPr id="11" name="グラフィックス 10" descr="家 単色塗りつぶし">
+            <a:extLst>
+              <a:ext uri="{FF2B5EF4-FFF2-40B4-BE49-F238E27FC236}">
+                <a16:creationId xmlns:a16="http://schemas.microsoft.com/office/drawing/2014/main" id="{78081410-FD84-1D0F-D442-1B64FBD22B8E}"/>
+              </a:ext>
+            </a:extLst>
+          </p:cNvPr>
+          <p:cNvPicPr>
+            <a:picLocks noChangeAspect="1"/>
+          </p:cNvPicPr>
+          <p:nvPr/>
+        </p:nvPicPr>
+        <p:blipFill>
+          <a:blip r:embed="rId10">
+            <a:extLst>
+              <a:ext uri="{96DAC541-7B7A-43D3-8B79-37D633B846F1}">
+                <asvg:svgBlip xmlns:asvg="http://schemas.microsoft.com/office/drawing/2016/SVG/main" r:embed="rId11"/>
+              </a:ext>
+            </a:extLst>
+          </a:blip>
+          <a:stretch>
+            <a:fillRect/>
+          </a:stretch>
+        </p:blipFill>
+        <p:spPr>
+          <a:xfrm>
+            <a:off x="4862946" y="2514600"/>
+            <a:ext cx="914400" cy="914400"/>
+          </a:xfrm>
+          <a:prstGeom prst="rect">
+            <a:avLst/>
+          </a:prstGeom>
+        </p:spPr>
+      </p:pic>
+      <p:pic>
+        <p:nvPicPr>
+          <p:cNvPr id="13" name="グラフィックス 12" descr="親指を立てるしぐさ 単色塗りつぶし">
+            <a:extLst>
+              <a:ext uri="{FF2B5EF4-FFF2-40B4-BE49-F238E27FC236}">
+                <a16:creationId xmlns:a16="http://schemas.microsoft.com/office/drawing/2014/main" id="{978FA654-052D-1F9D-DA2B-60E16089774A}"/>
+              </a:ext>
+            </a:extLst>
+          </p:cNvPr>
+          <p:cNvPicPr>
+            <a:picLocks noChangeAspect="1"/>
+          </p:cNvPicPr>
+          <p:nvPr/>
+        </p:nvPicPr>
+        <p:blipFill>
+          <a:blip r:embed="rId12">
+            <a:extLst>
+              <a:ext uri="{96DAC541-7B7A-43D3-8B79-37D633B846F1}">
+                <asvg:svgBlip xmlns:asvg="http://schemas.microsoft.com/office/drawing/2016/SVG/main" r:embed="rId13"/>
+              </a:ext>
+            </a:extLst>
+          </a:blip>
+          <a:stretch>
+            <a:fillRect/>
+          </a:stretch>
+        </p:blipFill>
+        <p:spPr>
+          <a:xfrm>
+            <a:off x="7042728" y="2265218"/>
+            <a:ext cx="914400" cy="914400"/>
+          </a:xfrm>
+          <a:prstGeom prst="rect">
+            <a:avLst/>
+          </a:prstGeom>
+        </p:spPr>
+      </p:pic>
+      <p:pic>
+        <p:nvPicPr>
+          <p:cNvPr id="14" name="グラフィックス 13" descr="ショッピング カート 単色塗りつぶし">
+            <a:extLst>
+              <a:ext uri="{FF2B5EF4-FFF2-40B4-BE49-F238E27FC236}">
+                <a16:creationId xmlns:a16="http://schemas.microsoft.com/office/drawing/2014/main" id="{BB533E2E-355F-B832-9660-A6EE2A43DF0F}"/>
+              </a:ext>
+            </a:extLst>
+          </p:cNvPr>
+          <p:cNvPicPr>
+            <a:picLocks noChangeAspect="1"/>
+          </p:cNvPicPr>
+          <p:nvPr/>
+        </p:nvPicPr>
+        <p:blipFill>
+          <a:blip r:embed="rId14">
+            <a:extLst>
+              <a:ext uri="{96DAC541-7B7A-43D3-8B79-37D633B846F1}">
+                <asvg:svgBlip xmlns:asvg="http://schemas.microsoft.com/office/drawing/2016/SVG/main" r:embed="rId15"/>
+              </a:ext>
+            </a:extLst>
+          </a:blip>
+          <a:stretch>
+            <a:fillRect/>
+          </a:stretch>
+        </p:blipFill>
+        <p:spPr>
+          <a:xfrm>
+            <a:off x="5015346" y="1429327"/>
+            <a:ext cx="914400" cy="914400"/>
+          </a:xfrm>
+          <a:prstGeom prst="rect">
+            <a:avLst/>
+          </a:prstGeom>
+        </p:spPr>
+      </p:pic>
+      <p:pic>
+        <p:nvPicPr>
+          <p:cNvPr id="15" name="グラフィックス 14" descr="家 単色塗りつぶし">
+            <a:extLst>
+              <a:ext uri="{FF2B5EF4-FFF2-40B4-BE49-F238E27FC236}">
+                <a16:creationId xmlns:a16="http://schemas.microsoft.com/office/drawing/2014/main" id="{4BAED7F6-7624-2D1C-D342-A71D571C388D}"/>
+              </a:ext>
+            </a:extLst>
+          </p:cNvPr>
+          <p:cNvPicPr>
+            <a:picLocks noChangeAspect="1"/>
+          </p:cNvPicPr>
+          <p:nvPr/>
+        </p:nvPicPr>
+        <p:blipFill>
+          <a:blip r:embed="rId16">
+            <a:extLst>
+              <a:ext uri="{96DAC541-7B7A-43D3-8B79-37D633B846F1}">
+                <asvg:svgBlip xmlns:asvg="http://schemas.microsoft.com/office/drawing/2016/SVG/main" r:embed="rId17"/>
+              </a:ext>
+            </a:extLst>
+          </a:blip>
+          <a:stretch>
+            <a:fillRect/>
+          </a:stretch>
+        </p:blipFill>
+        <p:spPr>
+          <a:xfrm>
+            <a:off x="2669310" y="5110018"/>
+            <a:ext cx="914400" cy="914400"/>
+          </a:xfrm>
+          <a:prstGeom prst="rect">
+            <a:avLst/>
+          </a:prstGeom>
+        </p:spPr>
+      </p:pic>
+    </p:spTree>
+    <p:extLst>
+      <p:ext uri="{BB962C8B-B14F-4D97-AF65-F5344CB8AC3E}">
+        <p14:creationId xmlns:p14="http://schemas.microsoft.com/office/powerpoint/2010/main" val="2221858928"/>
+      </p:ext>
+    </p:extLst>
+  </p:cSld>
+  <p:clrMapOvr>
+    <a:masterClrMapping/>
+  </p:clrMapOvr>
+</p:sld>
+</file>
+
 <file path=ppt/slides/slide3.xml><?xml version="1.0" encoding="utf-8"?>
 <p:sld xmlns:a="http://schemas.openxmlformats.org/drawingml/2006/main" xmlns:r="http://schemas.openxmlformats.org/officeDocument/2006/relationships" xmlns:p="http://schemas.openxmlformats.org/presentationml/2006/main">
   <p:cSld>

--- a/Assets/Documents_etc/アイコン作成.pptx
+++ b/Assets/Documents_etc/アイコン作成.pptx
@@ -285,7 +285,7 @@
           <a:p>
             <a:fld id="{C86328C3-D5F4-4C2C-ACFC-4B0C4F5663EC}" type="datetimeFigureOut">
               <a:rPr kumimoji="1" lang="ja-JP" altLang="en-US" smtClean="0"/>
-              <a:t>2025/7/30</a:t>
+              <a:t>2025/7/31</a:t>
             </a:fld>
             <a:endParaRPr kumimoji="1" lang="ja-JP" altLang="en-US"/>
           </a:p>
@@ -515,7 +515,7 @@
           <a:p>
             <a:fld id="{C86328C3-D5F4-4C2C-ACFC-4B0C4F5663EC}" type="datetimeFigureOut">
               <a:rPr kumimoji="1" lang="ja-JP" altLang="en-US" smtClean="0"/>
-              <a:t>2025/7/30</a:t>
+              <a:t>2025/7/31</a:t>
             </a:fld>
             <a:endParaRPr kumimoji="1" lang="ja-JP" altLang="en-US"/>
           </a:p>
@@ -755,7 +755,7 @@
           <a:p>
             <a:fld id="{C86328C3-D5F4-4C2C-ACFC-4B0C4F5663EC}" type="datetimeFigureOut">
               <a:rPr kumimoji="1" lang="ja-JP" altLang="en-US" smtClean="0"/>
-              <a:t>2025/7/30</a:t>
+              <a:t>2025/7/31</a:t>
             </a:fld>
             <a:endParaRPr kumimoji="1" lang="ja-JP" altLang="en-US"/>
           </a:p>
@@ -985,7 +985,7 @@
           <a:p>
             <a:fld id="{C86328C3-D5F4-4C2C-ACFC-4B0C4F5663EC}" type="datetimeFigureOut">
               <a:rPr kumimoji="1" lang="ja-JP" altLang="en-US" smtClean="0"/>
-              <a:t>2025/7/30</a:t>
+              <a:t>2025/7/31</a:t>
             </a:fld>
             <a:endParaRPr kumimoji="1" lang="ja-JP" altLang="en-US"/>
           </a:p>
@@ -1260,7 +1260,7 @@
           <a:p>
             <a:fld id="{C86328C3-D5F4-4C2C-ACFC-4B0C4F5663EC}" type="datetimeFigureOut">
               <a:rPr kumimoji="1" lang="ja-JP" altLang="en-US" smtClean="0"/>
-              <a:t>2025/7/30</a:t>
+              <a:t>2025/7/31</a:t>
             </a:fld>
             <a:endParaRPr kumimoji="1" lang="ja-JP" altLang="en-US"/>
           </a:p>
@@ -1589,7 +1589,7 @@
           <a:p>
             <a:fld id="{C86328C3-D5F4-4C2C-ACFC-4B0C4F5663EC}" type="datetimeFigureOut">
               <a:rPr kumimoji="1" lang="ja-JP" altLang="en-US" smtClean="0"/>
-              <a:t>2025/7/30</a:t>
+              <a:t>2025/7/31</a:t>
             </a:fld>
             <a:endParaRPr kumimoji="1" lang="ja-JP" altLang="en-US"/>
           </a:p>
@@ -2065,7 +2065,7 @@
           <a:p>
             <a:fld id="{C86328C3-D5F4-4C2C-ACFC-4B0C4F5663EC}" type="datetimeFigureOut">
               <a:rPr kumimoji="1" lang="ja-JP" altLang="en-US" smtClean="0"/>
-              <a:t>2025/7/30</a:t>
+              <a:t>2025/7/31</a:t>
             </a:fld>
             <a:endParaRPr kumimoji="1" lang="ja-JP" altLang="en-US"/>
           </a:p>
@@ -2206,7 +2206,7 @@
           <a:p>
             <a:fld id="{C86328C3-D5F4-4C2C-ACFC-4B0C4F5663EC}" type="datetimeFigureOut">
               <a:rPr kumimoji="1" lang="ja-JP" altLang="en-US" smtClean="0"/>
-              <a:t>2025/7/30</a:t>
+              <a:t>2025/7/31</a:t>
             </a:fld>
             <a:endParaRPr kumimoji="1" lang="ja-JP" altLang="en-US"/>
           </a:p>
@@ -2319,7 +2319,7 @@
           <a:p>
             <a:fld id="{C86328C3-D5F4-4C2C-ACFC-4B0C4F5663EC}" type="datetimeFigureOut">
               <a:rPr kumimoji="1" lang="ja-JP" altLang="en-US" smtClean="0"/>
-              <a:t>2025/7/30</a:t>
+              <a:t>2025/7/31</a:t>
             </a:fld>
             <a:endParaRPr kumimoji="1" lang="ja-JP" altLang="en-US"/>
           </a:p>
@@ -2662,7 +2662,7 @@
           <a:p>
             <a:fld id="{C86328C3-D5F4-4C2C-ACFC-4B0C4F5663EC}" type="datetimeFigureOut">
               <a:rPr kumimoji="1" lang="ja-JP" altLang="en-US" smtClean="0"/>
-              <a:t>2025/7/30</a:t>
+              <a:t>2025/7/31</a:t>
             </a:fld>
             <a:endParaRPr kumimoji="1" lang="ja-JP" altLang="en-US"/>
           </a:p>
@@ -2950,7 +2950,7 @@
           <a:p>
             <a:fld id="{C86328C3-D5F4-4C2C-ACFC-4B0C4F5663EC}" type="datetimeFigureOut">
               <a:rPr kumimoji="1" lang="ja-JP" altLang="en-US" smtClean="0"/>
-              <a:t>2025/7/30</a:t>
+              <a:t>2025/7/31</a:t>
             </a:fld>
             <a:endParaRPr kumimoji="1" lang="ja-JP" altLang="en-US"/>
           </a:p>
@@ -3223,7 +3223,7 @@
           <a:p>
             <a:fld id="{C86328C3-D5F4-4C2C-ACFC-4B0C4F5663EC}" type="datetimeFigureOut">
               <a:rPr kumimoji="1" lang="ja-JP" altLang="en-US" smtClean="0"/>
-              <a:t>2025/7/30</a:t>
+              <a:t>2025/7/31</a:t>
             </a:fld>
             <a:endParaRPr kumimoji="1" lang="ja-JP" altLang="en-US"/>
           </a:p>
@@ -14962,7 +14962,7 @@
         </p:blipFill>
         <p:spPr>
           <a:xfrm>
-            <a:off x="5015346" y="1429327"/>
+            <a:off x="4862946" y="1276927"/>
             <a:ext cx="914400" cy="914400"/>
           </a:xfrm>
           <a:prstGeom prst="rect">
@@ -14999,6 +14999,78 @@
         <p:spPr>
           <a:xfrm>
             <a:off x="2669310" y="5110018"/>
+            <a:ext cx="914400" cy="914400"/>
+          </a:xfrm>
+          <a:prstGeom prst="rect">
+            <a:avLst/>
+          </a:prstGeom>
+        </p:spPr>
+      </p:pic>
+      <p:pic>
+        <p:nvPicPr>
+          <p:cNvPr id="2" name="グラフィックス 1" descr="家 単色塗りつぶし">
+            <a:extLst>
+              <a:ext uri="{FF2B5EF4-FFF2-40B4-BE49-F238E27FC236}">
+                <a16:creationId xmlns:a16="http://schemas.microsoft.com/office/drawing/2014/main" id="{AF1FFC41-1CA3-0494-1485-C873C27401CB}"/>
+              </a:ext>
+            </a:extLst>
+          </p:cNvPr>
+          <p:cNvPicPr>
+            <a:picLocks noChangeAspect="1"/>
+          </p:cNvPicPr>
+          <p:nvPr/>
+        </p:nvPicPr>
+        <p:blipFill>
+          <a:blip r:embed="rId18">
+            <a:extLst>
+              <a:ext uri="{96DAC541-7B7A-43D3-8B79-37D633B846F1}">
+                <asvg:svgBlip xmlns:asvg="http://schemas.microsoft.com/office/drawing/2016/SVG/main" r:embed="rId19"/>
+              </a:ext>
+            </a:extLst>
+          </a:blip>
+          <a:stretch>
+            <a:fillRect/>
+          </a:stretch>
+        </p:blipFill>
+        <p:spPr>
+          <a:xfrm>
+            <a:off x="5398655" y="5110018"/>
+            <a:ext cx="914400" cy="914400"/>
+          </a:xfrm>
+          <a:prstGeom prst="rect">
+            <a:avLst/>
+          </a:prstGeom>
+        </p:spPr>
+      </p:pic>
+      <p:pic>
+        <p:nvPicPr>
+          <p:cNvPr id="4" name="グラフィックス 3" descr="ショッピング カート 単色塗りつぶし">
+            <a:extLst>
+              <a:ext uri="{FF2B5EF4-FFF2-40B4-BE49-F238E27FC236}">
+                <a16:creationId xmlns:a16="http://schemas.microsoft.com/office/drawing/2014/main" id="{9E7D092F-44B3-CA54-8180-744A807CFB97}"/>
+              </a:ext>
+            </a:extLst>
+          </p:cNvPr>
+          <p:cNvPicPr>
+            <a:picLocks noChangeAspect="1"/>
+          </p:cNvPicPr>
+          <p:nvPr/>
+        </p:nvPicPr>
+        <p:blipFill>
+          <a:blip r:embed="rId20">
+            <a:extLst>
+              <a:ext uri="{96DAC541-7B7A-43D3-8B79-37D633B846F1}">
+                <asvg:svgBlip xmlns:asvg="http://schemas.microsoft.com/office/drawing/2016/SVG/main" r:embed="rId21"/>
+              </a:ext>
+            </a:extLst>
+          </a:blip>
+          <a:stretch>
+            <a:fillRect/>
+          </a:stretch>
+        </p:blipFill>
+        <p:spPr>
+          <a:xfrm>
+            <a:off x="5398655" y="3872345"/>
             <a:ext cx="914400" cy="914400"/>
           </a:xfrm>
           <a:prstGeom prst="rect">

--- a/Assets/Documents_etc/アイコン作成.pptx
+++ b/Assets/Documents_etc/アイコン作成.pptx
@@ -32,6 +32,8 @@
     <p:sldId id="283" r:id="rId26"/>
     <p:sldId id="284" r:id="rId27"/>
     <p:sldId id="285" r:id="rId28"/>
+    <p:sldId id="286" r:id="rId29"/>
+    <p:sldId id="287" r:id="rId30"/>
   </p:sldIdLst>
   <p:sldSz cx="12192000" cy="6858000"/>
   <p:notesSz cx="6858000" cy="9144000"/>
@@ -285,7 +287,7 @@
           <a:p>
             <a:fld id="{C86328C3-D5F4-4C2C-ACFC-4B0C4F5663EC}" type="datetimeFigureOut">
               <a:rPr kumimoji="1" lang="ja-JP" altLang="en-US" smtClean="0"/>
-              <a:t>2025/7/31</a:t>
+              <a:t>2025/8/4</a:t>
             </a:fld>
             <a:endParaRPr kumimoji="1" lang="ja-JP" altLang="en-US"/>
           </a:p>
@@ -515,7 +517,7 @@
           <a:p>
             <a:fld id="{C86328C3-D5F4-4C2C-ACFC-4B0C4F5663EC}" type="datetimeFigureOut">
               <a:rPr kumimoji="1" lang="ja-JP" altLang="en-US" smtClean="0"/>
-              <a:t>2025/7/31</a:t>
+              <a:t>2025/8/4</a:t>
             </a:fld>
             <a:endParaRPr kumimoji="1" lang="ja-JP" altLang="en-US"/>
           </a:p>
@@ -755,7 +757,7 @@
           <a:p>
             <a:fld id="{C86328C3-D5F4-4C2C-ACFC-4B0C4F5663EC}" type="datetimeFigureOut">
               <a:rPr kumimoji="1" lang="ja-JP" altLang="en-US" smtClean="0"/>
-              <a:t>2025/7/31</a:t>
+              <a:t>2025/8/4</a:t>
             </a:fld>
             <a:endParaRPr kumimoji="1" lang="ja-JP" altLang="en-US"/>
           </a:p>
@@ -985,7 +987,7 @@
           <a:p>
             <a:fld id="{C86328C3-D5F4-4C2C-ACFC-4B0C4F5663EC}" type="datetimeFigureOut">
               <a:rPr kumimoji="1" lang="ja-JP" altLang="en-US" smtClean="0"/>
-              <a:t>2025/7/31</a:t>
+              <a:t>2025/8/4</a:t>
             </a:fld>
             <a:endParaRPr kumimoji="1" lang="ja-JP" altLang="en-US"/>
           </a:p>
@@ -1260,7 +1262,7 @@
           <a:p>
             <a:fld id="{C86328C3-D5F4-4C2C-ACFC-4B0C4F5663EC}" type="datetimeFigureOut">
               <a:rPr kumimoji="1" lang="ja-JP" altLang="en-US" smtClean="0"/>
-              <a:t>2025/7/31</a:t>
+              <a:t>2025/8/4</a:t>
             </a:fld>
             <a:endParaRPr kumimoji="1" lang="ja-JP" altLang="en-US"/>
           </a:p>
@@ -1589,7 +1591,7 @@
           <a:p>
             <a:fld id="{C86328C3-D5F4-4C2C-ACFC-4B0C4F5663EC}" type="datetimeFigureOut">
               <a:rPr kumimoji="1" lang="ja-JP" altLang="en-US" smtClean="0"/>
-              <a:t>2025/7/31</a:t>
+              <a:t>2025/8/4</a:t>
             </a:fld>
             <a:endParaRPr kumimoji="1" lang="ja-JP" altLang="en-US"/>
           </a:p>
@@ -2065,7 +2067,7 @@
           <a:p>
             <a:fld id="{C86328C3-D5F4-4C2C-ACFC-4B0C4F5663EC}" type="datetimeFigureOut">
               <a:rPr kumimoji="1" lang="ja-JP" altLang="en-US" smtClean="0"/>
-              <a:t>2025/7/31</a:t>
+              <a:t>2025/8/4</a:t>
             </a:fld>
             <a:endParaRPr kumimoji="1" lang="ja-JP" altLang="en-US"/>
           </a:p>
@@ -2206,7 +2208,7 @@
           <a:p>
             <a:fld id="{C86328C3-D5F4-4C2C-ACFC-4B0C4F5663EC}" type="datetimeFigureOut">
               <a:rPr kumimoji="1" lang="ja-JP" altLang="en-US" smtClean="0"/>
-              <a:t>2025/7/31</a:t>
+              <a:t>2025/8/4</a:t>
             </a:fld>
             <a:endParaRPr kumimoji="1" lang="ja-JP" altLang="en-US"/>
           </a:p>
@@ -2319,7 +2321,7 @@
           <a:p>
             <a:fld id="{C86328C3-D5F4-4C2C-ACFC-4B0C4F5663EC}" type="datetimeFigureOut">
               <a:rPr kumimoji="1" lang="ja-JP" altLang="en-US" smtClean="0"/>
-              <a:t>2025/7/31</a:t>
+              <a:t>2025/8/4</a:t>
             </a:fld>
             <a:endParaRPr kumimoji="1" lang="ja-JP" altLang="en-US"/>
           </a:p>
@@ -2662,7 +2664,7 @@
           <a:p>
             <a:fld id="{C86328C3-D5F4-4C2C-ACFC-4B0C4F5663EC}" type="datetimeFigureOut">
               <a:rPr kumimoji="1" lang="ja-JP" altLang="en-US" smtClean="0"/>
-              <a:t>2025/7/31</a:t>
+              <a:t>2025/8/4</a:t>
             </a:fld>
             <a:endParaRPr kumimoji="1" lang="ja-JP" altLang="en-US"/>
           </a:p>
@@ -2950,7 +2952,7 @@
           <a:p>
             <a:fld id="{C86328C3-D5F4-4C2C-ACFC-4B0C4F5663EC}" type="datetimeFigureOut">
               <a:rPr kumimoji="1" lang="ja-JP" altLang="en-US" smtClean="0"/>
-              <a:t>2025/7/31</a:t>
+              <a:t>2025/8/4</a:t>
             </a:fld>
             <a:endParaRPr kumimoji="1" lang="ja-JP" altLang="en-US"/>
           </a:p>
@@ -3223,7 +3225,7 @@
           <a:p>
             <a:fld id="{C86328C3-D5F4-4C2C-ACFC-4B0C4F5663EC}" type="datetimeFigureOut">
               <a:rPr kumimoji="1" lang="ja-JP" altLang="en-US" smtClean="0"/>
-              <a:t>2025/7/31</a:t>
+              <a:t>2025/8/4</a:t>
             </a:fld>
             <a:endParaRPr kumimoji="1" lang="ja-JP" altLang="en-US"/>
           </a:p>
@@ -14339,6 +14341,65 @@
           </a:prstGeom>
         </p:spPr>
       </p:pic>
+      <p:sp>
+        <p:nvSpPr>
+          <p:cNvPr id="4" name="四角形: 角を丸くする 3">
+            <a:extLst>
+              <a:ext uri="{FF2B5EF4-FFF2-40B4-BE49-F238E27FC236}">
+                <a16:creationId xmlns:a16="http://schemas.microsoft.com/office/drawing/2014/main" id="{514C5F00-2A6D-82CC-90C9-3F9048816B72}"/>
+              </a:ext>
+            </a:extLst>
+          </p:cNvPr>
+          <p:cNvSpPr/>
+          <p:nvPr/>
+        </p:nvSpPr>
+        <p:spPr>
+          <a:xfrm>
+            <a:off x="103112" y="1319363"/>
+            <a:ext cx="3600000" cy="2880000"/>
+          </a:xfrm>
+          <a:prstGeom prst="roundRect">
+            <a:avLst>
+              <a:gd name="adj" fmla="val 5122"/>
+            </a:avLst>
+          </a:prstGeom>
+          <a:solidFill>
+            <a:schemeClr val="bg1"/>
+          </a:solidFill>
+          <a:ln w="38100">
+            <a:solidFill>
+              <a:schemeClr val="tx1">
+                <a:lumMod val="50000"/>
+                <a:lumOff val="50000"/>
+              </a:schemeClr>
+            </a:solidFill>
+          </a:ln>
+        </p:spPr>
+        <p:style>
+          <a:lnRef idx="2">
+            <a:schemeClr val="accent1">
+              <a:shade val="15000"/>
+            </a:schemeClr>
+          </a:lnRef>
+          <a:fillRef idx="1">
+            <a:schemeClr val="accent1"/>
+          </a:fillRef>
+          <a:effectRef idx="0">
+            <a:schemeClr val="accent1"/>
+          </a:effectRef>
+          <a:fontRef idx="minor">
+            <a:schemeClr val="lt1"/>
+          </a:fontRef>
+        </p:style>
+        <p:txBody>
+          <a:bodyPr rtlCol="0" anchor="ctr"/>
+          <a:lstStyle/>
+          <a:p>
+            <a:pPr algn="ctr"/>
+            <a:endParaRPr kumimoji="1" lang="ja-JP" altLang="en-US"/>
+          </a:p>
+        </p:txBody>
+      </p:sp>
     </p:spTree>
     <p:extLst>
       <p:ext uri="{BB962C8B-B14F-4D97-AF65-F5344CB8AC3E}">
@@ -15082,6 +15143,1634 @@
     <p:extLst>
       <p:ext uri="{BB962C8B-B14F-4D97-AF65-F5344CB8AC3E}">
         <p14:creationId xmlns:p14="http://schemas.microsoft.com/office/powerpoint/2010/main" val="2221858928"/>
+      </p:ext>
+    </p:extLst>
+  </p:cSld>
+  <p:clrMapOvr>
+    <a:masterClrMapping/>
+  </p:clrMapOvr>
+</p:sld>
+</file>
+
+<file path=ppt/slides/slide28.xml><?xml version="1.0" encoding="utf-8"?>
+<p:sld xmlns:a="http://schemas.openxmlformats.org/drawingml/2006/main" xmlns:r="http://schemas.openxmlformats.org/officeDocument/2006/relationships" xmlns:p="http://schemas.openxmlformats.org/presentationml/2006/main">
+  <p:cSld>
+    <p:spTree>
+      <p:nvGrpSpPr>
+        <p:cNvPr id="1" name=""/>
+        <p:cNvGrpSpPr/>
+        <p:nvPr/>
+      </p:nvGrpSpPr>
+      <p:grpSpPr>
+        <a:xfrm>
+          <a:off x="0" y="0"/>
+          <a:ext cx="0" cy="0"/>
+          <a:chOff x="0" y="0"/>
+          <a:chExt cx="0" cy="0"/>
+        </a:xfrm>
+      </p:grpSpPr>
+      <p:sp>
+        <p:nvSpPr>
+          <p:cNvPr id="11" name="四角形: 角を丸くする 10">
+            <a:extLst>
+              <a:ext uri="{FF2B5EF4-FFF2-40B4-BE49-F238E27FC236}">
+                <a16:creationId xmlns:a16="http://schemas.microsoft.com/office/drawing/2014/main" id="{5B8D92A5-F9A9-93A5-A59A-F0E0EF45B668}"/>
+              </a:ext>
+            </a:extLst>
+          </p:cNvPr>
+          <p:cNvSpPr/>
+          <p:nvPr/>
+        </p:nvSpPr>
+        <p:spPr>
+          <a:xfrm>
+            <a:off x="9429793" y="2803731"/>
+            <a:ext cx="1986351" cy="3412341"/>
+          </a:xfrm>
+          <a:prstGeom prst="roundRect">
+            <a:avLst>
+              <a:gd name="adj" fmla="val 19233"/>
+            </a:avLst>
+          </a:prstGeom>
+          <a:solidFill>
+            <a:schemeClr val="tx1">
+              <a:lumMod val="50000"/>
+              <a:lumOff val="50000"/>
+            </a:schemeClr>
+          </a:solidFill>
+          <a:ln w="19050">
+            <a:solidFill>
+              <a:schemeClr val="tx1"/>
+            </a:solidFill>
+          </a:ln>
+        </p:spPr>
+        <p:style>
+          <a:lnRef idx="2">
+            <a:schemeClr val="accent1">
+              <a:shade val="15000"/>
+            </a:schemeClr>
+          </a:lnRef>
+          <a:fillRef idx="1">
+            <a:schemeClr val="accent1"/>
+          </a:fillRef>
+          <a:effectRef idx="0">
+            <a:schemeClr val="accent1"/>
+          </a:effectRef>
+          <a:fontRef idx="minor">
+            <a:schemeClr val="lt1"/>
+          </a:fontRef>
+        </p:style>
+        <p:txBody>
+          <a:bodyPr rtlCol="0" anchor="ctr"/>
+          <a:lstStyle/>
+          <a:p>
+            <a:pPr algn="ctr"/>
+            <a:endParaRPr kumimoji="1" lang="ja-JP" altLang="en-US" sz="1400" b="1" dirty="0">
+              <a:solidFill>
+                <a:schemeClr val="tx1"/>
+              </a:solidFill>
+            </a:endParaRPr>
+          </a:p>
+        </p:txBody>
+      </p:sp>
+      <p:sp>
+        <p:nvSpPr>
+          <p:cNvPr id="2" name="四角形: 角を丸くする 1">
+            <a:extLst>
+              <a:ext uri="{FF2B5EF4-FFF2-40B4-BE49-F238E27FC236}">
+                <a16:creationId xmlns:a16="http://schemas.microsoft.com/office/drawing/2014/main" id="{3C2F87B4-E7ED-4C03-8B18-DA3F0F49B615}"/>
+              </a:ext>
+            </a:extLst>
+          </p:cNvPr>
+          <p:cNvSpPr/>
+          <p:nvPr/>
+        </p:nvSpPr>
+        <p:spPr>
+          <a:xfrm>
+            <a:off x="352493" y="201763"/>
+            <a:ext cx="3463200" cy="792000"/>
+          </a:xfrm>
+          <a:prstGeom prst="roundRect">
+            <a:avLst>
+              <a:gd name="adj" fmla="val 5122"/>
+            </a:avLst>
+          </a:prstGeom>
+          <a:noFill/>
+          <a:ln w="19050">
+            <a:solidFill>
+              <a:schemeClr val="tx1"/>
+            </a:solidFill>
+          </a:ln>
+        </p:spPr>
+        <p:style>
+          <a:lnRef idx="2">
+            <a:schemeClr val="accent1">
+              <a:shade val="15000"/>
+            </a:schemeClr>
+          </a:lnRef>
+          <a:fillRef idx="1">
+            <a:schemeClr val="accent1"/>
+          </a:fillRef>
+          <a:effectRef idx="0">
+            <a:schemeClr val="accent1"/>
+          </a:effectRef>
+          <a:fontRef idx="minor">
+            <a:schemeClr val="lt1"/>
+          </a:fontRef>
+        </p:style>
+        <p:txBody>
+          <a:bodyPr rtlCol="0" anchor="ctr"/>
+          <a:lstStyle/>
+          <a:p>
+            <a:pPr algn="ctr"/>
+            <a:r>
+              <a:rPr lang="en-US" altLang="ja-JP" b="1" dirty="0">
+                <a:solidFill>
+                  <a:schemeClr val="tx1"/>
+                </a:solidFill>
+              </a:rPr>
+              <a:t>HAND</a:t>
+            </a:r>
+            <a:endParaRPr kumimoji="1" lang="ja-JP" altLang="en-US" b="1" dirty="0">
+              <a:solidFill>
+                <a:schemeClr val="tx1"/>
+              </a:solidFill>
+            </a:endParaRPr>
+          </a:p>
+        </p:txBody>
+      </p:sp>
+      <p:sp>
+        <p:nvSpPr>
+          <p:cNvPr id="3" name="四角形: 角を丸くする 2">
+            <a:extLst>
+              <a:ext uri="{FF2B5EF4-FFF2-40B4-BE49-F238E27FC236}">
+                <a16:creationId xmlns:a16="http://schemas.microsoft.com/office/drawing/2014/main" id="{15EDFE0A-57DF-C425-169A-D513D0C4E30E}"/>
+              </a:ext>
+            </a:extLst>
+          </p:cNvPr>
+          <p:cNvSpPr/>
+          <p:nvPr/>
+        </p:nvSpPr>
+        <p:spPr>
+          <a:xfrm>
+            <a:off x="6494445" y="2123254"/>
+            <a:ext cx="864000" cy="1080000"/>
+          </a:xfrm>
+          <a:prstGeom prst="roundRect">
+            <a:avLst>
+              <a:gd name="adj" fmla="val 5122"/>
+            </a:avLst>
+          </a:prstGeom>
+          <a:noFill/>
+          <a:ln w="12700">
+            <a:solidFill>
+              <a:schemeClr val="tx1">
+                <a:lumMod val="50000"/>
+                <a:lumOff val="50000"/>
+              </a:schemeClr>
+            </a:solidFill>
+          </a:ln>
+        </p:spPr>
+        <p:style>
+          <a:lnRef idx="2">
+            <a:schemeClr val="accent1">
+              <a:shade val="15000"/>
+            </a:schemeClr>
+          </a:lnRef>
+          <a:fillRef idx="1">
+            <a:schemeClr val="accent1"/>
+          </a:fillRef>
+          <a:effectRef idx="0">
+            <a:schemeClr val="accent1"/>
+          </a:effectRef>
+          <a:fontRef idx="minor">
+            <a:schemeClr val="lt1"/>
+          </a:fontRef>
+        </p:style>
+        <p:txBody>
+          <a:bodyPr lIns="36000" rIns="36000" rtlCol="0" anchor="ctr"/>
+          <a:lstStyle/>
+          <a:p>
+            <a:pPr algn="ctr"/>
+            <a:r>
+              <a:rPr kumimoji="1" lang="en-US" altLang="ja-JP" sz="1600" b="1" dirty="0">
+                <a:solidFill>
+                  <a:schemeClr val="tx1"/>
+                </a:solidFill>
+              </a:rPr>
+              <a:t>TRASH</a:t>
+            </a:r>
+            <a:endParaRPr kumimoji="1" lang="ja-JP" altLang="en-US" sz="1600" b="1" dirty="0">
+              <a:solidFill>
+                <a:schemeClr val="tx1"/>
+              </a:solidFill>
+            </a:endParaRPr>
+          </a:p>
+        </p:txBody>
+      </p:sp>
+      <p:sp>
+        <p:nvSpPr>
+          <p:cNvPr id="4" name="四角形: 角を丸くする 3">
+            <a:extLst>
+              <a:ext uri="{FF2B5EF4-FFF2-40B4-BE49-F238E27FC236}">
+                <a16:creationId xmlns:a16="http://schemas.microsoft.com/office/drawing/2014/main" id="{8550D7C2-7CD5-2AD0-197F-FF7459BD9730}"/>
+              </a:ext>
+            </a:extLst>
+          </p:cNvPr>
+          <p:cNvSpPr/>
+          <p:nvPr/>
+        </p:nvSpPr>
+        <p:spPr>
+          <a:xfrm>
+            <a:off x="352493" y="1583254"/>
+            <a:ext cx="2520000" cy="540000"/>
+          </a:xfrm>
+          <a:prstGeom prst="roundRect">
+            <a:avLst>
+              <a:gd name="adj" fmla="val 5122"/>
+            </a:avLst>
+          </a:prstGeom>
+          <a:noFill/>
+          <a:ln w="12700">
+            <a:solidFill>
+              <a:schemeClr val="tx1">
+                <a:lumMod val="50000"/>
+                <a:lumOff val="50000"/>
+              </a:schemeClr>
+            </a:solidFill>
+          </a:ln>
+        </p:spPr>
+        <p:style>
+          <a:lnRef idx="2">
+            <a:schemeClr val="accent1">
+              <a:shade val="15000"/>
+            </a:schemeClr>
+          </a:lnRef>
+          <a:fillRef idx="1">
+            <a:schemeClr val="accent1"/>
+          </a:fillRef>
+          <a:effectRef idx="0">
+            <a:schemeClr val="accent1"/>
+          </a:effectRef>
+          <a:fontRef idx="minor">
+            <a:schemeClr val="lt1"/>
+          </a:fontRef>
+        </p:style>
+        <p:txBody>
+          <a:bodyPr rtlCol="0" anchor="ctr"/>
+          <a:lstStyle/>
+          <a:p>
+            <a:pPr algn="ctr"/>
+            <a:r>
+              <a:rPr kumimoji="1" lang="en-US" altLang="ja-JP" sz="1400" b="1" dirty="0">
+                <a:solidFill>
+                  <a:schemeClr val="tx1"/>
+                </a:solidFill>
+              </a:rPr>
+              <a:t>INKWELL</a:t>
+            </a:r>
+            <a:endParaRPr kumimoji="1" lang="ja-JP" altLang="en-US" sz="1400" b="1" dirty="0">
+              <a:solidFill>
+                <a:schemeClr val="tx1"/>
+              </a:solidFill>
+            </a:endParaRPr>
+          </a:p>
+        </p:txBody>
+      </p:sp>
+      <p:sp>
+        <p:nvSpPr>
+          <p:cNvPr id="5" name="四角形: 角を丸くする 4">
+            <a:extLst>
+              <a:ext uri="{FF2B5EF4-FFF2-40B4-BE49-F238E27FC236}">
+                <a16:creationId xmlns:a16="http://schemas.microsoft.com/office/drawing/2014/main" id="{4B7E7917-3016-8738-06E3-AB59CA035268}"/>
+              </a:ext>
+            </a:extLst>
+          </p:cNvPr>
+          <p:cNvSpPr/>
+          <p:nvPr/>
+        </p:nvSpPr>
+        <p:spPr>
+          <a:xfrm>
+            <a:off x="5219134" y="2889000"/>
+            <a:ext cx="864000" cy="1080000"/>
+          </a:xfrm>
+          <a:prstGeom prst="roundRect">
+            <a:avLst>
+              <a:gd name="adj" fmla="val 5122"/>
+            </a:avLst>
+          </a:prstGeom>
+          <a:noFill/>
+          <a:ln w="12700">
+            <a:solidFill>
+              <a:schemeClr val="tx1">
+                <a:lumMod val="50000"/>
+                <a:lumOff val="50000"/>
+              </a:schemeClr>
+            </a:solidFill>
+          </a:ln>
+        </p:spPr>
+        <p:style>
+          <a:lnRef idx="2">
+            <a:schemeClr val="accent1">
+              <a:shade val="15000"/>
+            </a:schemeClr>
+          </a:lnRef>
+          <a:fillRef idx="1">
+            <a:schemeClr val="accent1"/>
+          </a:fillRef>
+          <a:effectRef idx="0">
+            <a:schemeClr val="accent1"/>
+          </a:effectRef>
+          <a:fontRef idx="minor">
+            <a:schemeClr val="lt1"/>
+          </a:fontRef>
+        </p:style>
+        <p:txBody>
+          <a:bodyPr lIns="36000" rIns="36000" rtlCol="0" anchor="ctr"/>
+          <a:lstStyle/>
+          <a:p>
+            <a:pPr algn="ctr"/>
+            <a:r>
+              <a:rPr kumimoji="1" lang="en-US" altLang="ja-JP" sz="1600" b="1" dirty="0">
+                <a:solidFill>
+                  <a:schemeClr val="tx1"/>
+                </a:solidFill>
+              </a:rPr>
+              <a:t>DECK</a:t>
+            </a:r>
+            <a:endParaRPr kumimoji="1" lang="ja-JP" altLang="en-US" sz="1600" b="1" dirty="0">
+              <a:solidFill>
+                <a:schemeClr val="tx1"/>
+              </a:solidFill>
+            </a:endParaRPr>
+          </a:p>
+        </p:txBody>
+      </p:sp>
+      <p:sp>
+        <p:nvSpPr>
+          <p:cNvPr id="6" name="四角形: 角を丸くする 5">
+            <a:extLst>
+              <a:ext uri="{FF2B5EF4-FFF2-40B4-BE49-F238E27FC236}">
+                <a16:creationId xmlns:a16="http://schemas.microsoft.com/office/drawing/2014/main" id="{25FA5EA4-D86B-4D38-D767-181389D8D2AF}"/>
+              </a:ext>
+            </a:extLst>
+          </p:cNvPr>
+          <p:cNvSpPr/>
+          <p:nvPr/>
+        </p:nvSpPr>
+        <p:spPr>
+          <a:xfrm>
+            <a:off x="352493" y="3654747"/>
+            <a:ext cx="3456000" cy="828000"/>
+          </a:xfrm>
+          <a:prstGeom prst="roundRect">
+            <a:avLst>
+              <a:gd name="adj" fmla="val 5122"/>
+            </a:avLst>
+          </a:prstGeom>
+          <a:noFill/>
+          <a:ln w="12700">
+            <a:solidFill>
+              <a:schemeClr val="tx1">
+                <a:lumMod val="50000"/>
+                <a:lumOff val="50000"/>
+              </a:schemeClr>
+            </a:solidFill>
+          </a:ln>
+        </p:spPr>
+        <p:style>
+          <a:lnRef idx="2">
+            <a:schemeClr val="accent1">
+              <a:shade val="15000"/>
+            </a:schemeClr>
+          </a:lnRef>
+          <a:fillRef idx="1">
+            <a:schemeClr val="accent1"/>
+          </a:fillRef>
+          <a:effectRef idx="0">
+            <a:schemeClr val="accent1"/>
+          </a:effectRef>
+          <a:fontRef idx="minor">
+            <a:schemeClr val="lt1"/>
+          </a:fontRef>
+        </p:style>
+        <p:txBody>
+          <a:bodyPr rtlCol="0" anchor="ctr"/>
+          <a:lstStyle/>
+          <a:p>
+            <a:pPr algn="ctr"/>
+            <a:r>
+              <a:rPr lang="en-US" altLang="ja-JP" sz="1400" b="1" dirty="0">
+                <a:solidFill>
+                  <a:schemeClr val="tx1"/>
+                </a:solidFill>
+              </a:rPr>
+              <a:t>FIELD</a:t>
+            </a:r>
+            <a:endParaRPr kumimoji="1" lang="ja-JP" altLang="en-US" sz="1400" b="1" dirty="0">
+              <a:solidFill>
+                <a:schemeClr val="tx1"/>
+              </a:solidFill>
+            </a:endParaRPr>
+          </a:p>
+        </p:txBody>
+      </p:sp>
+      <p:sp>
+        <p:nvSpPr>
+          <p:cNvPr id="7" name="四角形: 角を丸くする 6">
+            <a:extLst>
+              <a:ext uri="{FF2B5EF4-FFF2-40B4-BE49-F238E27FC236}">
+                <a16:creationId xmlns:a16="http://schemas.microsoft.com/office/drawing/2014/main" id="{37431432-9F40-D9AA-32BB-EBFFC3ADF332}"/>
+              </a:ext>
+            </a:extLst>
+          </p:cNvPr>
+          <p:cNvSpPr/>
+          <p:nvPr/>
+        </p:nvSpPr>
+        <p:spPr>
+          <a:xfrm>
+            <a:off x="5615373" y="4609787"/>
+            <a:ext cx="864000" cy="446400"/>
+          </a:xfrm>
+          <a:prstGeom prst="roundRect">
+            <a:avLst>
+              <a:gd name="adj" fmla="val 19233"/>
+            </a:avLst>
+          </a:prstGeom>
+          <a:solidFill>
+            <a:schemeClr val="tx1">
+              <a:lumMod val="50000"/>
+              <a:lumOff val="50000"/>
+            </a:schemeClr>
+          </a:solidFill>
+          <a:ln w="19050">
+            <a:solidFill>
+              <a:schemeClr val="tx1"/>
+            </a:solidFill>
+          </a:ln>
+        </p:spPr>
+        <p:style>
+          <a:lnRef idx="2">
+            <a:schemeClr val="accent1">
+              <a:shade val="15000"/>
+            </a:schemeClr>
+          </a:lnRef>
+          <a:fillRef idx="1">
+            <a:schemeClr val="accent1"/>
+          </a:fillRef>
+          <a:effectRef idx="0">
+            <a:schemeClr val="accent1"/>
+          </a:effectRef>
+          <a:fontRef idx="minor">
+            <a:schemeClr val="lt1"/>
+          </a:fontRef>
+        </p:style>
+        <p:txBody>
+          <a:bodyPr rtlCol="0" anchor="ctr"/>
+          <a:lstStyle/>
+          <a:p>
+            <a:pPr algn="ctr"/>
+            <a:endParaRPr kumimoji="1" lang="ja-JP" altLang="en-US" sz="1400" b="1" dirty="0">
+              <a:solidFill>
+                <a:schemeClr val="tx1"/>
+              </a:solidFill>
+            </a:endParaRPr>
+          </a:p>
+        </p:txBody>
+      </p:sp>
+      <p:sp>
+        <p:nvSpPr>
+          <p:cNvPr id="8" name="四角形: 角を丸くする 7">
+            <a:extLst>
+              <a:ext uri="{FF2B5EF4-FFF2-40B4-BE49-F238E27FC236}">
+                <a16:creationId xmlns:a16="http://schemas.microsoft.com/office/drawing/2014/main" id="{D9783DAB-4306-0415-B0F4-F6314E9638C7}"/>
+              </a:ext>
+            </a:extLst>
+          </p:cNvPr>
+          <p:cNvSpPr/>
+          <p:nvPr/>
+        </p:nvSpPr>
+        <p:spPr>
+          <a:xfrm>
+            <a:off x="8336894" y="915037"/>
+            <a:ext cx="1533424" cy="2828217"/>
+          </a:xfrm>
+          <a:prstGeom prst="roundRect">
+            <a:avLst>
+              <a:gd name="adj" fmla="val 19233"/>
+            </a:avLst>
+          </a:prstGeom>
+          <a:solidFill>
+            <a:schemeClr val="tx1">
+              <a:lumMod val="85000"/>
+              <a:lumOff val="15000"/>
+            </a:schemeClr>
+          </a:solidFill>
+          <a:ln w="38100">
+            <a:noFill/>
+          </a:ln>
+        </p:spPr>
+        <p:style>
+          <a:lnRef idx="2">
+            <a:schemeClr val="accent1">
+              <a:shade val="15000"/>
+            </a:schemeClr>
+          </a:lnRef>
+          <a:fillRef idx="1">
+            <a:schemeClr val="accent1"/>
+          </a:fillRef>
+          <a:effectRef idx="0">
+            <a:schemeClr val="accent1"/>
+          </a:effectRef>
+          <a:fontRef idx="minor">
+            <a:schemeClr val="lt1"/>
+          </a:fontRef>
+        </p:style>
+        <p:txBody>
+          <a:bodyPr rtlCol="0" anchor="ctr"/>
+          <a:lstStyle/>
+          <a:p>
+            <a:pPr algn="ctr"/>
+            <a:endParaRPr kumimoji="1" lang="ja-JP" altLang="en-US" sz="2400" b="1" dirty="0">
+              <a:solidFill>
+                <a:schemeClr val="bg1"/>
+              </a:solidFill>
+            </a:endParaRPr>
+          </a:p>
+        </p:txBody>
+      </p:sp>
+      <p:sp>
+        <p:nvSpPr>
+          <p:cNvPr id="9" name="加算記号 8">
+            <a:extLst>
+              <a:ext uri="{FF2B5EF4-FFF2-40B4-BE49-F238E27FC236}">
+                <a16:creationId xmlns:a16="http://schemas.microsoft.com/office/drawing/2014/main" id="{7A890823-6495-9525-8B78-D2BF44081713}"/>
+              </a:ext>
+            </a:extLst>
+          </p:cNvPr>
+          <p:cNvSpPr/>
+          <p:nvPr/>
+        </p:nvSpPr>
+        <p:spPr>
+          <a:xfrm>
+            <a:off x="10089317" y="3654747"/>
+            <a:ext cx="540000" cy="540000"/>
+          </a:xfrm>
+          <a:prstGeom prst="mathPlus">
+            <a:avLst>
+              <a:gd name="adj1" fmla="val 16678"/>
+            </a:avLst>
+          </a:prstGeom>
+          <a:solidFill>
+            <a:schemeClr val="bg1"/>
+          </a:solidFill>
+          <a:ln>
+            <a:noFill/>
+          </a:ln>
+        </p:spPr>
+        <p:style>
+          <a:lnRef idx="2">
+            <a:schemeClr val="accent1">
+              <a:shade val="15000"/>
+            </a:schemeClr>
+          </a:lnRef>
+          <a:fillRef idx="1">
+            <a:schemeClr val="accent1"/>
+          </a:fillRef>
+          <a:effectRef idx="0">
+            <a:schemeClr val="accent1"/>
+          </a:effectRef>
+          <a:fontRef idx="minor">
+            <a:schemeClr val="lt1"/>
+          </a:fontRef>
+        </p:style>
+        <p:txBody>
+          <a:bodyPr rtlCol="0" anchor="ctr"/>
+          <a:lstStyle/>
+          <a:p>
+            <a:pPr algn="ctr"/>
+            <a:endParaRPr kumimoji="1" lang="ja-JP" altLang="en-US"/>
+          </a:p>
+        </p:txBody>
+      </p:sp>
+      <p:sp>
+        <p:nvSpPr>
+          <p:cNvPr id="10" name="減算記号 9">
+            <a:extLst>
+              <a:ext uri="{FF2B5EF4-FFF2-40B4-BE49-F238E27FC236}">
+                <a16:creationId xmlns:a16="http://schemas.microsoft.com/office/drawing/2014/main" id="{702B4B6A-3852-94DC-38DD-51FAA54632B1}"/>
+              </a:ext>
+            </a:extLst>
+          </p:cNvPr>
+          <p:cNvSpPr/>
+          <p:nvPr/>
+        </p:nvSpPr>
+        <p:spPr>
+          <a:xfrm>
+            <a:off x="10089317" y="5230476"/>
+            <a:ext cx="540000" cy="434109"/>
+          </a:xfrm>
+          <a:prstGeom prst="mathMinus">
+            <a:avLst/>
+          </a:prstGeom>
+          <a:solidFill>
+            <a:schemeClr val="bg1"/>
+          </a:solidFill>
+          <a:ln>
+            <a:noFill/>
+          </a:ln>
+        </p:spPr>
+        <p:style>
+          <a:lnRef idx="2">
+            <a:schemeClr val="accent1">
+              <a:shade val="15000"/>
+            </a:schemeClr>
+          </a:lnRef>
+          <a:fillRef idx="1">
+            <a:schemeClr val="accent1"/>
+          </a:fillRef>
+          <a:effectRef idx="0">
+            <a:schemeClr val="accent1"/>
+          </a:effectRef>
+          <a:fontRef idx="minor">
+            <a:schemeClr val="lt1"/>
+          </a:fontRef>
+        </p:style>
+        <p:txBody>
+          <a:bodyPr rtlCol="0" anchor="ctr"/>
+          <a:lstStyle/>
+          <a:p>
+            <a:pPr algn="ctr"/>
+            <a:endParaRPr kumimoji="1" lang="ja-JP" altLang="en-US"/>
+          </a:p>
+        </p:txBody>
+      </p:sp>
+      <p:sp>
+        <p:nvSpPr>
+          <p:cNvPr id="12" name="四角形: 角を丸くする 11">
+            <a:extLst>
+              <a:ext uri="{FF2B5EF4-FFF2-40B4-BE49-F238E27FC236}">
+                <a16:creationId xmlns:a16="http://schemas.microsoft.com/office/drawing/2014/main" id="{36DAAC9D-960B-BB4A-D183-8D730DFF7C92}"/>
+              </a:ext>
+            </a:extLst>
+          </p:cNvPr>
+          <p:cNvSpPr/>
+          <p:nvPr/>
+        </p:nvSpPr>
+        <p:spPr>
+          <a:xfrm>
+            <a:off x="10835622" y="3620328"/>
+            <a:ext cx="353361" cy="1236764"/>
+          </a:xfrm>
+          <a:prstGeom prst="roundRect">
+            <a:avLst>
+              <a:gd name="adj" fmla="val 19233"/>
+            </a:avLst>
+          </a:prstGeom>
+          <a:solidFill>
+            <a:schemeClr val="bg1"/>
+          </a:solidFill>
+          <a:ln w="38100">
+            <a:noFill/>
+          </a:ln>
+        </p:spPr>
+        <p:style>
+          <a:lnRef idx="2">
+            <a:schemeClr val="accent1">
+              <a:shade val="15000"/>
+            </a:schemeClr>
+          </a:lnRef>
+          <a:fillRef idx="1">
+            <a:schemeClr val="accent1"/>
+          </a:fillRef>
+          <a:effectRef idx="0">
+            <a:schemeClr val="accent1"/>
+          </a:effectRef>
+          <a:fontRef idx="minor">
+            <a:schemeClr val="lt1"/>
+          </a:fontRef>
+        </p:style>
+        <p:txBody>
+          <a:bodyPr rtlCol="0" anchor="ctr"/>
+          <a:lstStyle/>
+          <a:p>
+            <a:pPr algn="ctr"/>
+            <a:endParaRPr kumimoji="1" lang="ja-JP" altLang="en-US" sz="2400" b="1" dirty="0">
+              <a:solidFill>
+                <a:schemeClr val="bg1"/>
+              </a:solidFill>
+            </a:endParaRPr>
+          </a:p>
+        </p:txBody>
+      </p:sp>
+      <p:sp>
+        <p:nvSpPr>
+          <p:cNvPr id="13" name="加算記号 12">
+            <a:extLst>
+              <a:ext uri="{FF2B5EF4-FFF2-40B4-BE49-F238E27FC236}">
+                <a16:creationId xmlns:a16="http://schemas.microsoft.com/office/drawing/2014/main" id="{86287B61-834D-B48D-D77D-980F0290D83B}"/>
+              </a:ext>
+            </a:extLst>
+          </p:cNvPr>
+          <p:cNvSpPr/>
+          <p:nvPr/>
+        </p:nvSpPr>
+        <p:spPr>
+          <a:xfrm>
+            <a:off x="9498480" y="3719180"/>
+            <a:ext cx="540000" cy="540000"/>
+          </a:xfrm>
+          <a:prstGeom prst="mathPlus">
+            <a:avLst>
+              <a:gd name="adj1" fmla="val 16678"/>
+            </a:avLst>
+          </a:prstGeom>
+          <a:solidFill>
+            <a:schemeClr val="tx1"/>
+          </a:solidFill>
+          <a:ln>
+            <a:noFill/>
+          </a:ln>
+        </p:spPr>
+        <p:style>
+          <a:lnRef idx="2">
+            <a:schemeClr val="accent1">
+              <a:shade val="15000"/>
+            </a:schemeClr>
+          </a:lnRef>
+          <a:fillRef idx="1">
+            <a:schemeClr val="accent1"/>
+          </a:fillRef>
+          <a:effectRef idx="0">
+            <a:schemeClr val="accent1"/>
+          </a:effectRef>
+          <a:fontRef idx="minor">
+            <a:schemeClr val="lt1"/>
+          </a:fontRef>
+        </p:style>
+        <p:txBody>
+          <a:bodyPr rtlCol="0" anchor="ctr"/>
+          <a:lstStyle/>
+          <a:p>
+            <a:pPr algn="ctr"/>
+            <a:endParaRPr kumimoji="1" lang="ja-JP" altLang="en-US"/>
+          </a:p>
+        </p:txBody>
+      </p:sp>
+      <p:sp>
+        <p:nvSpPr>
+          <p:cNvPr id="14" name="減算記号 13">
+            <a:extLst>
+              <a:ext uri="{FF2B5EF4-FFF2-40B4-BE49-F238E27FC236}">
+                <a16:creationId xmlns:a16="http://schemas.microsoft.com/office/drawing/2014/main" id="{BBEADB0B-8997-2872-18B8-520AAD8A200A}"/>
+              </a:ext>
+            </a:extLst>
+          </p:cNvPr>
+          <p:cNvSpPr/>
+          <p:nvPr/>
+        </p:nvSpPr>
+        <p:spPr>
+          <a:xfrm>
+            <a:off x="9498480" y="5294909"/>
+            <a:ext cx="540000" cy="434109"/>
+          </a:xfrm>
+          <a:prstGeom prst="mathMinus">
+            <a:avLst/>
+          </a:prstGeom>
+          <a:solidFill>
+            <a:schemeClr val="tx1"/>
+          </a:solidFill>
+          <a:ln>
+            <a:noFill/>
+          </a:ln>
+        </p:spPr>
+        <p:style>
+          <a:lnRef idx="2">
+            <a:schemeClr val="accent1">
+              <a:shade val="15000"/>
+            </a:schemeClr>
+          </a:lnRef>
+          <a:fillRef idx="1">
+            <a:schemeClr val="accent1"/>
+          </a:fillRef>
+          <a:effectRef idx="0">
+            <a:schemeClr val="accent1"/>
+          </a:effectRef>
+          <a:fontRef idx="minor">
+            <a:schemeClr val="lt1"/>
+          </a:fontRef>
+        </p:style>
+        <p:txBody>
+          <a:bodyPr rtlCol="0" anchor="ctr"/>
+          <a:lstStyle/>
+          <a:p>
+            <a:pPr algn="ctr"/>
+            <a:endParaRPr kumimoji="1" lang="ja-JP" altLang="en-US"/>
+          </a:p>
+        </p:txBody>
+      </p:sp>
+      <p:sp>
+        <p:nvSpPr>
+          <p:cNvPr id="15" name="四角形: 角を丸くする 14">
+            <a:extLst>
+              <a:ext uri="{FF2B5EF4-FFF2-40B4-BE49-F238E27FC236}">
+                <a16:creationId xmlns:a16="http://schemas.microsoft.com/office/drawing/2014/main" id="{1300098A-B9C1-12DA-1EBC-0B52302A5E4D}"/>
+              </a:ext>
+            </a:extLst>
+          </p:cNvPr>
+          <p:cNvSpPr/>
+          <p:nvPr/>
+        </p:nvSpPr>
+        <p:spPr>
+          <a:xfrm>
+            <a:off x="2512493" y="2374727"/>
+            <a:ext cx="972000" cy="1080000"/>
+          </a:xfrm>
+          <a:prstGeom prst="roundRect">
+            <a:avLst>
+              <a:gd name="adj" fmla="val 5122"/>
+            </a:avLst>
+          </a:prstGeom>
+          <a:noFill/>
+          <a:ln w="12700">
+            <a:solidFill>
+              <a:schemeClr val="tx1">
+                <a:lumMod val="50000"/>
+                <a:lumOff val="50000"/>
+              </a:schemeClr>
+            </a:solidFill>
+          </a:ln>
+        </p:spPr>
+        <p:style>
+          <a:lnRef idx="2">
+            <a:schemeClr val="accent1">
+              <a:shade val="15000"/>
+            </a:schemeClr>
+          </a:lnRef>
+          <a:fillRef idx="1">
+            <a:schemeClr val="accent1"/>
+          </a:fillRef>
+          <a:effectRef idx="0">
+            <a:schemeClr val="accent1"/>
+          </a:effectRef>
+          <a:fontRef idx="minor">
+            <a:schemeClr val="lt1"/>
+          </a:fontRef>
+        </p:style>
+        <p:txBody>
+          <a:bodyPr rtlCol="0" anchor="ctr"/>
+          <a:lstStyle/>
+          <a:p>
+            <a:pPr algn="ctr"/>
+            <a:endParaRPr lang="en-US" altLang="ja-JP" sz="1100" b="1" dirty="0">
+              <a:solidFill>
+                <a:schemeClr val="tx1"/>
+              </a:solidFill>
+            </a:endParaRPr>
+          </a:p>
+          <a:p>
+            <a:pPr algn="ctr"/>
+            <a:endParaRPr lang="en-US" altLang="ja-JP" sz="1100" b="1" dirty="0">
+              <a:solidFill>
+                <a:schemeClr val="tx1"/>
+              </a:solidFill>
+            </a:endParaRPr>
+          </a:p>
+          <a:p>
+            <a:pPr algn="ctr"/>
+            <a:endParaRPr lang="en-US" altLang="ja-JP" sz="1100" b="1" dirty="0">
+              <a:solidFill>
+                <a:schemeClr val="tx1"/>
+              </a:solidFill>
+            </a:endParaRPr>
+          </a:p>
+          <a:p>
+            <a:pPr algn="ctr"/>
+            <a:r>
+              <a:rPr lang="en-US" altLang="ja-JP" sz="1100" b="1" dirty="0">
+                <a:solidFill>
+                  <a:schemeClr val="tx1"/>
+                </a:solidFill>
+              </a:rPr>
+              <a:t>LOCATION</a:t>
+            </a:r>
+            <a:endParaRPr kumimoji="1" lang="ja-JP" altLang="en-US" sz="1100" b="1" dirty="0">
+              <a:solidFill>
+                <a:schemeClr val="tx1"/>
+              </a:solidFill>
+            </a:endParaRPr>
+          </a:p>
+        </p:txBody>
+      </p:sp>
+      <p:sp>
+        <p:nvSpPr>
+          <p:cNvPr id="16" name="四角形: 角を丸くする 15">
+            <a:extLst>
+              <a:ext uri="{FF2B5EF4-FFF2-40B4-BE49-F238E27FC236}">
+                <a16:creationId xmlns:a16="http://schemas.microsoft.com/office/drawing/2014/main" id="{4E6AB9B8-81B7-58E9-5094-36964A2A1B32}"/>
+              </a:ext>
+            </a:extLst>
+          </p:cNvPr>
+          <p:cNvSpPr/>
+          <p:nvPr/>
+        </p:nvSpPr>
+        <p:spPr>
+          <a:xfrm>
+            <a:off x="583269" y="2367200"/>
+            <a:ext cx="1440000" cy="1080000"/>
+          </a:xfrm>
+          <a:prstGeom prst="roundRect">
+            <a:avLst>
+              <a:gd name="adj" fmla="val 5122"/>
+            </a:avLst>
+          </a:prstGeom>
+          <a:noFill/>
+          <a:ln w="12700">
+            <a:solidFill>
+              <a:schemeClr val="tx1">
+                <a:lumMod val="50000"/>
+                <a:lumOff val="50000"/>
+              </a:schemeClr>
+            </a:solidFill>
+          </a:ln>
+        </p:spPr>
+        <p:style>
+          <a:lnRef idx="2">
+            <a:schemeClr val="accent1">
+              <a:shade val="15000"/>
+            </a:schemeClr>
+          </a:lnRef>
+          <a:fillRef idx="1">
+            <a:schemeClr val="accent1"/>
+          </a:fillRef>
+          <a:effectRef idx="0">
+            <a:schemeClr val="accent1"/>
+          </a:effectRef>
+          <a:fontRef idx="minor">
+            <a:schemeClr val="lt1"/>
+          </a:fontRef>
+        </p:style>
+        <p:txBody>
+          <a:bodyPr rtlCol="0" anchor="ctr"/>
+          <a:lstStyle/>
+          <a:p>
+            <a:pPr algn="ctr"/>
+            <a:r>
+              <a:rPr kumimoji="1" lang="en-US" altLang="ja-JP" sz="1400" b="1" dirty="0">
+                <a:solidFill>
+                  <a:schemeClr val="tx1"/>
+                </a:solidFill>
+              </a:rPr>
+              <a:t>ITEM</a:t>
+            </a:r>
+            <a:endParaRPr kumimoji="1" lang="ja-JP" altLang="en-US" sz="1400" b="1" dirty="0">
+              <a:solidFill>
+                <a:schemeClr val="tx1"/>
+              </a:solidFill>
+            </a:endParaRPr>
+          </a:p>
+        </p:txBody>
+      </p:sp>
+      <p:sp>
+        <p:nvSpPr>
+          <p:cNvPr id="17" name="四角形: 角を丸くする 16">
+            <a:extLst>
+              <a:ext uri="{FF2B5EF4-FFF2-40B4-BE49-F238E27FC236}">
+                <a16:creationId xmlns:a16="http://schemas.microsoft.com/office/drawing/2014/main" id="{1FD3431B-338A-7679-193E-12EDC6CC7989}"/>
+              </a:ext>
+            </a:extLst>
+          </p:cNvPr>
+          <p:cNvSpPr/>
+          <p:nvPr/>
+        </p:nvSpPr>
+        <p:spPr>
+          <a:xfrm>
+            <a:off x="4071469" y="1583254"/>
+            <a:ext cx="612000" cy="450000"/>
+          </a:xfrm>
+          <a:prstGeom prst="roundRect">
+            <a:avLst>
+              <a:gd name="adj" fmla="val 5122"/>
+            </a:avLst>
+          </a:prstGeom>
+          <a:noFill/>
+          <a:ln w="12700">
+            <a:solidFill>
+              <a:schemeClr val="tx1">
+                <a:lumMod val="50000"/>
+                <a:lumOff val="50000"/>
+              </a:schemeClr>
+            </a:solidFill>
+          </a:ln>
+        </p:spPr>
+        <p:style>
+          <a:lnRef idx="2">
+            <a:schemeClr val="accent1">
+              <a:shade val="15000"/>
+            </a:schemeClr>
+          </a:lnRef>
+          <a:fillRef idx="1">
+            <a:schemeClr val="accent1"/>
+          </a:fillRef>
+          <a:effectRef idx="0">
+            <a:schemeClr val="accent1"/>
+          </a:effectRef>
+          <a:fontRef idx="minor">
+            <a:schemeClr val="lt1"/>
+          </a:fontRef>
+        </p:style>
+        <p:txBody>
+          <a:bodyPr lIns="0" rIns="0" rtlCol="0" anchor="ctr"/>
+          <a:lstStyle/>
+          <a:p>
+            <a:pPr algn="ctr"/>
+            <a:r>
+              <a:rPr kumimoji="1" lang="en-US" altLang="ja-JP" sz="800" b="1" dirty="0">
+                <a:solidFill>
+                  <a:schemeClr val="tx1"/>
+                </a:solidFill>
+              </a:rPr>
+              <a:t>LOCATION</a:t>
+            </a:r>
+            <a:endParaRPr kumimoji="1" lang="ja-JP" altLang="en-US" sz="800" b="1" dirty="0">
+              <a:solidFill>
+                <a:schemeClr val="tx1"/>
+              </a:solidFill>
+            </a:endParaRPr>
+          </a:p>
+        </p:txBody>
+      </p:sp>
+      <p:sp>
+        <p:nvSpPr>
+          <p:cNvPr id="18" name="四角形: 角を丸くする 17">
+            <a:extLst>
+              <a:ext uri="{FF2B5EF4-FFF2-40B4-BE49-F238E27FC236}">
+                <a16:creationId xmlns:a16="http://schemas.microsoft.com/office/drawing/2014/main" id="{DEA95DAC-A93C-D571-0D75-68BCC9C7D976}"/>
+              </a:ext>
+            </a:extLst>
+          </p:cNvPr>
+          <p:cNvSpPr/>
+          <p:nvPr/>
+        </p:nvSpPr>
+        <p:spPr>
+          <a:xfrm>
+            <a:off x="4017469" y="2263731"/>
+            <a:ext cx="972000" cy="1080000"/>
+          </a:xfrm>
+          <a:prstGeom prst="roundRect">
+            <a:avLst>
+              <a:gd name="adj" fmla="val 5122"/>
+            </a:avLst>
+          </a:prstGeom>
+          <a:noFill/>
+          <a:ln w="12700">
+            <a:solidFill>
+              <a:schemeClr val="tx1">
+                <a:lumMod val="50000"/>
+                <a:lumOff val="50000"/>
+              </a:schemeClr>
+            </a:solidFill>
+          </a:ln>
+        </p:spPr>
+        <p:style>
+          <a:lnRef idx="2">
+            <a:schemeClr val="accent1">
+              <a:shade val="15000"/>
+            </a:schemeClr>
+          </a:lnRef>
+          <a:fillRef idx="1">
+            <a:schemeClr val="accent1"/>
+          </a:fillRef>
+          <a:effectRef idx="0">
+            <a:schemeClr val="accent1"/>
+          </a:effectRef>
+          <a:fontRef idx="minor">
+            <a:schemeClr val="lt1"/>
+          </a:fontRef>
+        </p:style>
+        <p:txBody>
+          <a:bodyPr rtlCol="0" anchor="ctr"/>
+          <a:lstStyle/>
+          <a:p>
+            <a:pPr algn="ctr"/>
+            <a:endParaRPr lang="en-US" altLang="ja-JP" sz="1100" b="1" dirty="0">
+              <a:solidFill>
+                <a:schemeClr val="tx1"/>
+              </a:solidFill>
+            </a:endParaRPr>
+          </a:p>
+          <a:p>
+            <a:pPr algn="ctr"/>
+            <a:endParaRPr lang="en-US" altLang="ja-JP" sz="1100" b="1" dirty="0">
+              <a:solidFill>
+                <a:schemeClr val="tx1"/>
+              </a:solidFill>
+            </a:endParaRPr>
+          </a:p>
+          <a:p>
+            <a:pPr algn="ctr"/>
+            <a:endParaRPr lang="en-US" altLang="ja-JP" sz="1100" b="1" dirty="0">
+              <a:solidFill>
+                <a:schemeClr val="tx1"/>
+              </a:solidFill>
+            </a:endParaRPr>
+          </a:p>
+          <a:p>
+            <a:pPr algn="ctr"/>
+            <a:endParaRPr kumimoji="1" lang="ja-JP" altLang="en-US" sz="1100" b="1" dirty="0">
+              <a:solidFill>
+                <a:schemeClr val="tx1"/>
+              </a:solidFill>
+            </a:endParaRPr>
+          </a:p>
+        </p:txBody>
+      </p:sp>
+    </p:spTree>
+    <p:extLst>
+      <p:ext uri="{BB962C8B-B14F-4D97-AF65-F5344CB8AC3E}">
+        <p14:creationId xmlns:p14="http://schemas.microsoft.com/office/powerpoint/2010/main" val="2814555960"/>
+      </p:ext>
+    </p:extLst>
+  </p:cSld>
+  <p:clrMapOvr>
+    <a:masterClrMapping/>
+  </p:clrMapOvr>
+</p:sld>
+</file>
+
+<file path=ppt/slides/slide29.xml><?xml version="1.0" encoding="utf-8"?>
+<p:sld xmlns:a="http://schemas.openxmlformats.org/drawingml/2006/main" xmlns:r="http://schemas.openxmlformats.org/officeDocument/2006/relationships" xmlns:p="http://schemas.openxmlformats.org/presentationml/2006/main">
+  <p:cSld>
+    <p:spTree>
+      <p:nvGrpSpPr>
+        <p:cNvPr id="1" name=""/>
+        <p:cNvGrpSpPr/>
+        <p:nvPr/>
+      </p:nvGrpSpPr>
+      <p:grpSpPr>
+        <a:xfrm>
+          <a:off x="0" y="0"/>
+          <a:ext cx="0" cy="0"/>
+          <a:chOff x="0" y="0"/>
+          <a:chExt cx="0" cy="0"/>
+        </a:xfrm>
+      </p:grpSpPr>
+      <p:grpSp>
+        <p:nvGrpSpPr>
+          <p:cNvPr id="12" name="グループ化 11">
+            <a:extLst>
+              <a:ext uri="{FF2B5EF4-FFF2-40B4-BE49-F238E27FC236}">
+                <a16:creationId xmlns:a16="http://schemas.microsoft.com/office/drawing/2014/main" id="{1EE1548A-82D4-6017-1E5F-B236EBB5B770}"/>
+              </a:ext>
+            </a:extLst>
+          </p:cNvPr>
+          <p:cNvGrpSpPr/>
+          <p:nvPr/>
+        </p:nvGrpSpPr>
+        <p:grpSpPr>
+          <a:xfrm>
+            <a:off x="895928" y="700928"/>
+            <a:ext cx="1980000" cy="1080000"/>
+            <a:chOff x="895928" y="700928"/>
+            <a:chExt cx="1980000" cy="1080000"/>
+          </a:xfrm>
+        </p:grpSpPr>
+        <p:sp>
+          <p:nvSpPr>
+            <p:cNvPr id="6" name="四角形: 角を丸くする 5">
+              <a:extLst>
+                <a:ext uri="{FF2B5EF4-FFF2-40B4-BE49-F238E27FC236}">
+                  <a16:creationId xmlns:a16="http://schemas.microsoft.com/office/drawing/2014/main" id="{A3ACF331-2820-A72A-E472-F60C776B4013}"/>
+                </a:ext>
+              </a:extLst>
+            </p:cNvPr>
+            <p:cNvSpPr/>
+            <p:nvPr/>
+          </p:nvSpPr>
+          <p:spPr>
+            <a:xfrm>
+              <a:off x="895928" y="700928"/>
+              <a:ext cx="1980000" cy="1080000"/>
+            </a:xfrm>
+            <a:prstGeom prst="roundRect">
+              <a:avLst>
+                <a:gd name="adj" fmla="val 50000"/>
+              </a:avLst>
+            </a:prstGeom>
+          </p:spPr>
+          <p:style>
+            <a:lnRef idx="1">
+              <a:schemeClr val="accent3"/>
+            </a:lnRef>
+            <a:fillRef idx="3">
+              <a:schemeClr val="accent3"/>
+            </a:fillRef>
+            <a:effectRef idx="2">
+              <a:schemeClr val="accent3"/>
+            </a:effectRef>
+            <a:fontRef idx="minor">
+              <a:schemeClr val="lt1"/>
+            </a:fontRef>
+          </p:style>
+          <p:txBody>
+            <a:bodyPr rtlCol="0" anchor="ctr"/>
+            <a:lstStyle/>
+            <a:p>
+              <a:pPr algn="ctr"/>
+              <a:endParaRPr kumimoji="1" lang="ja-JP" altLang="en-US"/>
+            </a:p>
+          </p:txBody>
+        </p:sp>
+        <p:pic>
+          <p:nvPicPr>
+            <p:cNvPr id="2" name="Picture 4" descr="ゴミ箱 | IFN 無料アイコン。SVG/EPS/PNGのフリー素材">
+              <a:extLst>
+                <a:ext uri="{FF2B5EF4-FFF2-40B4-BE49-F238E27FC236}">
+                  <a16:creationId xmlns:a16="http://schemas.microsoft.com/office/drawing/2014/main" id="{2A5454B6-5B9F-6D03-28F7-B5DCCCAE1B4D}"/>
+                </a:ext>
+              </a:extLst>
+            </p:cNvPr>
+            <p:cNvPicPr>
+              <a:picLocks noChangeAspect="1" noChangeArrowheads="1"/>
+            </p:cNvPicPr>
+            <p:nvPr/>
+          </p:nvPicPr>
+          <p:blipFill rotWithShape="1">
+            <a:blip r:embed="rId2">
+              <a:extLst>
+                <a:ext uri="{28A0092B-C50C-407E-A947-70E740481C1C}">
+                  <a14:useLocalDpi xmlns:a14="http://schemas.microsoft.com/office/drawing/2010/main" val="0"/>
+                </a:ext>
+              </a:extLst>
+            </a:blip>
+            <a:srcRect l="26485" t="19144" r="25515" b="15302"/>
+            <a:stretch>
+              <a:fillRect/>
+            </a:stretch>
+          </p:blipFill>
+          <p:spPr bwMode="auto">
+            <a:xfrm>
+              <a:off x="1112519" y="956152"/>
+              <a:ext cx="521298" cy="569552"/>
+            </a:xfrm>
+            <a:prstGeom prst="rect">
+              <a:avLst/>
+            </a:prstGeom>
+            <a:noFill/>
+            <a:extLst>
+              <a:ext uri="{909E8E84-426E-40DD-AFC4-6F175D3DCCD1}">
+                <a14:hiddenFill xmlns:a14="http://schemas.microsoft.com/office/drawing/2010/main">
+                  <a:solidFill>
+                    <a:srgbClr val="FFFFFF"/>
+                  </a:solidFill>
+                </a14:hiddenFill>
+              </a:ext>
+            </a:extLst>
+          </p:spPr>
+        </p:pic>
+        <p:sp>
+          <p:nvSpPr>
+            <p:cNvPr id="9" name="テキスト ボックス 8">
+              <a:extLst>
+                <a:ext uri="{FF2B5EF4-FFF2-40B4-BE49-F238E27FC236}">
+                  <a16:creationId xmlns:a16="http://schemas.microsoft.com/office/drawing/2014/main" id="{9A9A3FFB-4E71-5EB3-B3BC-E21E88DBE91D}"/>
+                </a:ext>
+              </a:extLst>
+            </p:cNvPr>
+            <p:cNvSpPr txBox="1"/>
+            <p:nvPr/>
+          </p:nvSpPr>
+          <p:spPr>
+            <a:xfrm>
+              <a:off x="1628974" y="1049920"/>
+              <a:ext cx="1075937" cy="400110"/>
+            </a:xfrm>
+            <a:prstGeom prst="rect">
+              <a:avLst/>
+            </a:prstGeom>
+            <a:noFill/>
+          </p:spPr>
+          <p:txBody>
+            <a:bodyPr wrap="none" rtlCol="0" anchor="ctr">
+              <a:spAutoFit/>
+            </a:bodyPr>
+            <a:lstStyle/>
+            <a:p>
+              <a:pPr algn="ctr"/>
+              <a:r>
+                <a:rPr kumimoji="1" lang="en-US" altLang="ja-JP" sz="2000" b="1" dirty="0"/>
+                <a:t>TRASH</a:t>
+              </a:r>
+              <a:endParaRPr kumimoji="1" lang="ja-JP" altLang="en-US" sz="2000" b="1" dirty="0"/>
+            </a:p>
+          </p:txBody>
+        </p:sp>
+      </p:grpSp>
+      <p:grpSp>
+        <p:nvGrpSpPr>
+          <p:cNvPr id="13" name="グループ化 12">
+            <a:extLst>
+              <a:ext uri="{FF2B5EF4-FFF2-40B4-BE49-F238E27FC236}">
+                <a16:creationId xmlns:a16="http://schemas.microsoft.com/office/drawing/2014/main" id="{E4191873-405B-D94E-C96B-98317165863A}"/>
+              </a:ext>
+            </a:extLst>
+          </p:cNvPr>
+          <p:cNvGrpSpPr/>
+          <p:nvPr/>
+        </p:nvGrpSpPr>
+        <p:grpSpPr>
+          <a:xfrm>
+            <a:off x="895928" y="2036152"/>
+            <a:ext cx="1980000" cy="1080000"/>
+            <a:chOff x="895928" y="2036152"/>
+            <a:chExt cx="1980000" cy="1080000"/>
+          </a:xfrm>
+        </p:grpSpPr>
+        <p:sp>
+          <p:nvSpPr>
+            <p:cNvPr id="8" name="四角形: 角を丸くする 7">
+              <a:extLst>
+                <a:ext uri="{FF2B5EF4-FFF2-40B4-BE49-F238E27FC236}">
+                  <a16:creationId xmlns:a16="http://schemas.microsoft.com/office/drawing/2014/main" id="{405BC506-8456-58C5-19CA-860E3A0EB2CF}"/>
+                </a:ext>
+              </a:extLst>
+            </p:cNvPr>
+            <p:cNvSpPr/>
+            <p:nvPr/>
+          </p:nvSpPr>
+          <p:spPr>
+            <a:xfrm>
+              <a:off x="895928" y="2036152"/>
+              <a:ext cx="1980000" cy="1080000"/>
+            </a:xfrm>
+            <a:prstGeom prst="roundRect">
+              <a:avLst>
+                <a:gd name="adj" fmla="val 50000"/>
+              </a:avLst>
+            </a:prstGeom>
+          </p:spPr>
+          <p:style>
+            <a:lnRef idx="1">
+              <a:schemeClr val="accent6"/>
+            </a:lnRef>
+            <a:fillRef idx="3">
+              <a:schemeClr val="accent6"/>
+            </a:fillRef>
+            <a:effectRef idx="2">
+              <a:schemeClr val="accent6"/>
+            </a:effectRef>
+            <a:fontRef idx="minor">
+              <a:schemeClr val="lt1"/>
+            </a:fontRef>
+          </p:style>
+          <p:txBody>
+            <a:bodyPr rtlCol="0" anchor="ctr"/>
+            <a:lstStyle/>
+            <a:p>
+              <a:pPr algn="ctr"/>
+              <a:endParaRPr kumimoji="1" lang="ja-JP" altLang="en-US"/>
+            </a:p>
+          </p:txBody>
+        </p:sp>
+        <p:pic>
+          <p:nvPicPr>
+            <p:cNvPr id="4" name="グラフィックス 3" descr="手話 単色塗りつぶし">
+              <a:extLst>
+                <a:ext uri="{FF2B5EF4-FFF2-40B4-BE49-F238E27FC236}">
+                  <a16:creationId xmlns:a16="http://schemas.microsoft.com/office/drawing/2014/main" id="{62C59212-C733-1E54-3319-99CA2B2936AD}"/>
+                </a:ext>
+              </a:extLst>
+            </p:cNvPr>
+            <p:cNvPicPr>
+              <a:picLocks noChangeAspect="1"/>
+            </p:cNvPicPr>
+            <p:nvPr/>
+          </p:nvPicPr>
+          <p:blipFill>
+            <a:blip r:embed="rId3">
+              <a:extLst>
+                <a:ext uri="{96DAC541-7B7A-43D3-8B79-37D633B846F1}">
+                  <asvg:svgBlip xmlns:asvg="http://schemas.microsoft.com/office/drawing/2016/SVG/main" r:embed="rId4"/>
+                </a:ext>
+              </a:extLst>
+            </a:blip>
+            <a:stretch>
+              <a:fillRect/>
+            </a:stretch>
+          </p:blipFill>
+          <p:spPr>
+            <a:xfrm>
+              <a:off x="1022185" y="2204225"/>
+              <a:ext cx="701964" cy="701964"/>
+            </a:xfrm>
+            <a:prstGeom prst="rect">
+              <a:avLst/>
+            </a:prstGeom>
+          </p:spPr>
+        </p:pic>
+        <p:sp>
+          <p:nvSpPr>
+            <p:cNvPr id="10" name="テキスト ボックス 9">
+              <a:extLst>
+                <a:ext uri="{FF2B5EF4-FFF2-40B4-BE49-F238E27FC236}">
+                  <a16:creationId xmlns:a16="http://schemas.microsoft.com/office/drawing/2014/main" id="{566CA568-AA57-2B57-3806-6C77CFACC7E4}"/>
+                </a:ext>
+              </a:extLst>
+            </p:cNvPr>
+            <p:cNvSpPr txBox="1"/>
+            <p:nvPr/>
+          </p:nvSpPr>
+          <p:spPr>
+            <a:xfrm>
+              <a:off x="1687484" y="2411290"/>
+              <a:ext cx="958917" cy="400110"/>
+            </a:xfrm>
+            <a:prstGeom prst="rect">
+              <a:avLst/>
+            </a:prstGeom>
+            <a:noFill/>
+          </p:spPr>
+          <p:txBody>
+            <a:bodyPr wrap="none" rtlCol="0" anchor="ctr">
+              <a:spAutoFit/>
+            </a:bodyPr>
+            <a:lstStyle/>
+            <a:p>
+              <a:pPr algn="ctr"/>
+              <a:r>
+                <a:rPr kumimoji="1" lang="en-US" altLang="ja-JP" sz="2000" b="1" dirty="0"/>
+                <a:t>HAND</a:t>
+              </a:r>
+              <a:endParaRPr kumimoji="1" lang="ja-JP" altLang="en-US" sz="2000" b="1" dirty="0"/>
+            </a:p>
+          </p:txBody>
+        </p:sp>
+      </p:grpSp>
+      <p:grpSp>
+        <p:nvGrpSpPr>
+          <p:cNvPr id="14" name="グループ化 13">
+            <a:extLst>
+              <a:ext uri="{FF2B5EF4-FFF2-40B4-BE49-F238E27FC236}">
+                <a16:creationId xmlns:a16="http://schemas.microsoft.com/office/drawing/2014/main" id="{53FB413E-5973-E404-EDE9-BBC837DCCDDE}"/>
+              </a:ext>
+            </a:extLst>
+          </p:cNvPr>
+          <p:cNvGrpSpPr/>
+          <p:nvPr/>
+        </p:nvGrpSpPr>
+        <p:grpSpPr>
+          <a:xfrm>
+            <a:off x="895928" y="3429000"/>
+            <a:ext cx="1980000" cy="1080000"/>
+            <a:chOff x="895928" y="3429000"/>
+            <a:chExt cx="1980000" cy="1080000"/>
+          </a:xfrm>
+        </p:grpSpPr>
+        <p:sp>
+          <p:nvSpPr>
+            <p:cNvPr id="7" name="四角形: 角を丸くする 6">
+              <a:extLst>
+                <a:ext uri="{FF2B5EF4-FFF2-40B4-BE49-F238E27FC236}">
+                  <a16:creationId xmlns:a16="http://schemas.microsoft.com/office/drawing/2014/main" id="{DE7EF55F-B5C4-CBF1-B531-8C289DF2BFFD}"/>
+                </a:ext>
+              </a:extLst>
+            </p:cNvPr>
+            <p:cNvSpPr/>
+            <p:nvPr/>
+          </p:nvSpPr>
+          <p:spPr>
+            <a:xfrm>
+              <a:off x="895928" y="3429000"/>
+              <a:ext cx="1980000" cy="1080000"/>
+            </a:xfrm>
+            <a:prstGeom prst="roundRect">
+              <a:avLst>
+                <a:gd name="adj" fmla="val 50000"/>
+              </a:avLst>
+            </a:prstGeom>
+          </p:spPr>
+          <p:style>
+            <a:lnRef idx="1">
+              <a:schemeClr val="accent4"/>
+            </a:lnRef>
+            <a:fillRef idx="3">
+              <a:schemeClr val="accent4"/>
+            </a:fillRef>
+            <a:effectRef idx="2">
+              <a:schemeClr val="accent4"/>
+            </a:effectRef>
+            <a:fontRef idx="minor">
+              <a:schemeClr val="lt1"/>
+            </a:fontRef>
+          </p:style>
+          <p:txBody>
+            <a:bodyPr rtlCol="0" anchor="ctr"/>
+            <a:lstStyle/>
+            <a:p>
+              <a:pPr algn="ctr"/>
+              <a:endParaRPr kumimoji="1" lang="ja-JP" altLang="en-US"/>
+            </a:p>
+          </p:txBody>
+        </p:sp>
+        <p:sp>
+          <p:nvSpPr>
+            <p:cNvPr id="5" name="矢印: 折線 4">
+              <a:extLst>
+                <a:ext uri="{FF2B5EF4-FFF2-40B4-BE49-F238E27FC236}">
+                  <a16:creationId xmlns:a16="http://schemas.microsoft.com/office/drawing/2014/main" id="{5A65B466-7E1F-2C5F-80B3-FF299BF6CC56}"/>
+                </a:ext>
+              </a:extLst>
+            </p:cNvPr>
+            <p:cNvSpPr/>
+            <p:nvPr/>
+          </p:nvSpPr>
+          <p:spPr>
+            <a:xfrm rot="5400000">
+              <a:off x="1085062" y="3757585"/>
+              <a:ext cx="477743" cy="422830"/>
+            </a:xfrm>
+            <a:prstGeom prst="bentArrow">
+              <a:avLst>
+                <a:gd name="adj1" fmla="val 15909"/>
+                <a:gd name="adj2" fmla="val 25000"/>
+                <a:gd name="adj3" fmla="val 25000"/>
+                <a:gd name="adj4" fmla="val 43750"/>
+              </a:avLst>
+            </a:prstGeom>
+            <a:solidFill>
+              <a:schemeClr val="tx1"/>
+            </a:solidFill>
+          </p:spPr>
+          <p:style>
+            <a:lnRef idx="2">
+              <a:schemeClr val="dk1">
+                <a:shade val="15000"/>
+              </a:schemeClr>
+            </a:lnRef>
+            <a:fillRef idx="1">
+              <a:schemeClr val="dk1"/>
+            </a:fillRef>
+            <a:effectRef idx="0">
+              <a:schemeClr val="dk1"/>
+            </a:effectRef>
+            <a:fontRef idx="minor">
+              <a:schemeClr val="lt1"/>
+            </a:fontRef>
+          </p:style>
+          <p:txBody>
+            <a:bodyPr rtlCol="0" anchor="ctr"/>
+            <a:lstStyle/>
+            <a:p>
+              <a:pPr algn="ctr"/>
+              <a:endParaRPr kumimoji="1" lang="ja-JP" altLang="en-US">
+                <a:solidFill>
+                  <a:schemeClr val="tx1"/>
+                </a:solidFill>
+              </a:endParaRPr>
+            </a:p>
+          </p:txBody>
+        </p:sp>
+        <p:sp>
+          <p:nvSpPr>
+            <p:cNvPr id="11" name="テキスト ボックス 10">
+              <a:extLst>
+                <a:ext uri="{FF2B5EF4-FFF2-40B4-BE49-F238E27FC236}">
+                  <a16:creationId xmlns:a16="http://schemas.microsoft.com/office/drawing/2014/main" id="{A7E3F739-C068-CD71-F9A8-AA1E8CAE719F}"/>
+                </a:ext>
+              </a:extLst>
+            </p:cNvPr>
+            <p:cNvSpPr txBox="1"/>
+            <p:nvPr/>
+          </p:nvSpPr>
+          <p:spPr>
+            <a:xfrm>
+              <a:off x="1523524" y="3772659"/>
+              <a:ext cx="1337226" cy="400110"/>
+            </a:xfrm>
+            <a:prstGeom prst="rect">
+              <a:avLst/>
+            </a:prstGeom>
+            <a:noFill/>
+          </p:spPr>
+          <p:txBody>
+            <a:bodyPr wrap="none" rtlCol="0" anchor="ctr">
+              <a:spAutoFit/>
+            </a:bodyPr>
+            <a:lstStyle/>
+            <a:p>
+              <a:pPr algn="ctr"/>
+              <a:r>
+                <a:rPr kumimoji="1" lang="en-US" altLang="ja-JP" sz="2000" b="1" dirty="0"/>
+                <a:t>BOTTOM</a:t>
+              </a:r>
+              <a:endParaRPr kumimoji="1" lang="ja-JP" altLang="en-US" sz="2000" b="1" dirty="0"/>
+            </a:p>
+          </p:txBody>
+        </p:sp>
+      </p:grpSp>
+    </p:spTree>
+    <p:extLst>
+      <p:ext uri="{BB962C8B-B14F-4D97-AF65-F5344CB8AC3E}">
+        <p14:creationId xmlns:p14="http://schemas.microsoft.com/office/powerpoint/2010/main" val="2483981033"/>
       </p:ext>
     </p:extLst>
   </p:cSld>

--- a/Assets/Documents_etc/アイコン作成.pptx
+++ b/Assets/Documents_etc/アイコン作成.pptx
@@ -287,7 +287,7 @@
           <a:p>
             <a:fld id="{C86328C3-D5F4-4C2C-ACFC-4B0C4F5663EC}" type="datetimeFigureOut">
               <a:rPr kumimoji="1" lang="ja-JP" altLang="en-US" smtClean="0"/>
-              <a:t>2025/8/4</a:t>
+              <a:t>2025/8/5</a:t>
             </a:fld>
             <a:endParaRPr kumimoji="1" lang="ja-JP" altLang="en-US"/>
           </a:p>
@@ -517,7 +517,7 @@
           <a:p>
             <a:fld id="{C86328C3-D5F4-4C2C-ACFC-4B0C4F5663EC}" type="datetimeFigureOut">
               <a:rPr kumimoji="1" lang="ja-JP" altLang="en-US" smtClean="0"/>
-              <a:t>2025/8/4</a:t>
+              <a:t>2025/8/5</a:t>
             </a:fld>
             <a:endParaRPr kumimoji="1" lang="ja-JP" altLang="en-US"/>
           </a:p>
@@ -757,7 +757,7 @@
           <a:p>
             <a:fld id="{C86328C3-D5F4-4C2C-ACFC-4B0C4F5663EC}" type="datetimeFigureOut">
               <a:rPr kumimoji="1" lang="ja-JP" altLang="en-US" smtClean="0"/>
-              <a:t>2025/8/4</a:t>
+              <a:t>2025/8/5</a:t>
             </a:fld>
             <a:endParaRPr kumimoji="1" lang="ja-JP" altLang="en-US"/>
           </a:p>
@@ -987,7 +987,7 @@
           <a:p>
             <a:fld id="{C86328C3-D5F4-4C2C-ACFC-4B0C4F5663EC}" type="datetimeFigureOut">
               <a:rPr kumimoji="1" lang="ja-JP" altLang="en-US" smtClean="0"/>
-              <a:t>2025/8/4</a:t>
+              <a:t>2025/8/5</a:t>
             </a:fld>
             <a:endParaRPr kumimoji="1" lang="ja-JP" altLang="en-US"/>
           </a:p>
@@ -1262,7 +1262,7 @@
           <a:p>
             <a:fld id="{C86328C3-D5F4-4C2C-ACFC-4B0C4F5663EC}" type="datetimeFigureOut">
               <a:rPr kumimoji="1" lang="ja-JP" altLang="en-US" smtClean="0"/>
-              <a:t>2025/8/4</a:t>
+              <a:t>2025/8/5</a:t>
             </a:fld>
             <a:endParaRPr kumimoji="1" lang="ja-JP" altLang="en-US"/>
           </a:p>
@@ -1591,7 +1591,7 @@
           <a:p>
             <a:fld id="{C86328C3-D5F4-4C2C-ACFC-4B0C4F5663EC}" type="datetimeFigureOut">
               <a:rPr kumimoji="1" lang="ja-JP" altLang="en-US" smtClean="0"/>
-              <a:t>2025/8/4</a:t>
+              <a:t>2025/8/5</a:t>
             </a:fld>
             <a:endParaRPr kumimoji="1" lang="ja-JP" altLang="en-US"/>
           </a:p>
@@ -2067,7 +2067,7 @@
           <a:p>
             <a:fld id="{C86328C3-D5F4-4C2C-ACFC-4B0C4F5663EC}" type="datetimeFigureOut">
               <a:rPr kumimoji="1" lang="ja-JP" altLang="en-US" smtClean="0"/>
-              <a:t>2025/8/4</a:t>
+              <a:t>2025/8/5</a:t>
             </a:fld>
             <a:endParaRPr kumimoji="1" lang="ja-JP" altLang="en-US"/>
           </a:p>
@@ -2208,7 +2208,7 @@
           <a:p>
             <a:fld id="{C86328C3-D5F4-4C2C-ACFC-4B0C4F5663EC}" type="datetimeFigureOut">
               <a:rPr kumimoji="1" lang="ja-JP" altLang="en-US" smtClean="0"/>
-              <a:t>2025/8/4</a:t>
+              <a:t>2025/8/5</a:t>
             </a:fld>
             <a:endParaRPr kumimoji="1" lang="ja-JP" altLang="en-US"/>
           </a:p>
@@ -2321,7 +2321,7 @@
           <a:p>
             <a:fld id="{C86328C3-D5F4-4C2C-ACFC-4B0C4F5663EC}" type="datetimeFigureOut">
               <a:rPr kumimoji="1" lang="ja-JP" altLang="en-US" smtClean="0"/>
-              <a:t>2025/8/4</a:t>
+              <a:t>2025/8/5</a:t>
             </a:fld>
             <a:endParaRPr kumimoji="1" lang="ja-JP" altLang="en-US"/>
           </a:p>
@@ -2664,7 +2664,7 @@
           <a:p>
             <a:fld id="{C86328C3-D5F4-4C2C-ACFC-4B0C4F5663EC}" type="datetimeFigureOut">
               <a:rPr kumimoji="1" lang="ja-JP" altLang="en-US" smtClean="0"/>
-              <a:t>2025/8/4</a:t>
+              <a:t>2025/8/5</a:t>
             </a:fld>
             <a:endParaRPr kumimoji="1" lang="ja-JP" altLang="en-US"/>
           </a:p>
@@ -2952,7 +2952,7 @@
           <a:p>
             <a:fld id="{C86328C3-D5F4-4C2C-ACFC-4B0C4F5663EC}" type="datetimeFigureOut">
               <a:rPr kumimoji="1" lang="ja-JP" altLang="en-US" smtClean="0"/>
-              <a:t>2025/8/4</a:t>
+              <a:t>2025/8/5</a:t>
             </a:fld>
             <a:endParaRPr kumimoji="1" lang="ja-JP" altLang="en-US"/>
           </a:p>
@@ -3225,7 +3225,7 @@
           <a:p>
             <a:fld id="{C86328C3-D5F4-4C2C-ACFC-4B0C4F5663EC}" type="datetimeFigureOut">
               <a:rPr kumimoji="1" lang="ja-JP" altLang="en-US" smtClean="0"/>
-              <a:t>2025/8/4</a:t>
+              <a:t>2025/8/5</a:t>
             </a:fld>
             <a:endParaRPr kumimoji="1" lang="ja-JP" altLang="en-US"/>
           </a:p>
@@ -9938,6 +9938,51 @@
           </p:spPr>
         </p:pic>
       </p:grpSp>
+      <p:pic>
+        <p:nvPicPr>
+          <p:cNvPr id="2" name="図 1">
+            <a:extLst>
+              <a:ext uri="{FF2B5EF4-FFF2-40B4-BE49-F238E27FC236}">
+                <a16:creationId xmlns:a16="http://schemas.microsoft.com/office/drawing/2014/main" id="{70CB446D-1454-A07A-102D-AA82D7A346DA}"/>
+              </a:ext>
+            </a:extLst>
+          </p:cNvPr>
+          <p:cNvPicPr>
+            <a:picLocks noChangeAspect="1"/>
+          </p:cNvPicPr>
+          <p:nvPr/>
+        </p:nvPicPr>
+        <p:blipFill>
+          <a:blip r:embed="rId8">
+            <a:extLst>
+              <a:ext uri="{BEBA8EAE-BF5A-486C-A8C5-ECC9F3942E4B}">
+                <a14:imgProps xmlns:a14="http://schemas.microsoft.com/office/drawing/2010/main">
+                  <a14:imgLayer r:embed="rId9">
+                    <a14:imgEffect>
+                      <a14:brightnessContrast bright="-40000" contrast="40000"/>
+                    </a14:imgEffect>
+                  </a14:imgLayer>
+                </a14:imgProps>
+              </a:ext>
+              <a:ext uri="{28A0092B-C50C-407E-A947-70E740481C1C}">
+                <a14:useLocalDpi xmlns:a14="http://schemas.microsoft.com/office/drawing/2010/main" val="0"/>
+              </a:ext>
+            </a:extLst>
+          </a:blip>
+          <a:stretch>
+            <a:fillRect/>
+          </a:stretch>
+        </p:blipFill>
+        <p:spPr>
+          <a:xfrm>
+            <a:off x="2155520" y="3542318"/>
+            <a:ext cx="1192662" cy="1080000"/>
+          </a:xfrm>
+          <a:prstGeom prst="rect">
+            <a:avLst/>
+          </a:prstGeom>
+        </p:spPr>
+      </p:pic>
     </p:spTree>
     <p:extLst>
       <p:ext uri="{BB962C8B-B14F-4D97-AF65-F5344CB8AC3E}">
@@ -16767,6 +16812,404 @@
           </p:txBody>
         </p:sp>
       </p:grpSp>
+      <p:sp>
+        <p:nvSpPr>
+          <p:cNvPr id="3" name="四角形: 角を丸くする 2">
+            <a:extLst>
+              <a:ext uri="{FF2B5EF4-FFF2-40B4-BE49-F238E27FC236}">
+                <a16:creationId xmlns:a16="http://schemas.microsoft.com/office/drawing/2014/main" id="{F08B5805-14EE-7FA3-FE0D-2AFE5B0E55F3}"/>
+              </a:ext>
+            </a:extLst>
+          </p:cNvPr>
+          <p:cNvSpPr/>
+          <p:nvPr/>
+        </p:nvSpPr>
+        <p:spPr>
+          <a:xfrm>
+            <a:off x="5080000" y="1525704"/>
+            <a:ext cx="720000" cy="720000"/>
+          </a:xfrm>
+          <a:prstGeom prst="roundRect">
+            <a:avLst>
+              <a:gd name="adj" fmla="val 5200"/>
+            </a:avLst>
+          </a:prstGeom>
+          <a:solidFill>
+            <a:schemeClr val="tx1">
+              <a:lumMod val="85000"/>
+              <a:lumOff val="15000"/>
+            </a:schemeClr>
+          </a:solidFill>
+          <a:ln>
+            <a:noFill/>
+          </a:ln>
+        </p:spPr>
+        <p:style>
+          <a:lnRef idx="2">
+            <a:schemeClr val="dk1">
+              <a:shade val="15000"/>
+            </a:schemeClr>
+          </a:lnRef>
+          <a:fillRef idx="1">
+            <a:schemeClr val="dk1"/>
+          </a:fillRef>
+          <a:effectRef idx="0">
+            <a:schemeClr val="dk1"/>
+          </a:effectRef>
+          <a:fontRef idx="minor">
+            <a:schemeClr val="lt1"/>
+          </a:fontRef>
+        </p:style>
+        <p:txBody>
+          <a:bodyPr rtlCol="0" anchor="ctr"/>
+          <a:lstStyle/>
+          <a:p>
+            <a:pPr algn="ctr"/>
+            <a:r>
+              <a:rPr kumimoji="1" lang="en-US" altLang="ja-JP" sz="3600" b="1" dirty="0">
+                <a:latin typeface="HGP創英角ﾎﾟｯﾌﾟ体" panose="040B0A00000000000000" pitchFamily="50" charset="-128"/>
+                <a:ea typeface="HGP創英角ﾎﾟｯﾌﾟ体" panose="040B0A00000000000000" pitchFamily="50" charset="-128"/>
+                <a:cs typeface="Tahoma" panose="020B0604030504040204" pitchFamily="34" charset="0"/>
+              </a:rPr>
+              <a:t>4</a:t>
+            </a:r>
+            <a:endParaRPr kumimoji="1" lang="ja-JP" altLang="en-US" sz="3600" b="1" dirty="0">
+              <a:latin typeface="HGP創英角ﾎﾟｯﾌﾟ体" panose="040B0A00000000000000" pitchFamily="50" charset="-128"/>
+              <a:ea typeface="HGP創英角ﾎﾟｯﾌﾟ体" panose="040B0A00000000000000" pitchFamily="50" charset="-128"/>
+              <a:cs typeface="Tahoma" panose="020B0604030504040204" pitchFamily="34" charset="0"/>
+            </a:endParaRPr>
+          </a:p>
+        </p:txBody>
+      </p:sp>
+      <p:sp>
+        <p:nvSpPr>
+          <p:cNvPr id="15" name="四角形: 角を丸くする 14">
+            <a:extLst>
+              <a:ext uri="{FF2B5EF4-FFF2-40B4-BE49-F238E27FC236}">
+                <a16:creationId xmlns:a16="http://schemas.microsoft.com/office/drawing/2014/main" id="{AC6841C1-B102-9610-82D3-169C51760F51}"/>
+              </a:ext>
+            </a:extLst>
+          </p:cNvPr>
+          <p:cNvSpPr/>
+          <p:nvPr/>
+        </p:nvSpPr>
+        <p:spPr>
+          <a:xfrm>
+            <a:off x="6137127" y="1525704"/>
+            <a:ext cx="720000" cy="720000"/>
+          </a:xfrm>
+          <a:prstGeom prst="roundRect">
+            <a:avLst>
+              <a:gd name="adj" fmla="val 5200"/>
+            </a:avLst>
+          </a:prstGeom>
+          <a:solidFill>
+            <a:schemeClr val="tx1">
+              <a:lumMod val="85000"/>
+              <a:lumOff val="15000"/>
+            </a:schemeClr>
+          </a:solidFill>
+          <a:ln>
+            <a:noFill/>
+          </a:ln>
+        </p:spPr>
+        <p:style>
+          <a:lnRef idx="2">
+            <a:schemeClr val="dk1">
+              <a:shade val="15000"/>
+            </a:schemeClr>
+          </a:lnRef>
+          <a:fillRef idx="1">
+            <a:schemeClr val="dk1"/>
+          </a:fillRef>
+          <a:effectRef idx="0">
+            <a:schemeClr val="dk1"/>
+          </a:effectRef>
+          <a:fontRef idx="minor">
+            <a:schemeClr val="lt1"/>
+          </a:fontRef>
+        </p:style>
+        <p:txBody>
+          <a:bodyPr rtlCol="0" anchor="ctr"/>
+          <a:lstStyle/>
+          <a:p>
+            <a:pPr algn="ctr"/>
+            <a:r>
+              <a:rPr kumimoji="1" lang="ja-JP" altLang="en-US" sz="3200" b="1" dirty="0">
+                <a:latin typeface="HGP創英角ﾎﾟｯﾌﾟ体" panose="040B0A00000000000000" pitchFamily="50" charset="-128"/>
+                <a:ea typeface="HGP創英角ﾎﾟｯﾌﾟ体" panose="040B0A00000000000000" pitchFamily="50" charset="-128"/>
+                <a:cs typeface="Tahoma" panose="020B0604030504040204" pitchFamily="34" charset="0"/>
+              </a:rPr>
+              <a:t>全</a:t>
+            </a:r>
+          </a:p>
+        </p:txBody>
+      </p:sp>
+      <p:sp>
+        <p:nvSpPr>
+          <p:cNvPr id="16" name="四角形: 角を丸くする 15">
+            <a:extLst>
+              <a:ext uri="{FF2B5EF4-FFF2-40B4-BE49-F238E27FC236}">
+                <a16:creationId xmlns:a16="http://schemas.microsoft.com/office/drawing/2014/main" id="{59C3C130-ACEA-F6C1-1D9A-5B13E8773983}"/>
+              </a:ext>
+            </a:extLst>
+          </p:cNvPr>
+          <p:cNvSpPr/>
+          <p:nvPr/>
+        </p:nvSpPr>
+        <p:spPr>
+          <a:xfrm>
+            <a:off x="7444072" y="1526972"/>
+            <a:ext cx="1620000" cy="720000"/>
+          </a:xfrm>
+          <a:prstGeom prst="roundRect">
+            <a:avLst>
+              <a:gd name="adj" fmla="val 5200"/>
+            </a:avLst>
+          </a:prstGeom>
+          <a:solidFill>
+            <a:schemeClr val="tx1">
+              <a:lumMod val="85000"/>
+              <a:lumOff val="15000"/>
+            </a:schemeClr>
+          </a:solidFill>
+          <a:ln>
+            <a:noFill/>
+          </a:ln>
+        </p:spPr>
+        <p:style>
+          <a:lnRef idx="2">
+            <a:schemeClr val="dk1">
+              <a:shade val="15000"/>
+            </a:schemeClr>
+          </a:lnRef>
+          <a:fillRef idx="1">
+            <a:schemeClr val="dk1"/>
+          </a:fillRef>
+          <a:effectRef idx="0">
+            <a:schemeClr val="dk1"/>
+          </a:effectRef>
+          <a:fontRef idx="minor">
+            <a:schemeClr val="lt1"/>
+          </a:fontRef>
+        </p:style>
+        <p:txBody>
+          <a:bodyPr rtlCol="0" anchor="ctr"/>
+          <a:lstStyle/>
+          <a:p>
+            <a:pPr algn="ctr"/>
+            <a:r>
+              <a:rPr kumimoji="1" lang="en-US" altLang="ja-JP" sz="3200" b="1" dirty="0">
+                <a:latin typeface="HGP創英角ﾎﾟｯﾌﾟ体" panose="040B0A00000000000000" pitchFamily="50" charset="-128"/>
+                <a:ea typeface="HGP創英角ﾎﾟｯﾌﾟ体" panose="040B0A00000000000000" pitchFamily="50" charset="-128"/>
+                <a:cs typeface="Tahoma" panose="020B0604030504040204" pitchFamily="34" charset="0"/>
+              </a:rPr>
+              <a:t>Shuffle</a:t>
+            </a:r>
+            <a:endParaRPr kumimoji="1" lang="ja-JP" altLang="en-US" sz="3200" b="1" dirty="0">
+              <a:latin typeface="HGP創英角ﾎﾟｯﾌﾟ体" panose="040B0A00000000000000" pitchFamily="50" charset="-128"/>
+              <a:ea typeface="HGP創英角ﾎﾟｯﾌﾟ体" panose="040B0A00000000000000" pitchFamily="50" charset="-128"/>
+              <a:cs typeface="Tahoma" panose="020B0604030504040204" pitchFamily="34" charset="0"/>
+            </a:endParaRPr>
+          </a:p>
+        </p:txBody>
+      </p:sp>
+      <p:sp>
+        <p:nvSpPr>
+          <p:cNvPr id="17" name="四角形: 角を丸くする 16">
+            <a:extLst>
+              <a:ext uri="{FF2B5EF4-FFF2-40B4-BE49-F238E27FC236}">
+                <a16:creationId xmlns:a16="http://schemas.microsoft.com/office/drawing/2014/main" id="{BB206FF4-DBEE-7066-1EAB-DB3780F8090B}"/>
+              </a:ext>
+            </a:extLst>
+          </p:cNvPr>
+          <p:cNvSpPr/>
+          <p:nvPr/>
+        </p:nvSpPr>
+        <p:spPr>
+          <a:xfrm>
+            <a:off x="5080000" y="3069000"/>
+            <a:ext cx="720000" cy="720000"/>
+          </a:xfrm>
+          <a:prstGeom prst="roundRect">
+            <a:avLst>
+              <a:gd name="adj" fmla="val 5200"/>
+            </a:avLst>
+          </a:prstGeom>
+          <a:solidFill>
+            <a:schemeClr val="bg1">
+              <a:lumMod val="95000"/>
+            </a:schemeClr>
+          </a:solidFill>
+          <a:ln w="19050">
+            <a:solidFill>
+              <a:schemeClr val="tx1"/>
+            </a:solidFill>
+          </a:ln>
+        </p:spPr>
+        <p:style>
+          <a:lnRef idx="1">
+            <a:schemeClr val="accent4"/>
+          </a:lnRef>
+          <a:fillRef idx="2">
+            <a:schemeClr val="accent4"/>
+          </a:fillRef>
+          <a:effectRef idx="1">
+            <a:schemeClr val="accent4"/>
+          </a:effectRef>
+          <a:fontRef idx="minor">
+            <a:schemeClr val="dk1"/>
+          </a:fontRef>
+        </p:style>
+        <p:txBody>
+          <a:bodyPr rtlCol="0" anchor="ctr"/>
+          <a:lstStyle/>
+          <a:p>
+            <a:pPr algn="ctr"/>
+            <a:r>
+              <a:rPr kumimoji="1" lang="en-US" altLang="ja-JP" sz="2800" b="1" dirty="0">
+                <a:latin typeface="+mn-ea"/>
+                <a:cs typeface="Tahoma" panose="020B0604030504040204" pitchFamily="34" charset="0"/>
+              </a:rPr>
+              <a:t>4</a:t>
+            </a:r>
+            <a:endParaRPr kumimoji="1" lang="ja-JP" altLang="en-US" sz="2800" b="1" dirty="0">
+              <a:latin typeface="+mn-ea"/>
+              <a:cs typeface="Tahoma" panose="020B0604030504040204" pitchFamily="34" charset="0"/>
+            </a:endParaRPr>
+          </a:p>
+        </p:txBody>
+      </p:sp>
+      <p:sp>
+        <p:nvSpPr>
+          <p:cNvPr id="18" name="四角形: 角を丸くする 17">
+            <a:extLst>
+              <a:ext uri="{FF2B5EF4-FFF2-40B4-BE49-F238E27FC236}">
+                <a16:creationId xmlns:a16="http://schemas.microsoft.com/office/drawing/2014/main" id="{36F9900F-420B-4CB1-555E-D76BBFADE56A}"/>
+              </a:ext>
+            </a:extLst>
+          </p:cNvPr>
+          <p:cNvSpPr/>
+          <p:nvPr/>
+        </p:nvSpPr>
+        <p:spPr>
+          <a:xfrm>
+            <a:off x="6137127" y="3069000"/>
+            <a:ext cx="720000" cy="720000"/>
+          </a:xfrm>
+          <a:prstGeom prst="roundRect">
+            <a:avLst>
+              <a:gd name="adj" fmla="val 5200"/>
+            </a:avLst>
+          </a:prstGeom>
+          <a:solidFill>
+            <a:schemeClr val="bg1">
+              <a:lumMod val="95000"/>
+            </a:schemeClr>
+          </a:solidFill>
+          <a:ln w="19050">
+            <a:solidFill>
+              <a:schemeClr val="tx1"/>
+            </a:solidFill>
+          </a:ln>
+        </p:spPr>
+        <p:style>
+          <a:lnRef idx="1">
+            <a:schemeClr val="accent4"/>
+          </a:lnRef>
+          <a:fillRef idx="2">
+            <a:schemeClr val="accent4"/>
+          </a:fillRef>
+          <a:effectRef idx="1">
+            <a:schemeClr val="accent4"/>
+          </a:effectRef>
+          <a:fontRef idx="minor">
+            <a:schemeClr val="dk1"/>
+          </a:fontRef>
+        </p:style>
+        <p:txBody>
+          <a:bodyPr rtlCol="0" anchor="ctr"/>
+          <a:lstStyle/>
+          <a:p>
+            <a:pPr algn="ctr"/>
+            <a:r>
+              <a:rPr kumimoji="1" lang="ja-JP" altLang="en-US" sz="2400" b="1" dirty="0">
+                <a:latin typeface="+mn-ea"/>
+                <a:cs typeface="Tahoma" panose="020B0604030504040204" pitchFamily="34" charset="0"/>
+              </a:rPr>
+              <a:t>全</a:t>
+            </a:r>
+          </a:p>
+        </p:txBody>
+      </p:sp>
+      <p:sp>
+        <p:nvSpPr>
+          <p:cNvPr id="19" name="四角形: 角を丸くする 18">
+            <a:extLst>
+              <a:ext uri="{FF2B5EF4-FFF2-40B4-BE49-F238E27FC236}">
+                <a16:creationId xmlns:a16="http://schemas.microsoft.com/office/drawing/2014/main" id="{CB44CAE3-47F2-7516-126A-E6F62E05C328}"/>
+              </a:ext>
+            </a:extLst>
+          </p:cNvPr>
+          <p:cNvSpPr/>
+          <p:nvPr/>
+        </p:nvSpPr>
+        <p:spPr>
+          <a:xfrm>
+            <a:off x="7444072" y="3070268"/>
+            <a:ext cx="1440000" cy="720000"/>
+          </a:xfrm>
+          <a:prstGeom prst="roundRect">
+            <a:avLst>
+              <a:gd name="adj" fmla="val 5200"/>
+            </a:avLst>
+          </a:prstGeom>
+          <a:solidFill>
+            <a:schemeClr val="bg1">
+              <a:lumMod val="95000"/>
+            </a:schemeClr>
+          </a:solidFill>
+          <a:ln w="19050">
+            <a:solidFill>
+              <a:schemeClr val="tx1"/>
+            </a:solidFill>
+          </a:ln>
+        </p:spPr>
+        <p:style>
+          <a:lnRef idx="1">
+            <a:schemeClr val="accent6"/>
+          </a:lnRef>
+          <a:fillRef idx="2">
+            <a:schemeClr val="accent6"/>
+          </a:fillRef>
+          <a:effectRef idx="1">
+            <a:schemeClr val="accent6"/>
+          </a:effectRef>
+          <a:fontRef idx="minor">
+            <a:schemeClr val="dk1"/>
+          </a:fontRef>
+        </p:style>
+        <p:txBody>
+          <a:bodyPr rtlCol="0" anchor="ctr"/>
+          <a:lstStyle/>
+          <a:p>
+            <a:pPr algn="ctr"/>
+            <a:r>
+              <a:rPr lang="en-US" altLang="ja-JP" sz="2400" b="1" dirty="0">
+                <a:solidFill>
+                  <a:schemeClr val="tx1"/>
+                </a:solidFill>
+              </a:rPr>
+              <a:t>Shuffle</a:t>
+            </a:r>
+            <a:endParaRPr lang="ja-JP" altLang="en-US" sz="2400" b="1" dirty="0">
+              <a:solidFill>
+                <a:schemeClr val="tx1"/>
+              </a:solidFill>
+            </a:endParaRPr>
+          </a:p>
+        </p:txBody>
+      </p:sp>
     </p:spTree>
     <p:extLst>
       <p:ext uri="{BB962C8B-B14F-4D97-AF65-F5344CB8AC3E}">

--- a/Assets/Documents_etc/アイコン作成.pptx
+++ b/Assets/Documents_etc/アイコン作成.pptx
@@ -34,6 +34,7 @@
     <p:sldId id="285" r:id="rId28"/>
     <p:sldId id="286" r:id="rId29"/>
     <p:sldId id="287" r:id="rId30"/>
+    <p:sldId id="288" r:id="rId31"/>
   </p:sldIdLst>
   <p:sldSz cx="12192000" cy="6858000"/>
   <p:notesSz cx="6858000" cy="9144000"/>
@@ -17641,6 +17642,72 @@
 </p:sld>
 </file>
 
+<file path=ppt/slides/slide30.xml><?xml version="1.0" encoding="utf-8"?>
+<p:sld xmlns:a="http://schemas.openxmlformats.org/drawingml/2006/main" xmlns:r="http://schemas.openxmlformats.org/officeDocument/2006/relationships" xmlns:p="http://schemas.openxmlformats.org/presentationml/2006/main">
+  <p:cSld>
+    <p:spTree>
+      <p:nvGrpSpPr>
+        <p:cNvPr id="1" name=""/>
+        <p:cNvGrpSpPr/>
+        <p:nvPr/>
+      </p:nvGrpSpPr>
+      <p:grpSpPr>
+        <a:xfrm>
+          <a:off x="0" y="0"/>
+          <a:ext cx="0" cy="0"/>
+          <a:chOff x="0" y="0"/>
+          <a:chExt cx="0" cy="0"/>
+        </a:xfrm>
+      </p:grpSpPr>
+      <p:pic>
+        <p:nvPicPr>
+          <p:cNvPr id="3" name="グラフィックス 2" descr="カメラ 単色塗りつぶし">
+            <a:extLst>
+              <a:ext uri="{FF2B5EF4-FFF2-40B4-BE49-F238E27FC236}">
+                <a16:creationId xmlns:a16="http://schemas.microsoft.com/office/drawing/2014/main" id="{AE95E66B-5EF6-5C98-1310-BBC5A5DAF568}"/>
+              </a:ext>
+            </a:extLst>
+          </p:cNvPr>
+          <p:cNvPicPr>
+            <a:picLocks noChangeAspect="1"/>
+          </p:cNvPicPr>
+          <p:nvPr/>
+        </p:nvPicPr>
+        <p:blipFill>
+          <a:blip r:embed="rId2">
+            <a:extLst>
+              <a:ext uri="{96DAC541-7B7A-43D3-8B79-37D633B846F1}">
+                <asvg:svgBlip xmlns:asvg="http://schemas.microsoft.com/office/drawing/2016/SVG/main" r:embed="rId3"/>
+              </a:ext>
+            </a:extLst>
+          </a:blip>
+          <a:stretch>
+            <a:fillRect/>
+          </a:stretch>
+        </p:blipFill>
+        <p:spPr>
+          <a:xfrm>
+            <a:off x="5638800" y="2971800"/>
+            <a:ext cx="914400" cy="914400"/>
+          </a:xfrm>
+          <a:prstGeom prst="rect">
+            <a:avLst/>
+          </a:prstGeom>
+        </p:spPr>
+      </p:pic>
+    </p:spTree>
+    <p:extLst>
+      <p:ext uri="{BB962C8B-B14F-4D97-AF65-F5344CB8AC3E}">
+        <p14:creationId xmlns:p14="http://schemas.microsoft.com/office/powerpoint/2010/main" val="1488158662"/>
+      </p:ext>
+    </p:extLst>
+  </p:cSld>
+  <p:clrMapOvr>
+    <a:masterClrMapping/>
+  </p:clrMapOvr>
+</p:sld>
+</file>
+
 <file path=ppt/slides/slide4.xml><?xml version="1.0" encoding="utf-8"?>
 <p:sld xmlns:a="http://schemas.openxmlformats.org/drawingml/2006/main" xmlns:r="http://schemas.openxmlformats.org/officeDocument/2006/relationships" xmlns:p="http://schemas.openxmlformats.org/presentationml/2006/main">
   <p:cSld>

--- a/Assets/Documents_etc/アイコン作成.pptx
+++ b/Assets/Documents_etc/アイコン作成.pptx
@@ -288,7 +288,7 @@
           <a:p>
             <a:fld id="{C86328C3-D5F4-4C2C-ACFC-4B0C4F5663EC}" type="datetimeFigureOut">
               <a:rPr kumimoji="1" lang="ja-JP" altLang="en-US" smtClean="0"/>
-              <a:t>2025/8/5</a:t>
+              <a:t>2025/8/7</a:t>
             </a:fld>
             <a:endParaRPr kumimoji="1" lang="ja-JP" altLang="en-US"/>
           </a:p>
@@ -518,7 +518,7 @@
           <a:p>
             <a:fld id="{C86328C3-D5F4-4C2C-ACFC-4B0C4F5663EC}" type="datetimeFigureOut">
               <a:rPr kumimoji="1" lang="ja-JP" altLang="en-US" smtClean="0"/>
-              <a:t>2025/8/5</a:t>
+              <a:t>2025/8/7</a:t>
             </a:fld>
             <a:endParaRPr kumimoji="1" lang="ja-JP" altLang="en-US"/>
           </a:p>
@@ -758,7 +758,7 @@
           <a:p>
             <a:fld id="{C86328C3-D5F4-4C2C-ACFC-4B0C4F5663EC}" type="datetimeFigureOut">
               <a:rPr kumimoji="1" lang="ja-JP" altLang="en-US" smtClean="0"/>
-              <a:t>2025/8/5</a:t>
+              <a:t>2025/8/7</a:t>
             </a:fld>
             <a:endParaRPr kumimoji="1" lang="ja-JP" altLang="en-US"/>
           </a:p>
@@ -988,7 +988,7 @@
           <a:p>
             <a:fld id="{C86328C3-D5F4-4C2C-ACFC-4B0C4F5663EC}" type="datetimeFigureOut">
               <a:rPr kumimoji="1" lang="ja-JP" altLang="en-US" smtClean="0"/>
-              <a:t>2025/8/5</a:t>
+              <a:t>2025/8/7</a:t>
             </a:fld>
             <a:endParaRPr kumimoji="1" lang="ja-JP" altLang="en-US"/>
           </a:p>
@@ -1263,7 +1263,7 @@
           <a:p>
             <a:fld id="{C86328C3-D5F4-4C2C-ACFC-4B0C4F5663EC}" type="datetimeFigureOut">
               <a:rPr kumimoji="1" lang="ja-JP" altLang="en-US" smtClean="0"/>
-              <a:t>2025/8/5</a:t>
+              <a:t>2025/8/7</a:t>
             </a:fld>
             <a:endParaRPr kumimoji="1" lang="ja-JP" altLang="en-US"/>
           </a:p>
@@ -1592,7 +1592,7 @@
           <a:p>
             <a:fld id="{C86328C3-D5F4-4C2C-ACFC-4B0C4F5663EC}" type="datetimeFigureOut">
               <a:rPr kumimoji="1" lang="ja-JP" altLang="en-US" smtClean="0"/>
-              <a:t>2025/8/5</a:t>
+              <a:t>2025/8/7</a:t>
             </a:fld>
             <a:endParaRPr kumimoji="1" lang="ja-JP" altLang="en-US"/>
           </a:p>
@@ -2068,7 +2068,7 @@
           <a:p>
             <a:fld id="{C86328C3-D5F4-4C2C-ACFC-4B0C4F5663EC}" type="datetimeFigureOut">
               <a:rPr kumimoji="1" lang="ja-JP" altLang="en-US" smtClean="0"/>
-              <a:t>2025/8/5</a:t>
+              <a:t>2025/8/7</a:t>
             </a:fld>
             <a:endParaRPr kumimoji="1" lang="ja-JP" altLang="en-US"/>
           </a:p>
@@ -2209,7 +2209,7 @@
           <a:p>
             <a:fld id="{C86328C3-D5F4-4C2C-ACFC-4B0C4F5663EC}" type="datetimeFigureOut">
               <a:rPr kumimoji="1" lang="ja-JP" altLang="en-US" smtClean="0"/>
-              <a:t>2025/8/5</a:t>
+              <a:t>2025/8/7</a:t>
             </a:fld>
             <a:endParaRPr kumimoji="1" lang="ja-JP" altLang="en-US"/>
           </a:p>
@@ -2322,7 +2322,7 @@
           <a:p>
             <a:fld id="{C86328C3-D5F4-4C2C-ACFC-4B0C4F5663EC}" type="datetimeFigureOut">
               <a:rPr kumimoji="1" lang="ja-JP" altLang="en-US" smtClean="0"/>
-              <a:t>2025/8/5</a:t>
+              <a:t>2025/8/7</a:t>
             </a:fld>
             <a:endParaRPr kumimoji="1" lang="ja-JP" altLang="en-US"/>
           </a:p>
@@ -2665,7 +2665,7 @@
           <a:p>
             <a:fld id="{C86328C3-D5F4-4C2C-ACFC-4B0C4F5663EC}" type="datetimeFigureOut">
               <a:rPr kumimoji="1" lang="ja-JP" altLang="en-US" smtClean="0"/>
-              <a:t>2025/8/5</a:t>
+              <a:t>2025/8/7</a:t>
             </a:fld>
             <a:endParaRPr kumimoji="1" lang="ja-JP" altLang="en-US"/>
           </a:p>
@@ -2953,7 +2953,7 @@
           <a:p>
             <a:fld id="{C86328C3-D5F4-4C2C-ACFC-4B0C4F5663EC}" type="datetimeFigureOut">
               <a:rPr kumimoji="1" lang="ja-JP" altLang="en-US" smtClean="0"/>
-              <a:t>2025/8/5</a:t>
+              <a:t>2025/8/7</a:t>
             </a:fld>
             <a:endParaRPr kumimoji="1" lang="ja-JP" altLang="en-US"/>
           </a:p>
@@ -3226,7 +3226,7 @@
           <a:p>
             <a:fld id="{C86328C3-D5F4-4C2C-ACFC-4B0C4F5663EC}" type="datetimeFigureOut">
               <a:rPr kumimoji="1" lang="ja-JP" altLang="en-US" smtClean="0"/>
-              <a:t>2025/8/5</a:t>
+              <a:t>2025/8/7</a:t>
             </a:fld>
             <a:endParaRPr kumimoji="1" lang="ja-JP" altLang="en-US"/>
           </a:p>
@@ -10042,7 +10042,7 @@
         </p:blipFill>
         <p:spPr>
           <a:xfrm>
-            <a:off x="7791326" y="1221965"/>
+            <a:off x="8853508" y="1221965"/>
             <a:ext cx="1116687" cy="1277401"/>
           </a:xfrm>
           <a:prstGeom prst="rect">
@@ -10078,7 +10078,7 @@
         </p:blipFill>
         <p:spPr>
           <a:xfrm>
-            <a:off x="6267328" y="1221965"/>
+            <a:off x="7329510" y="1221965"/>
             <a:ext cx="1116687" cy="1277401"/>
           </a:xfrm>
           <a:prstGeom prst="rect">
@@ -10114,7 +10114,7 @@
         </p:blipFill>
         <p:spPr>
           <a:xfrm>
-            <a:off x="4632492" y="961497"/>
+            <a:off x="5156675" y="1010915"/>
             <a:ext cx="1227525" cy="1537869"/>
           </a:xfrm>
           <a:prstGeom prst="rect">
@@ -10150,7 +10150,7 @@
         </p:blipFill>
         <p:spPr>
           <a:xfrm>
-            <a:off x="3282145" y="750447"/>
+            <a:off x="3634056" y="1010915"/>
             <a:ext cx="1233067" cy="1537869"/>
           </a:xfrm>
           <a:prstGeom prst="rect">
@@ -10277,6 +10277,242 @@
           </a:p>
         </p:txBody>
       </p:sp>
+      <p:grpSp>
+        <p:nvGrpSpPr>
+          <p:cNvPr id="2" name="グループ化 1">
+            <a:extLst>
+              <a:ext uri="{FF2B5EF4-FFF2-40B4-BE49-F238E27FC236}">
+                <a16:creationId xmlns:a16="http://schemas.microsoft.com/office/drawing/2014/main" id="{554C5A45-020A-D7DF-A592-B3C13BA196C2}"/>
+              </a:ext>
+            </a:extLst>
+          </p:cNvPr>
+          <p:cNvGrpSpPr/>
+          <p:nvPr/>
+        </p:nvGrpSpPr>
+        <p:grpSpPr>
+          <a:xfrm>
+            <a:off x="6267328" y="3325083"/>
+            <a:ext cx="1750291" cy="2258291"/>
+            <a:chOff x="2558474" y="3683001"/>
+            <a:chExt cx="1750291" cy="2258291"/>
+          </a:xfrm>
+        </p:grpSpPr>
+        <p:sp>
+          <p:nvSpPr>
+            <p:cNvPr id="4" name="フリーフォーム: 図形 3">
+              <a:extLst>
+                <a:ext uri="{FF2B5EF4-FFF2-40B4-BE49-F238E27FC236}">
+                  <a16:creationId xmlns:a16="http://schemas.microsoft.com/office/drawing/2014/main" id="{297F2D58-CE91-91B7-57C6-AF2BBF69BB92}"/>
+                </a:ext>
+              </a:extLst>
+            </p:cNvPr>
+            <p:cNvSpPr/>
+            <p:nvPr/>
+          </p:nvSpPr>
+          <p:spPr>
+            <a:xfrm>
+              <a:off x="2558474" y="3683001"/>
+              <a:ext cx="1597891" cy="2068945"/>
+            </a:xfrm>
+            <a:custGeom>
+              <a:avLst/>
+              <a:gdLst>
+                <a:gd name="connsiteX0" fmla="*/ 102904 w 1597891"/>
+                <a:gd name="connsiteY0" fmla="*/ 0 h 2068945"/>
+                <a:gd name="connsiteX1" fmla="*/ 1494987 w 1597891"/>
+                <a:gd name="connsiteY1" fmla="*/ 0 h 2068945"/>
+                <a:gd name="connsiteX2" fmla="*/ 1597891 w 1597891"/>
+                <a:gd name="connsiteY2" fmla="*/ 102904 h 2068945"/>
+                <a:gd name="connsiteX3" fmla="*/ 1597891 w 1597891"/>
+                <a:gd name="connsiteY3" fmla="*/ 170873 h 2068945"/>
+                <a:gd name="connsiteX4" fmla="*/ 255304 w 1597891"/>
+                <a:gd name="connsiteY4" fmla="*/ 170873 h 2068945"/>
+                <a:gd name="connsiteX5" fmla="*/ 152400 w 1597891"/>
+                <a:gd name="connsiteY5" fmla="*/ 273777 h 2068945"/>
+                <a:gd name="connsiteX6" fmla="*/ 152400 w 1597891"/>
+                <a:gd name="connsiteY6" fmla="*/ 2068945 h 2068945"/>
+                <a:gd name="connsiteX7" fmla="*/ 102904 w 1597891"/>
+                <a:gd name="connsiteY7" fmla="*/ 2068945 h 2068945"/>
+                <a:gd name="connsiteX8" fmla="*/ 0 w 1597891"/>
+                <a:gd name="connsiteY8" fmla="*/ 1966041 h 2068945"/>
+                <a:gd name="connsiteX9" fmla="*/ 0 w 1597891"/>
+                <a:gd name="connsiteY9" fmla="*/ 102904 h 2068945"/>
+                <a:gd name="connsiteX10" fmla="*/ 102904 w 1597891"/>
+                <a:gd name="connsiteY10" fmla="*/ 0 h 2068945"/>
+              </a:gdLst>
+              <a:ahLst/>
+              <a:cxnLst>
+                <a:cxn ang="0">
+                  <a:pos x="connsiteX0" y="connsiteY0"/>
+                </a:cxn>
+                <a:cxn ang="0">
+                  <a:pos x="connsiteX1" y="connsiteY1"/>
+                </a:cxn>
+                <a:cxn ang="0">
+                  <a:pos x="connsiteX2" y="connsiteY2"/>
+                </a:cxn>
+                <a:cxn ang="0">
+                  <a:pos x="connsiteX3" y="connsiteY3"/>
+                </a:cxn>
+                <a:cxn ang="0">
+                  <a:pos x="connsiteX4" y="connsiteY4"/>
+                </a:cxn>
+                <a:cxn ang="0">
+                  <a:pos x="connsiteX5" y="connsiteY5"/>
+                </a:cxn>
+                <a:cxn ang="0">
+                  <a:pos x="connsiteX6" y="connsiteY6"/>
+                </a:cxn>
+                <a:cxn ang="0">
+                  <a:pos x="connsiteX7" y="connsiteY7"/>
+                </a:cxn>
+                <a:cxn ang="0">
+                  <a:pos x="connsiteX8" y="connsiteY8"/>
+                </a:cxn>
+                <a:cxn ang="0">
+                  <a:pos x="connsiteX9" y="connsiteY9"/>
+                </a:cxn>
+                <a:cxn ang="0">
+                  <a:pos x="connsiteX10" y="connsiteY10"/>
+                </a:cxn>
+              </a:cxnLst>
+              <a:rect l="l" t="t" r="r" b="b"/>
+              <a:pathLst>
+                <a:path w="1597891" h="2068945">
+                  <a:moveTo>
+                    <a:pt x="102904" y="0"/>
+                  </a:moveTo>
+                  <a:lnTo>
+                    <a:pt x="1494987" y="0"/>
+                  </a:lnTo>
+                  <a:cubicBezTo>
+                    <a:pt x="1551819" y="0"/>
+                    <a:pt x="1597891" y="46072"/>
+                    <a:pt x="1597891" y="102904"/>
+                  </a:cubicBezTo>
+                  <a:lnTo>
+                    <a:pt x="1597891" y="170873"/>
+                  </a:lnTo>
+                  <a:lnTo>
+                    <a:pt x="255304" y="170873"/>
+                  </a:lnTo>
+                  <a:cubicBezTo>
+                    <a:pt x="198472" y="170873"/>
+                    <a:pt x="152400" y="216945"/>
+                    <a:pt x="152400" y="273777"/>
+                  </a:cubicBezTo>
+                  <a:lnTo>
+                    <a:pt x="152400" y="2068945"/>
+                  </a:lnTo>
+                  <a:lnTo>
+                    <a:pt x="102904" y="2068945"/>
+                  </a:lnTo>
+                  <a:cubicBezTo>
+                    <a:pt x="46072" y="2068945"/>
+                    <a:pt x="0" y="2022873"/>
+                    <a:pt x="0" y="1966041"/>
+                  </a:cubicBezTo>
+                  <a:lnTo>
+                    <a:pt x="0" y="102904"/>
+                  </a:lnTo>
+                  <a:cubicBezTo>
+                    <a:pt x="0" y="46072"/>
+                    <a:pt x="46072" y="0"/>
+                    <a:pt x="102904" y="0"/>
+                  </a:cubicBezTo>
+                  <a:close/>
+                </a:path>
+              </a:pathLst>
+            </a:custGeom>
+            <a:noFill/>
+            <a:ln w="76200">
+              <a:solidFill>
+                <a:schemeClr val="tx1"/>
+              </a:solidFill>
+            </a:ln>
+          </p:spPr>
+          <p:style>
+            <a:lnRef idx="2">
+              <a:schemeClr val="accent1">
+                <a:shade val="15000"/>
+              </a:schemeClr>
+            </a:lnRef>
+            <a:fillRef idx="1">
+              <a:schemeClr val="accent1"/>
+            </a:fillRef>
+            <a:effectRef idx="0">
+              <a:schemeClr val="accent1"/>
+            </a:effectRef>
+            <a:fontRef idx="minor">
+              <a:schemeClr val="lt1"/>
+            </a:fontRef>
+          </p:style>
+          <p:txBody>
+            <a:bodyPr wrap="square" rtlCol="0" anchor="ctr">
+              <a:noAutofit/>
+            </a:bodyPr>
+            <a:lstStyle/>
+            <a:p>
+              <a:pPr algn="ctr"/>
+              <a:endParaRPr kumimoji="1" lang="ja-JP" altLang="en-US"/>
+            </a:p>
+          </p:txBody>
+        </p:sp>
+        <p:sp>
+          <p:nvSpPr>
+            <p:cNvPr id="6" name="四角形: 角を丸くする 5">
+              <a:extLst>
+                <a:ext uri="{FF2B5EF4-FFF2-40B4-BE49-F238E27FC236}">
+                  <a16:creationId xmlns:a16="http://schemas.microsoft.com/office/drawing/2014/main" id="{094F2BC3-06DD-2D39-0067-D078ADE06482}"/>
+                </a:ext>
+              </a:extLst>
+            </p:cNvPr>
+            <p:cNvSpPr/>
+            <p:nvPr/>
+          </p:nvSpPr>
+          <p:spPr>
+            <a:xfrm>
+              <a:off x="2710874" y="3872347"/>
+              <a:ext cx="1597891" cy="2068945"/>
+            </a:xfrm>
+            <a:prstGeom prst="roundRect">
+              <a:avLst>
+                <a:gd name="adj" fmla="val 6440"/>
+              </a:avLst>
+            </a:prstGeom>
+            <a:noFill/>
+            <a:ln w="76200">
+              <a:solidFill>
+                <a:schemeClr val="tx1"/>
+              </a:solidFill>
+            </a:ln>
+          </p:spPr>
+          <p:style>
+            <a:lnRef idx="2">
+              <a:schemeClr val="accent1">
+                <a:shade val="15000"/>
+              </a:schemeClr>
+            </a:lnRef>
+            <a:fillRef idx="1">
+              <a:schemeClr val="accent1"/>
+            </a:fillRef>
+            <a:effectRef idx="0">
+              <a:schemeClr val="accent1"/>
+            </a:effectRef>
+            <a:fontRef idx="minor">
+              <a:schemeClr val="lt1"/>
+            </a:fontRef>
+          </p:style>
+          <p:txBody>
+            <a:bodyPr rtlCol="0" anchor="ctr"/>
+            <a:lstStyle/>
+            <a:p>
+              <a:pPr algn="ctr"/>
+              <a:endParaRPr kumimoji="1" lang="ja-JP" altLang="en-US"/>
+            </a:p>
+          </p:txBody>
+        </p:sp>
+      </p:grpSp>
     </p:spTree>
     <p:extLst>
       <p:ext uri="{BB962C8B-B14F-4D97-AF65-F5344CB8AC3E}">
@@ -17695,6 +17931,244 @@
           </a:prstGeom>
         </p:spPr>
       </p:pic>
+      <p:sp>
+        <p:nvSpPr>
+          <p:cNvPr id="2" name="楕円 1">
+            <a:extLst>
+              <a:ext uri="{FF2B5EF4-FFF2-40B4-BE49-F238E27FC236}">
+                <a16:creationId xmlns:a16="http://schemas.microsoft.com/office/drawing/2014/main" id="{B5867B8F-B85F-C134-F6B0-3307C99987C8}"/>
+              </a:ext>
+            </a:extLst>
+          </p:cNvPr>
+          <p:cNvSpPr/>
+          <p:nvPr/>
+        </p:nvSpPr>
+        <p:spPr>
+          <a:xfrm>
+            <a:off x="1496291" y="1256145"/>
+            <a:ext cx="822036" cy="822036"/>
+          </a:xfrm>
+          <a:prstGeom prst="ellipse">
+            <a:avLst/>
+          </a:prstGeom>
+          <a:noFill/>
+          <a:ln w="28575">
+            <a:solidFill>
+              <a:schemeClr val="tx1">
+                <a:lumMod val="85000"/>
+                <a:lumOff val="15000"/>
+              </a:schemeClr>
+            </a:solidFill>
+          </a:ln>
+        </p:spPr>
+        <p:style>
+          <a:lnRef idx="2">
+            <a:schemeClr val="accent1">
+              <a:shade val="15000"/>
+            </a:schemeClr>
+          </a:lnRef>
+          <a:fillRef idx="1">
+            <a:schemeClr val="accent1"/>
+          </a:fillRef>
+          <a:effectRef idx="0">
+            <a:schemeClr val="accent1"/>
+          </a:effectRef>
+          <a:fontRef idx="minor">
+            <a:schemeClr val="lt1"/>
+          </a:fontRef>
+        </p:style>
+        <p:txBody>
+          <a:bodyPr rtlCol="0" anchor="ctr"/>
+          <a:lstStyle/>
+          <a:p>
+            <a:pPr algn="ctr"/>
+            <a:endParaRPr kumimoji="1" lang="ja-JP" altLang="en-US"/>
+          </a:p>
+        </p:txBody>
+      </p:sp>
+      <p:sp>
+        <p:nvSpPr>
+          <p:cNvPr id="4" name="四角形: 角を丸くする 3">
+            <a:extLst>
+              <a:ext uri="{FF2B5EF4-FFF2-40B4-BE49-F238E27FC236}">
+                <a16:creationId xmlns:a16="http://schemas.microsoft.com/office/drawing/2014/main" id="{9ACB0DD9-821E-CD3C-A98A-16ECA4CF932A}"/>
+              </a:ext>
+            </a:extLst>
+          </p:cNvPr>
+          <p:cNvSpPr/>
+          <p:nvPr/>
+        </p:nvSpPr>
+        <p:spPr>
+          <a:xfrm>
+            <a:off x="3565422" y="1085482"/>
+            <a:ext cx="674069" cy="992699"/>
+          </a:xfrm>
+          <a:prstGeom prst="roundRect">
+            <a:avLst>
+              <a:gd name="adj" fmla="val 9596"/>
+            </a:avLst>
+          </a:prstGeom>
+          <a:solidFill>
+            <a:schemeClr val="tx1">
+              <a:lumMod val="85000"/>
+              <a:lumOff val="15000"/>
+            </a:schemeClr>
+          </a:solidFill>
+          <a:ln w="38100">
+            <a:noFill/>
+          </a:ln>
+        </p:spPr>
+        <p:style>
+          <a:lnRef idx="2">
+            <a:schemeClr val="accent1">
+              <a:shade val="15000"/>
+            </a:schemeClr>
+          </a:lnRef>
+          <a:fillRef idx="1">
+            <a:schemeClr val="accent1"/>
+          </a:fillRef>
+          <a:effectRef idx="0">
+            <a:schemeClr val="accent1"/>
+          </a:effectRef>
+          <a:fontRef idx="minor">
+            <a:schemeClr val="lt1"/>
+          </a:fontRef>
+        </p:style>
+        <p:txBody>
+          <a:bodyPr rtlCol="0" anchor="ctr"/>
+          <a:lstStyle/>
+          <a:p>
+            <a:pPr algn="ctr"/>
+            <a:endParaRPr kumimoji="1" lang="ja-JP" altLang="en-US" sz="2400" b="1" dirty="0">
+              <a:solidFill>
+                <a:schemeClr val="bg1"/>
+              </a:solidFill>
+            </a:endParaRPr>
+          </a:p>
+        </p:txBody>
+      </p:sp>
+      <p:sp>
+        <p:nvSpPr>
+          <p:cNvPr id="5" name="四角形: 角を丸くする 4">
+            <a:extLst>
+              <a:ext uri="{FF2B5EF4-FFF2-40B4-BE49-F238E27FC236}">
+                <a16:creationId xmlns:a16="http://schemas.microsoft.com/office/drawing/2014/main" id="{A818A71E-A880-232D-9B03-693167A7F9CF}"/>
+              </a:ext>
+            </a:extLst>
+          </p:cNvPr>
+          <p:cNvSpPr/>
+          <p:nvPr/>
+        </p:nvSpPr>
+        <p:spPr>
+          <a:xfrm>
+            <a:off x="3727058" y="1256145"/>
+            <a:ext cx="674069" cy="992699"/>
+          </a:xfrm>
+          <a:prstGeom prst="roundRect">
+            <a:avLst>
+              <a:gd name="adj" fmla="val 9596"/>
+            </a:avLst>
+          </a:prstGeom>
+          <a:solidFill>
+            <a:schemeClr val="tx1">
+              <a:lumMod val="85000"/>
+              <a:lumOff val="15000"/>
+            </a:schemeClr>
+          </a:solidFill>
+          <a:ln w="38100">
+            <a:noFill/>
+          </a:ln>
+        </p:spPr>
+        <p:style>
+          <a:lnRef idx="2">
+            <a:schemeClr val="accent1">
+              <a:shade val="15000"/>
+            </a:schemeClr>
+          </a:lnRef>
+          <a:fillRef idx="1">
+            <a:schemeClr val="accent1"/>
+          </a:fillRef>
+          <a:effectRef idx="0">
+            <a:schemeClr val="accent1"/>
+          </a:effectRef>
+          <a:fontRef idx="minor">
+            <a:schemeClr val="lt1"/>
+          </a:fontRef>
+        </p:style>
+        <p:txBody>
+          <a:bodyPr rtlCol="0" anchor="ctr"/>
+          <a:lstStyle/>
+          <a:p>
+            <a:pPr algn="ctr"/>
+            <a:endParaRPr kumimoji="1" lang="ja-JP" altLang="en-US" sz="2400" b="1" dirty="0">
+              <a:solidFill>
+                <a:schemeClr val="bg1"/>
+              </a:solidFill>
+            </a:endParaRPr>
+          </a:p>
+        </p:txBody>
+      </p:sp>
+      <p:sp>
+        <p:nvSpPr>
+          <p:cNvPr id="6" name="四角形: 角を丸くする 5">
+            <a:extLst>
+              <a:ext uri="{FF2B5EF4-FFF2-40B4-BE49-F238E27FC236}">
+                <a16:creationId xmlns:a16="http://schemas.microsoft.com/office/drawing/2014/main" id="{C5509410-A3AC-11F0-EE2D-FBC21DE373F4}"/>
+              </a:ext>
+            </a:extLst>
+          </p:cNvPr>
+          <p:cNvSpPr/>
+          <p:nvPr/>
+        </p:nvSpPr>
+        <p:spPr>
+          <a:xfrm>
+            <a:off x="3888694" y="1426808"/>
+            <a:ext cx="674069" cy="992699"/>
+          </a:xfrm>
+          <a:prstGeom prst="roundRect">
+            <a:avLst>
+              <a:gd name="adj" fmla="val 9596"/>
+            </a:avLst>
+          </a:prstGeom>
+          <a:solidFill>
+            <a:schemeClr val="tx1">
+              <a:lumMod val="85000"/>
+              <a:lumOff val="15000"/>
+            </a:schemeClr>
+          </a:solidFill>
+          <a:ln w="38100">
+            <a:noFill/>
+          </a:ln>
+        </p:spPr>
+        <p:style>
+          <a:lnRef idx="2">
+            <a:schemeClr val="accent1">
+              <a:shade val="15000"/>
+            </a:schemeClr>
+          </a:lnRef>
+          <a:fillRef idx="1">
+            <a:schemeClr val="accent1"/>
+          </a:fillRef>
+          <a:effectRef idx="0">
+            <a:schemeClr val="accent1"/>
+          </a:effectRef>
+          <a:fontRef idx="minor">
+            <a:schemeClr val="lt1"/>
+          </a:fontRef>
+        </p:style>
+        <p:txBody>
+          <a:bodyPr rtlCol="0" anchor="ctr"/>
+          <a:lstStyle/>
+          <a:p>
+            <a:pPr algn="ctr"/>
+            <a:endParaRPr kumimoji="1" lang="ja-JP" altLang="en-US" sz="2400" b="1" dirty="0">
+              <a:solidFill>
+                <a:schemeClr val="bg1"/>
+              </a:solidFill>
+            </a:endParaRPr>
+          </a:p>
+        </p:txBody>
+      </p:sp>
     </p:spTree>
     <p:extLst>
       <p:ext uri="{BB962C8B-B14F-4D97-AF65-F5344CB8AC3E}">
